--- a/Docs/Async showcase.pptx
+++ b/Docs/Async showcase.pptx
@@ -10,6 +10,12 @@
     <p:sldId id="258" r:id="rId4"/>
     <p:sldId id="259" r:id="rId5"/>
     <p:sldId id="260" r:id="rId6"/>
+    <p:sldId id="261" r:id="rId7"/>
+    <p:sldId id="262" r:id="rId8"/>
+    <p:sldId id="265" r:id="rId9"/>
+    <p:sldId id="263" r:id="rId10"/>
+    <p:sldId id="264" r:id="rId11"/>
+    <p:sldId id="266" r:id="rId12"/>
   </p:sldIdLst>
   <p:sldSz cx="12192000" cy="6858000"/>
   <p:notesSz cx="6858000" cy="9144000"/>
@@ -108,6 +114,11 @@
       </a:defRPr>
     </a:lvl9pPr>
   </p:defaultTextStyle>
+  <p:extLst>
+    <p:ext uri="{EFAFB233-063F-42B5-8137-9DF3F51BA10A}">
+      <p15:sldGuideLst xmlns:p15="http://schemas.microsoft.com/office/powerpoint/2012/main"/>
+    </p:ext>
+  </p:extLst>
 </p:presentation>
 </file>
 
@@ -862,7 +873,7 @@
 <dgm:dataModel xmlns:dgm="http://schemas.openxmlformats.org/drawingml/2006/diagram" xmlns:a="http://schemas.openxmlformats.org/drawingml/2006/main">
   <dgm:ptLst>
     <dgm:pt modelId="{CE24BDF1-768F-4A38-921B-E99BA38D46B1}" type="doc">
-      <dgm:prSet loTypeId="urn:microsoft.com/office/officeart/2016/7/layout/LinearBlockProcessNumbered" loCatId="process" qsTypeId="urn:microsoft.com/office/officeart/2005/8/quickstyle/simple4" qsCatId="simple" csTypeId="urn:microsoft.com/office/officeart/2005/8/colors/accent1_2" csCatId="accent1" phldr="1"/>
+      <dgm:prSet loTypeId="urn:microsoft.com/office/officeart/2005/8/layout/process1" loCatId="process" qsTypeId="urn:microsoft.com/office/officeart/2005/8/quickstyle/simple1" qsCatId="simple" csTypeId="urn:microsoft.com/office/officeart/2005/8/colors/accent1_2" csCatId="accent1" phldr="1"/>
       <dgm:spPr/>
     </dgm:pt>
     <dgm:pt modelId="{E2E89DBC-0DDC-4B32-9E07-94595DE9754E}">
@@ -898,10 +909,7 @@
         <a:bodyPr/>
         <a:lstStyle/>
         <a:p>
-          <a:r>
-            <a:rPr lang="nl-NL"/>
-            <a:t>01</a:t>
-          </a:r>
+          <a:endParaRPr lang="nl-NL" dirty="0"/>
         </a:p>
       </dgm:t>
     </dgm:pt>
@@ -938,10 +946,7 @@
         <a:bodyPr/>
         <a:lstStyle/>
         <a:p>
-          <a:r>
-            <a:rPr lang="nl-NL"/>
-            <a:t>02</a:t>
-          </a:r>
+          <a:endParaRPr lang="nl-NL"/>
         </a:p>
       </dgm:t>
     </dgm:pt>
@@ -954,7 +959,15 @@
         <a:p>
           <a:r>
             <a:rPr lang="en-US" dirty="0" err="1"/>
-            <a:t>Waarom</a:t>
+            <a:t>Voor</a:t>
+          </a:r>
+          <a:r>
+            <a:rPr lang="en-US" dirty="0"/>
+            <a:t>- </a:t>
+          </a:r>
+          <a:r>
+            <a:rPr lang="en-US" dirty="0" err="1"/>
+            <a:t>en</a:t>
           </a:r>
           <a:r>
             <a:rPr lang="en-US" dirty="0"/>
@@ -962,15 +975,7 @@
           </a:r>
           <a:r>
             <a:rPr lang="en-US" dirty="0" err="1"/>
-            <a:t>asynchroon</a:t>
-          </a:r>
-          <a:r>
-            <a:rPr lang="en-US" dirty="0"/>
-            <a:t> </a:t>
-          </a:r>
-          <a:r>
-            <a:rPr lang="en-US" dirty="0" err="1"/>
-            <a:t>programmeren</a:t>
+            <a:t>nadelen</a:t>
           </a:r>
           <a:endParaRPr lang="nl-NL" dirty="0"/>
         </a:p>
@@ -994,10 +999,7 @@
         <a:bodyPr/>
         <a:lstStyle/>
         <a:p>
-          <a:r>
-            <a:rPr lang="nl-NL"/>
-            <a:t>03</a:t>
-          </a:r>
+          <a:endParaRPr lang="nl-NL" dirty="0"/>
         </a:p>
       </dgm:t>
     </dgm:pt>
@@ -1010,7 +1012,7 @@
         <a:p>
           <a:r>
             <a:rPr lang="en-US" dirty="0"/>
-            <a:t>Tasks?</a:t>
+            <a:t>Tasks</a:t>
           </a:r>
           <a:endParaRPr lang="nl-NL" dirty="0"/>
         </a:p>
@@ -1034,10 +1036,7 @@
         <a:bodyPr/>
         <a:lstStyle/>
         <a:p>
-          <a:r>
-            <a:rPr lang="nl-NL"/>
-            <a:t>04</a:t>
-          </a:r>
+          <a:endParaRPr lang="nl-NL"/>
         </a:p>
       </dgm:t>
     </dgm:pt>
@@ -1074,180 +1073,252 @@
         <a:bodyPr/>
         <a:lstStyle/>
         <a:p>
+          <a:endParaRPr lang="nl-NL" dirty="0"/>
+        </a:p>
+      </dgm:t>
+    </dgm:pt>
+    <dgm:pt modelId="{DD5A047E-F2EB-47A1-8FBA-EF9003E730FC}">
+      <dgm:prSet phldrT="[Tekst]"/>
+      <dgm:spPr/>
+      <dgm:t>
+        <a:bodyPr/>
+        <a:lstStyle/>
+        <a:p>
           <a:r>
-            <a:rPr lang="en-US"/>
-            <a:t>05</a:t>
+            <a:rPr lang="en-US" dirty="0"/>
+            <a:t>Van sync </a:t>
           </a:r>
+          <a:r>
+            <a:rPr lang="en-US" dirty="0" err="1"/>
+            <a:t>naar</a:t>
+          </a:r>
+          <a:r>
+            <a:rPr lang="en-US" dirty="0"/>
+            <a:t> async</a:t>
+          </a:r>
+          <a:endParaRPr lang="nl-NL" dirty="0"/>
         </a:p>
+      </dgm:t>
+    </dgm:pt>
+    <dgm:pt modelId="{06BBA191-5991-49C6-8880-085BB40D02E8}" type="parTrans" cxnId="{769BC13E-027B-4AB2-B2E0-4061F1F1B935}">
+      <dgm:prSet/>
+      <dgm:spPr/>
+      <dgm:t>
+        <a:bodyPr/>
+        <a:lstStyle/>
         <a:p>
           <a:endParaRPr lang="nl-NL"/>
         </a:p>
       </dgm:t>
     </dgm:pt>
-    <dgm:pt modelId="{BEC45D9E-5ABB-4378-A1F2-2EBE37714967}" type="pres">
+    <dgm:pt modelId="{2FB3BF38-3F76-4818-95CD-A75FDCD87CC0}" type="sibTrans" cxnId="{769BC13E-027B-4AB2-B2E0-4061F1F1B935}">
+      <dgm:prSet/>
+      <dgm:spPr/>
+      <dgm:t>
+        <a:bodyPr/>
+        <a:lstStyle/>
+        <a:p>
+          <a:endParaRPr lang="nl-NL"/>
+        </a:p>
+      </dgm:t>
+    </dgm:pt>
+    <dgm:pt modelId="{EE8BE84C-1EA1-4CF6-BEAB-E4A1908AA545}">
+      <dgm:prSet phldrT="[Tekst]"/>
+      <dgm:spPr/>
+      <dgm:t>
+        <a:bodyPr/>
+        <a:lstStyle/>
+        <a:p>
+          <a:r>
+            <a:rPr lang="en-US" dirty="0" err="1"/>
+            <a:t>Vragen</a:t>
+          </a:r>
+          <a:endParaRPr lang="nl-NL" dirty="0"/>
+        </a:p>
+      </dgm:t>
+    </dgm:pt>
+    <dgm:pt modelId="{55FBBFF8-D07B-4538-8A40-3876D51B4493}" type="parTrans" cxnId="{C0CDAAC0-B281-4B2F-BBD8-23B8A275EABC}">
+      <dgm:prSet/>
+      <dgm:spPr/>
+      <dgm:t>
+        <a:bodyPr/>
+        <a:lstStyle/>
+        <a:p>
+          <a:endParaRPr lang="nl-NL"/>
+        </a:p>
+      </dgm:t>
+    </dgm:pt>
+    <dgm:pt modelId="{D4FE04BB-7071-4382-B748-A025C21E5CD1}" type="sibTrans" cxnId="{C0CDAAC0-B281-4B2F-BBD8-23B8A275EABC}">
+      <dgm:prSet/>
+      <dgm:spPr/>
+      <dgm:t>
+        <a:bodyPr/>
+        <a:lstStyle/>
+        <a:p>
+          <a:endParaRPr lang="nl-NL"/>
+        </a:p>
+      </dgm:t>
+    </dgm:pt>
+    <dgm:pt modelId="{B223B5CC-412B-45E3-AD5A-BD591DCDA11D}">
+      <dgm:prSet phldrT="[Tekst]"/>
+      <dgm:spPr/>
+      <dgm:t>
+        <a:bodyPr/>
+        <a:lstStyle/>
+        <a:p>
+          <a:r>
+            <a:rPr lang="en-US" dirty="0"/>
+            <a:t>Quiz</a:t>
+          </a:r>
+          <a:endParaRPr lang="nl-NL" dirty="0"/>
+        </a:p>
+      </dgm:t>
+    </dgm:pt>
+    <dgm:pt modelId="{C1870D61-7F3A-433C-9533-BA85CC427B20}" type="parTrans" cxnId="{460BA37D-EFF3-4006-839B-298E6F69E13F}">
+      <dgm:prSet/>
+      <dgm:spPr/>
+      <dgm:t>
+        <a:bodyPr/>
+        <a:lstStyle/>
+        <a:p>
+          <a:endParaRPr lang="nl-NL"/>
+        </a:p>
+      </dgm:t>
+    </dgm:pt>
+    <dgm:pt modelId="{9152E341-A4C7-416A-A30D-2E36768E517C}" type="sibTrans" cxnId="{460BA37D-EFF3-4006-839B-298E6F69E13F}">
+      <dgm:prSet/>
+      <dgm:spPr/>
+      <dgm:t>
+        <a:bodyPr/>
+        <a:lstStyle/>
+        <a:p>
+          <a:endParaRPr lang="nl-NL"/>
+        </a:p>
+      </dgm:t>
+    </dgm:pt>
+    <dgm:pt modelId="{D621A8BA-869A-4E41-8022-B52F05BD1BCC}" type="pres">
       <dgm:prSet presAssocID="{CE24BDF1-768F-4A38-921B-E99BA38D46B1}" presName="Name0" presStyleCnt="0">
         <dgm:presLayoutVars>
-          <dgm:animLvl val="lvl"/>
+          <dgm:dir/>
           <dgm:resizeHandles val="exact"/>
         </dgm:presLayoutVars>
       </dgm:prSet>
       <dgm:spPr/>
     </dgm:pt>
-    <dgm:pt modelId="{A3AB36DB-09C7-404E-9363-C0C9DC788B9F}" type="pres">
-      <dgm:prSet presAssocID="{E2E89DBC-0DDC-4B32-9E07-94595DE9754E}" presName="compositeNode" presStyleCnt="0">
+    <dgm:pt modelId="{F9642252-ECB3-42E7-B8F2-B6F6677A2903}" type="pres">
+      <dgm:prSet presAssocID="{E2E89DBC-0DDC-4B32-9E07-94595DE9754E}" presName="node" presStyleLbl="node1" presStyleIdx="0" presStyleCnt="8">
         <dgm:presLayoutVars>
           <dgm:bulletEnabled val="1"/>
         </dgm:presLayoutVars>
       </dgm:prSet>
       <dgm:spPr/>
     </dgm:pt>
-    <dgm:pt modelId="{897F630A-A99D-49A8-856D-DE4BBD02BA15}" type="pres">
-      <dgm:prSet presAssocID="{E2E89DBC-0DDC-4B32-9E07-94595DE9754E}" presName="bgRect" presStyleLbl="alignNode1" presStyleIdx="0" presStyleCnt="5"/>
+    <dgm:pt modelId="{E0AA871E-ED43-4174-9157-973A41CEBFC2}" type="pres">
+      <dgm:prSet presAssocID="{0514F57F-439C-4C4E-B47D-5A3328882D43}" presName="sibTrans" presStyleLbl="sibTrans2D1" presStyleIdx="0" presStyleCnt="7"/>
       <dgm:spPr/>
     </dgm:pt>
-    <dgm:pt modelId="{2C83690A-2B67-4CC9-852F-D0410F1B3327}" type="pres">
-      <dgm:prSet presAssocID="{0514F57F-439C-4C4E-B47D-5A3328882D43}" presName="sibTransNodeRect" presStyleLbl="alignNode1" presStyleIdx="0" presStyleCnt="5">
-        <dgm:presLayoutVars>
-          <dgm:chMax val="0"/>
-          <dgm:bulletEnabled val="1"/>
-        </dgm:presLayoutVars>
-      </dgm:prSet>
+    <dgm:pt modelId="{D1CC479E-1741-42D0-989F-39E509F0CF84}" type="pres">
+      <dgm:prSet presAssocID="{0514F57F-439C-4C4E-B47D-5A3328882D43}" presName="connectorText" presStyleLbl="sibTrans2D1" presStyleIdx="0" presStyleCnt="7"/>
       <dgm:spPr/>
     </dgm:pt>
-    <dgm:pt modelId="{3283F53C-12C1-42B3-B647-F223B61C7CCC}" type="pres">
-      <dgm:prSet presAssocID="{E2E89DBC-0DDC-4B32-9E07-94595DE9754E}" presName="nodeRect" presStyleLbl="alignNode1" presStyleIdx="0" presStyleCnt="5">
+    <dgm:pt modelId="{14598EF5-1F90-437D-BD6A-43D55FF7AF24}" type="pres">
+      <dgm:prSet presAssocID="{B949E668-1EFD-488D-93A4-FCC66643E088}" presName="node" presStyleLbl="node1" presStyleIdx="1" presStyleCnt="8">
         <dgm:presLayoutVars>
           <dgm:bulletEnabled val="1"/>
         </dgm:presLayoutVars>
       </dgm:prSet>
       <dgm:spPr/>
     </dgm:pt>
-    <dgm:pt modelId="{86A18D40-A45E-44C3-AC57-B36BEC2A0F19}" type="pres">
-      <dgm:prSet presAssocID="{0514F57F-439C-4C4E-B47D-5A3328882D43}" presName="sibTrans" presStyleCnt="0"/>
+    <dgm:pt modelId="{D6C40C67-79A8-44C7-AFD1-BD0CB8FF52EC}" type="pres">
+      <dgm:prSet presAssocID="{245E1A70-CC2C-4790-BEC6-3717BED833B3}" presName="sibTrans" presStyleLbl="sibTrans2D1" presStyleIdx="1" presStyleCnt="7"/>
       <dgm:spPr/>
     </dgm:pt>
-    <dgm:pt modelId="{6A088FDB-4F83-4FBD-A986-DC07A74969B9}" type="pres">
-      <dgm:prSet presAssocID="{B949E668-1EFD-488D-93A4-FCC66643E088}" presName="compositeNode" presStyleCnt="0">
+    <dgm:pt modelId="{8EF4EC78-C69C-4A94-B1C6-752C6A3A7B53}" type="pres">
+      <dgm:prSet presAssocID="{245E1A70-CC2C-4790-BEC6-3717BED833B3}" presName="connectorText" presStyleLbl="sibTrans2D1" presStyleIdx="1" presStyleCnt="7"/>
+      <dgm:spPr/>
+    </dgm:pt>
+    <dgm:pt modelId="{47BF4E87-A81F-4C7E-ADA6-53090DEF6D7B}" type="pres">
+      <dgm:prSet presAssocID="{CC1247A2-D608-49E6-8443-8F5390E6F5FC}" presName="node" presStyleLbl="node1" presStyleIdx="2" presStyleCnt="8">
         <dgm:presLayoutVars>
           <dgm:bulletEnabled val="1"/>
         </dgm:presLayoutVars>
       </dgm:prSet>
       <dgm:spPr/>
     </dgm:pt>
-    <dgm:pt modelId="{73C3788C-BD3D-4599-9973-33345355469A}" type="pres">
-      <dgm:prSet presAssocID="{B949E668-1EFD-488D-93A4-FCC66643E088}" presName="bgRect" presStyleLbl="alignNode1" presStyleIdx="1" presStyleCnt="5"/>
+    <dgm:pt modelId="{7A25D9F9-3076-4349-A366-4FF72B9B3B4A}" type="pres">
+      <dgm:prSet presAssocID="{A1C3A4EF-AF74-4F96-B156-E5D8365C99F6}" presName="sibTrans" presStyleLbl="sibTrans2D1" presStyleIdx="2" presStyleCnt="7"/>
       <dgm:spPr/>
     </dgm:pt>
-    <dgm:pt modelId="{842ECAEE-AB58-48AB-927B-3F3ED0B8F5A3}" type="pres">
-      <dgm:prSet presAssocID="{245E1A70-CC2C-4790-BEC6-3717BED833B3}" presName="sibTransNodeRect" presStyleLbl="alignNode1" presStyleIdx="1" presStyleCnt="5">
-        <dgm:presLayoutVars>
-          <dgm:chMax val="0"/>
-          <dgm:bulletEnabled val="1"/>
-        </dgm:presLayoutVars>
-      </dgm:prSet>
+    <dgm:pt modelId="{13EAF9E8-CDB7-4EB1-86E6-D5C2A4112344}" type="pres">
+      <dgm:prSet presAssocID="{A1C3A4EF-AF74-4F96-B156-E5D8365C99F6}" presName="connectorText" presStyleLbl="sibTrans2D1" presStyleIdx="2" presStyleCnt="7"/>
       <dgm:spPr/>
     </dgm:pt>
-    <dgm:pt modelId="{B78454BC-399E-433F-9195-AF0E20A38D8F}" type="pres">
-      <dgm:prSet presAssocID="{B949E668-1EFD-488D-93A4-FCC66643E088}" presName="nodeRect" presStyleLbl="alignNode1" presStyleIdx="1" presStyleCnt="5">
+    <dgm:pt modelId="{0FB666BA-282C-4AB5-9467-1A0E52825016}" type="pres">
+      <dgm:prSet presAssocID="{5C8BCDC8-ABB6-4F70-9A8A-A8BB47AA0359}" presName="node" presStyleLbl="node1" presStyleIdx="3" presStyleCnt="8">
         <dgm:presLayoutVars>
           <dgm:bulletEnabled val="1"/>
         </dgm:presLayoutVars>
       </dgm:prSet>
       <dgm:spPr/>
     </dgm:pt>
-    <dgm:pt modelId="{9F5699B5-793E-4D6A-9840-E9FCFE0BB0D1}" type="pres">
-      <dgm:prSet presAssocID="{245E1A70-CC2C-4790-BEC6-3717BED833B3}" presName="sibTrans" presStyleCnt="0"/>
+    <dgm:pt modelId="{ED2C7E60-73DD-4C59-8BF2-4A0B92D06A6B}" type="pres">
+      <dgm:prSet presAssocID="{235CA083-E861-4810-A9C8-43CA056565E6}" presName="sibTrans" presStyleLbl="sibTrans2D1" presStyleIdx="3" presStyleCnt="7"/>
       <dgm:spPr/>
     </dgm:pt>
-    <dgm:pt modelId="{B5FCA68B-B7A7-4569-8324-487C37E9B5FC}" type="pres">
-      <dgm:prSet presAssocID="{CC1247A2-D608-49E6-8443-8F5390E6F5FC}" presName="compositeNode" presStyleCnt="0">
+    <dgm:pt modelId="{0F2BBB88-83C7-4862-AD7C-E241F5487BB3}" type="pres">
+      <dgm:prSet presAssocID="{235CA083-E861-4810-A9C8-43CA056565E6}" presName="connectorText" presStyleLbl="sibTrans2D1" presStyleIdx="3" presStyleCnt="7"/>
+      <dgm:spPr/>
+    </dgm:pt>
+    <dgm:pt modelId="{264A86A5-2AC3-498B-8ECB-FAD8FA0CFA68}" type="pres">
+      <dgm:prSet presAssocID="{892FAB0D-C5E9-4ABA-B3FE-0B1158E87A71}" presName="node" presStyleLbl="node1" presStyleIdx="4" presStyleCnt="8">
         <dgm:presLayoutVars>
           <dgm:bulletEnabled val="1"/>
         </dgm:presLayoutVars>
       </dgm:prSet>
       <dgm:spPr/>
     </dgm:pt>
-    <dgm:pt modelId="{037C5C27-DDB0-44FB-8A14-EFE465C926AE}" type="pres">
-      <dgm:prSet presAssocID="{CC1247A2-D608-49E6-8443-8F5390E6F5FC}" presName="bgRect" presStyleLbl="alignNode1" presStyleIdx="2" presStyleCnt="5"/>
+    <dgm:pt modelId="{56BD00D5-BB80-4F8F-9C5D-6D6CE5657466}" type="pres">
+      <dgm:prSet presAssocID="{EFC20EF8-A115-497F-BBCC-CF4CBC5DF128}" presName="sibTrans" presStyleLbl="sibTrans2D1" presStyleIdx="4" presStyleCnt="7"/>
       <dgm:spPr/>
     </dgm:pt>
-    <dgm:pt modelId="{A0DD2303-6AE8-490C-8F01-7B7DFECC66AF}" type="pres">
-      <dgm:prSet presAssocID="{A1C3A4EF-AF74-4F96-B156-E5D8365C99F6}" presName="sibTransNodeRect" presStyleLbl="alignNode1" presStyleIdx="2" presStyleCnt="5">
-        <dgm:presLayoutVars>
-          <dgm:chMax val="0"/>
-          <dgm:bulletEnabled val="1"/>
-        </dgm:presLayoutVars>
-      </dgm:prSet>
+    <dgm:pt modelId="{C1D49770-4CB5-46AA-8B09-76271A126359}" type="pres">
+      <dgm:prSet presAssocID="{EFC20EF8-A115-497F-BBCC-CF4CBC5DF128}" presName="connectorText" presStyleLbl="sibTrans2D1" presStyleIdx="4" presStyleCnt="7"/>
       <dgm:spPr/>
     </dgm:pt>
-    <dgm:pt modelId="{1CA504E7-B6EA-4280-89EF-C012B239DCEE}" type="pres">
-      <dgm:prSet presAssocID="{CC1247A2-D608-49E6-8443-8F5390E6F5FC}" presName="nodeRect" presStyleLbl="alignNode1" presStyleIdx="2" presStyleCnt="5">
+    <dgm:pt modelId="{9AB6F593-F929-4DDF-BBD3-81788D375027}" type="pres">
+      <dgm:prSet presAssocID="{DD5A047E-F2EB-47A1-8FBA-EF9003E730FC}" presName="node" presStyleLbl="node1" presStyleIdx="5" presStyleCnt="8">
         <dgm:presLayoutVars>
           <dgm:bulletEnabled val="1"/>
         </dgm:presLayoutVars>
       </dgm:prSet>
       <dgm:spPr/>
     </dgm:pt>
-    <dgm:pt modelId="{9E9773B0-F379-405F-9714-982F84B6870B}" type="pres">
-      <dgm:prSet presAssocID="{A1C3A4EF-AF74-4F96-B156-E5D8365C99F6}" presName="sibTrans" presStyleCnt="0"/>
+    <dgm:pt modelId="{06DA11C5-DE0F-4DEC-9EF9-1063AB80D664}" type="pres">
+      <dgm:prSet presAssocID="{2FB3BF38-3F76-4818-95CD-A75FDCD87CC0}" presName="sibTrans" presStyleLbl="sibTrans2D1" presStyleIdx="5" presStyleCnt="7"/>
       <dgm:spPr/>
     </dgm:pt>
-    <dgm:pt modelId="{0261F744-D36C-409F-99D0-3357D0B6E136}" type="pres">
-      <dgm:prSet presAssocID="{5C8BCDC8-ABB6-4F70-9A8A-A8BB47AA0359}" presName="compositeNode" presStyleCnt="0">
+    <dgm:pt modelId="{31E5CBB2-0BE8-4779-BBDA-ADBDE9F9D35C}" type="pres">
+      <dgm:prSet presAssocID="{2FB3BF38-3F76-4818-95CD-A75FDCD87CC0}" presName="connectorText" presStyleLbl="sibTrans2D1" presStyleIdx="5" presStyleCnt="7"/>
+      <dgm:spPr/>
+    </dgm:pt>
+    <dgm:pt modelId="{562B9793-BB6A-484B-A983-593F5B7B2B41}" type="pres">
+      <dgm:prSet presAssocID="{EE8BE84C-1EA1-4CF6-BEAB-E4A1908AA545}" presName="node" presStyleLbl="node1" presStyleIdx="6" presStyleCnt="8">
         <dgm:presLayoutVars>
           <dgm:bulletEnabled val="1"/>
         </dgm:presLayoutVars>
       </dgm:prSet>
       <dgm:spPr/>
     </dgm:pt>
-    <dgm:pt modelId="{83F5B3D7-1DD8-44A1-9EAB-13A355E0DA3A}" type="pres">
-      <dgm:prSet presAssocID="{5C8BCDC8-ABB6-4F70-9A8A-A8BB47AA0359}" presName="bgRect" presStyleLbl="alignNode1" presStyleIdx="3" presStyleCnt="5"/>
+    <dgm:pt modelId="{1B2D7ABF-D236-4606-8714-35B5C2F0003A}" type="pres">
+      <dgm:prSet presAssocID="{D4FE04BB-7071-4382-B748-A025C21E5CD1}" presName="sibTrans" presStyleLbl="sibTrans2D1" presStyleIdx="6" presStyleCnt="7"/>
       <dgm:spPr/>
     </dgm:pt>
-    <dgm:pt modelId="{EC236498-62AE-4372-AC5E-BEE8545CF314}" type="pres">
-      <dgm:prSet presAssocID="{235CA083-E861-4810-A9C8-43CA056565E6}" presName="sibTransNodeRect" presStyleLbl="alignNode1" presStyleIdx="3" presStyleCnt="5">
-        <dgm:presLayoutVars>
-          <dgm:chMax val="0"/>
-          <dgm:bulletEnabled val="1"/>
-        </dgm:presLayoutVars>
-      </dgm:prSet>
+    <dgm:pt modelId="{D3F99BCD-A0EE-4433-AF21-895B62E8C1B2}" type="pres">
+      <dgm:prSet presAssocID="{D4FE04BB-7071-4382-B748-A025C21E5CD1}" presName="connectorText" presStyleLbl="sibTrans2D1" presStyleIdx="6" presStyleCnt="7"/>
       <dgm:spPr/>
     </dgm:pt>
-    <dgm:pt modelId="{B1FAE523-0C60-4B82-B865-EBEE281FA068}" type="pres">
-      <dgm:prSet presAssocID="{5C8BCDC8-ABB6-4F70-9A8A-A8BB47AA0359}" presName="nodeRect" presStyleLbl="alignNode1" presStyleIdx="3" presStyleCnt="5">
-        <dgm:presLayoutVars>
-          <dgm:bulletEnabled val="1"/>
-        </dgm:presLayoutVars>
-      </dgm:prSet>
-      <dgm:spPr/>
-    </dgm:pt>
-    <dgm:pt modelId="{9674D3E7-7871-49AE-AE6D-C9B79B718664}" type="pres">
-      <dgm:prSet presAssocID="{235CA083-E861-4810-A9C8-43CA056565E6}" presName="sibTrans" presStyleCnt="0"/>
-      <dgm:spPr/>
-    </dgm:pt>
-    <dgm:pt modelId="{BF948F47-5A30-4812-B726-8EA44BD4B2A2}" type="pres">
-      <dgm:prSet presAssocID="{892FAB0D-C5E9-4ABA-B3FE-0B1158E87A71}" presName="compositeNode" presStyleCnt="0">
-        <dgm:presLayoutVars>
-          <dgm:bulletEnabled val="1"/>
-        </dgm:presLayoutVars>
-      </dgm:prSet>
-      <dgm:spPr/>
-    </dgm:pt>
-    <dgm:pt modelId="{135C5244-80CE-4EA1-B092-16A8158BA3C0}" type="pres">
-      <dgm:prSet presAssocID="{892FAB0D-C5E9-4ABA-B3FE-0B1158E87A71}" presName="bgRect" presStyleLbl="alignNode1" presStyleIdx="4" presStyleCnt="5"/>
-      <dgm:spPr/>
-    </dgm:pt>
-    <dgm:pt modelId="{54007DBF-3838-4DA5-A764-A2CD9124FEAB}" type="pres">
-      <dgm:prSet presAssocID="{EFC20EF8-A115-497F-BBCC-CF4CBC5DF128}" presName="sibTransNodeRect" presStyleLbl="alignNode1" presStyleIdx="4" presStyleCnt="5">
-        <dgm:presLayoutVars>
-          <dgm:chMax val="0"/>
-          <dgm:bulletEnabled val="1"/>
-        </dgm:presLayoutVars>
-      </dgm:prSet>
-      <dgm:spPr/>
-    </dgm:pt>
-    <dgm:pt modelId="{54962945-1B2F-46B4-9ECF-559A5A2C27E5}" type="pres">
-      <dgm:prSet presAssocID="{892FAB0D-C5E9-4ABA-B3FE-0B1158E87A71}" presName="nodeRect" presStyleLbl="alignNode1" presStyleIdx="4" presStyleCnt="5">
+    <dgm:pt modelId="{5A92A6CD-470F-44AE-8084-673696A792E7}" type="pres">
+      <dgm:prSet presAssocID="{B223B5CC-412B-45E3-AD5A-BD591DCDA11D}" presName="node" presStyleLbl="node1" presStyleIdx="7" presStyleCnt="8">
         <dgm:presLayoutVars>
           <dgm:bulletEnabled val="1"/>
         </dgm:presLayoutVars>
@@ -1257,50 +1328,58 @@
   </dgm:ptLst>
   <dgm:cxnLst>
     <dgm:cxn modelId="{A42F0803-4C18-4E42-A4D8-6DE8F35CC5F6}" srcId="{CE24BDF1-768F-4A38-921B-E99BA38D46B1}" destId="{B949E668-1EFD-488D-93A4-FCC66643E088}" srcOrd="1" destOrd="0" parTransId="{2E9D9E77-66F1-408D-942D-096D42137425}" sibTransId="{245E1A70-CC2C-4790-BEC6-3717BED833B3}"/>
+    <dgm:cxn modelId="{E7862304-B676-4D51-B30C-FFB63CBC8B80}" type="presOf" srcId="{235CA083-E861-4810-A9C8-43CA056565E6}" destId="{ED2C7E60-73DD-4C59-8BF2-4A0B92D06A6B}" srcOrd="0" destOrd="0" presId="urn:microsoft.com/office/officeart/2005/8/layout/process1"/>
     <dgm:cxn modelId="{CD03C70E-8810-4444-A88D-A121267E8D44}" srcId="{CE24BDF1-768F-4A38-921B-E99BA38D46B1}" destId="{5C8BCDC8-ABB6-4F70-9A8A-A8BB47AA0359}" srcOrd="3" destOrd="0" parTransId="{931051B2-E9C3-4F3C-973B-1E258D8275E1}" sibTransId="{235CA083-E861-4810-A9C8-43CA056565E6}"/>
-    <dgm:cxn modelId="{40F80D18-48D6-44EC-BF4A-D8A0DE9C2D5D}" type="presOf" srcId="{B949E668-1EFD-488D-93A4-FCC66643E088}" destId="{B78454BC-399E-433F-9195-AF0E20A38D8F}" srcOrd="1" destOrd="0" presId="urn:microsoft.com/office/officeart/2016/7/layout/LinearBlockProcessNumbered"/>
+    <dgm:cxn modelId="{9077E810-A37A-43C5-AEA7-0EA70F1F040D}" type="presOf" srcId="{245E1A70-CC2C-4790-BEC6-3717BED833B3}" destId="{8EF4EC78-C69C-4A94-B1C6-752C6A3A7B53}" srcOrd="1" destOrd="0" presId="urn:microsoft.com/office/officeart/2005/8/layout/process1"/>
+    <dgm:cxn modelId="{2BCDA617-32E1-4617-A35B-148EF3B606EA}" type="presOf" srcId="{D4FE04BB-7071-4382-B748-A025C21E5CD1}" destId="{1B2D7ABF-D236-4606-8714-35B5C2F0003A}" srcOrd="0" destOrd="0" presId="urn:microsoft.com/office/officeart/2005/8/layout/process1"/>
     <dgm:cxn modelId="{A56F6421-4DE4-4385-8B97-2A6664285C55}" srcId="{CE24BDF1-768F-4A38-921B-E99BA38D46B1}" destId="{E2E89DBC-0DDC-4B32-9E07-94595DE9754E}" srcOrd="0" destOrd="0" parTransId="{43240772-682C-4085-A7E1-688857038F43}" sibTransId="{0514F57F-439C-4C4E-B47D-5A3328882D43}"/>
-    <dgm:cxn modelId="{8CFDBA29-229D-40E4-80F5-B30FBC108F8F}" type="presOf" srcId="{892FAB0D-C5E9-4ABA-B3FE-0B1158E87A71}" destId="{135C5244-80CE-4EA1-B092-16A8158BA3C0}" srcOrd="0" destOrd="0" presId="urn:microsoft.com/office/officeart/2016/7/layout/LinearBlockProcessNumbered"/>
-    <dgm:cxn modelId="{7C059B30-2198-49AC-BFEA-F09160B06137}" type="presOf" srcId="{B949E668-1EFD-488D-93A4-FCC66643E088}" destId="{73C3788C-BD3D-4599-9973-33345355469A}" srcOrd="0" destOrd="0" presId="urn:microsoft.com/office/officeart/2016/7/layout/LinearBlockProcessNumbered"/>
-    <dgm:cxn modelId="{2C448167-14AF-4FD4-81CD-EA5BFF261D38}" type="presOf" srcId="{5C8BCDC8-ABB6-4F70-9A8A-A8BB47AA0359}" destId="{83F5B3D7-1DD8-44A1-9EAB-13A355E0DA3A}" srcOrd="0" destOrd="0" presId="urn:microsoft.com/office/officeart/2016/7/layout/LinearBlockProcessNumbered"/>
-    <dgm:cxn modelId="{17C0604F-5049-4A53-9FE3-FDF135321142}" type="presOf" srcId="{CC1247A2-D608-49E6-8443-8F5390E6F5FC}" destId="{1CA504E7-B6EA-4280-89EF-C012B239DCEE}" srcOrd="1" destOrd="0" presId="urn:microsoft.com/office/officeart/2016/7/layout/LinearBlockProcessNumbered"/>
+    <dgm:cxn modelId="{7CF93139-94B7-42B8-90D2-8CCEB5F5F54D}" type="presOf" srcId="{EFC20EF8-A115-497F-BBCC-CF4CBC5DF128}" destId="{C1D49770-4CB5-46AA-8B09-76271A126359}" srcOrd="1" destOrd="0" presId="urn:microsoft.com/office/officeart/2005/8/layout/process1"/>
+    <dgm:cxn modelId="{769BC13E-027B-4AB2-B2E0-4061F1F1B935}" srcId="{CE24BDF1-768F-4A38-921B-E99BA38D46B1}" destId="{DD5A047E-F2EB-47A1-8FBA-EF9003E730FC}" srcOrd="5" destOrd="0" parTransId="{06BBA191-5991-49C6-8880-085BB40D02E8}" sibTransId="{2FB3BF38-3F76-4818-95CD-A75FDCD87CC0}"/>
+    <dgm:cxn modelId="{F6E3D93F-5302-4F39-B0B3-ADE591809D97}" type="presOf" srcId="{D4FE04BB-7071-4382-B748-A025C21E5CD1}" destId="{D3F99BCD-A0EE-4433-AF21-895B62E8C1B2}" srcOrd="1" destOrd="0" presId="urn:microsoft.com/office/officeart/2005/8/layout/process1"/>
+    <dgm:cxn modelId="{4C241344-F34D-43C5-A958-1B448DFE989E}" type="presOf" srcId="{0514F57F-439C-4C4E-B47D-5A3328882D43}" destId="{D1CC479E-1741-42D0-989F-39E509F0CF84}" srcOrd="1" destOrd="0" presId="urn:microsoft.com/office/officeart/2005/8/layout/process1"/>
+    <dgm:cxn modelId="{4F3F7667-2238-4EEE-BDF1-255992F7F8C3}" type="presOf" srcId="{892FAB0D-C5E9-4ABA-B3FE-0B1158E87A71}" destId="{264A86A5-2AC3-498B-8ECB-FAD8FA0CFA68}" srcOrd="0" destOrd="0" presId="urn:microsoft.com/office/officeart/2005/8/layout/process1"/>
+    <dgm:cxn modelId="{38CADF4B-4BAA-488F-BE09-81C759DD7D1B}" type="presOf" srcId="{A1C3A4EF-AF74-4F96-B156-E5D8365C99F6}" destId="{7A25D9F9-3076-4349-A366-4FF72B9B3B4A}" srcOrd="0" destOrd="0" presId="urn:microsoft.com/office/officeart/2005/8/layout/process1"/>
     <dgm:cxn modelId="{8DFB5971-C606-4FD5-ABC2-A09B13D4266C}" srcId="{CE24BDF1-768F-4A38-921B-E99BA38D46B1}" destId="{CC1247A2-D608-49E6-8443-8F5390E6F5FC}" srcOrd="2" destOrd="0" parTransId="{F175FBA3-485A-4CF3-928E-D8743AD648EA}" sibTransId="{A1C3A4EF-AF74-4F96-B156-E5D8365C99F6}"/>
-    <dgm:cxn modelId="{8005627B-6418-4EE2-BC6C-EC5B57F1FA2B}" type="presOf" srcId="{CC1247A2-D608-49E6-8443-8F5390E6F5FC}" destId="{037C5C27-DDB0-44FB-8A14-EFE465C926AE}" srcOrd="0" destOrd="0" presId="urn:microsoft.com/office/officeart/2016/7/layout/LinearBlockProcessNumbered"/>
-    <dgm:cxn modelId="{7FC2E29A-E351-44D2-AF00-F87804062516}" type="presOf" srcId="{E2E89DBC-0DDC-4B32-9E07-94595DE9754E}" destId="{3283F53C-12C1-42B3-B647-F223B61C7CCC}" srcOrd="1" destOrd="0" presId="urn:microsoft.com/office/officeart/2016/7/layout/LinearBlockProcessNumbered"/>
-    <dgm:cxn modelId="{0CB402B2-0661-403A-897A-380E24DC3B4B}" type="presOf" srcId="{0514F57F-439C-4C4E-B47D-5A3328882D43}" destId="{2C83690A-2B67-4CC9-852F-D0410F1B3327}" srcOrd="0" destOrd="0" presId="urn:microsoft.com/office/officeart/2016/7/layout/LinearBlockProcessNumbered"/>
+    <dgm:cxn modelId="{9C06E552-CA32-446E-B9BB-505180D9C16E}" type="presOf" srcId="{CC1247A2-D608-49E6-8443-8F5390E6F5FC}" destId="{47BF4E87-A81F-4C7E-ADA6-53090DEF6D7B}" srcOrd="0" destOrd="0" presId="urn:microsoft.com/office/officeart/2005/8/layout/process1"/>
+    <dgm:cxn modelId="{7732AB73-A99C-49A7-87C8-11DD1AE42359}" type="presOf" srcId="{2FB3BF38-3F76-4818-95CD-A75FDCD87CC0}" destId="{06DA11C5-DE0F-4DEC-9EF9-1063AB80D664}" srcOrd="0" destOrd="0" presId="urn:microsoft.com/office/officeart/2005/8/layout/process1"/>
+    <dgm:cxn modelId="{8B85BC56-1162-4CE8-AECB-011C56A95AAD}" type="presOf" srcId="{245E1A70-CC2C-4790-BEC6-3717BED833B3}" destId="{D6C40C67-79A8-44C7-AFD1-BD0CB8FF52EC}" srcOrd="0" destOrd="0" presId="urn:microsoft.com/office/officeart/2005/8/layout/process1"/>
+    <dgm:cxn modelId="{C9F4DC57-F648-4D8F-BCD6-0254B3FE997D}" type="presOf" srcId="{0514F57F-439C-4C4E-B47D-5A3328882D43}" destId="{E0AA871E-ED43-4174-9157-973A41CEBFC2}" srcOrd="0" destOrd="0" presId="urn:microsoft.com/office/officeart/2005/8/layout/process1"/>
+    <dgm:cxn modelId="{460BA37D-EFF3-4006-839B-298E6F69E13F}" srcId="{CE24BDF1-768F-4A38-921B-E99BA38D46B1}" destId="{B223B5CC-412B-45E3-AD5A-BD591DCDA11D}" srcOrd="7" destOrd="0" parTransId="{C1870D61-7F3A-433C-9533-BA85CC427B20}" sibTransId="{9152E341-A4C7-416A-A30D-2E36768E517C}"/>
+    <dgm:cxn modelId="{7125A089-EFFA-43A3-833F-3823A0EF222A}" type="presOf" srcId="{CE24BDF1-768F-4A38-921B-E99BA38D46B1}" destId="{D621A8BA-869A-4E41-8022-B52F05BD1BCC}" srcOrd="0" destOrd="0" presId="urn:microsoft.com/office/officeart/2005/8/layout/process1"/>
+    <dgm:cxn modelId="{3FFD639B-72D5-44D3-BD12-E58F5E122B38}" type="presOf" srcId="{EFC20EF8-A115-497F-BBCC-CF4CBC5DF128}" destId="{56BD00D5-BB80-4F8F-9C5D-6D6CE5657466}" srcOrd="0" destOrd="0" presId="urn:microsoft.com/office/officeart/2005/8/layout/process1"/>
     <dgm:cxn modelId="{8AF9F0B2-6AF8-49E8-86DD-59D833D25950}" srcId="{CE24BDF1-768F-4A38-921B-E99BA38D46B1}" destId="{892FAB0D-C5E9-4ABA-B3FE-0B1158E87A71}" srcOrd="4" destOrd="0" parTransId="{226A93E7-A9FC-44DA-A987-D3438A32BBDE}" sibTransId="{EFC20EF8-A115-497F-BBCC-CF4CBC5DF128}"/>
-    <dgm:cxn modelId="{048C21B5-648C-468F-A313-404F7E27428C}" type="presOf" srcId="{892FAB0D-C5E9-4ABA-B3FE-0B1158E87A71}" destId="{54962945-1B2F-46B4-9ECF-559A5A2C27E5}" srcOrd="1" destOrd="0" presId="urn:microsoft.com/office/officeart/2016/7/layout/LinearBlockProcessNumbered"/>
-    <dgm:cxn modelId="{2B054BBA-0777-4850-9517-CB1C1C817A12}" type="presOf" srcId="{EFC20EF8-A115-497F-BBCC-CF4CBC5DF128}" destId="{54007DBF-3838-4DA5-A764-A2CD9124FEAB}" srcOrd="0" destOrd="0" presId="urn:microsoft.com/office/officeart/2016/7/layout/LinearBlockProcessNumbered"/>
-    <dgm:cxn modelId="{17C5A0C6-F5E4-4701-8BC1-AD8CA8E558A6}" type="presOf" srcId="{5C8BCDC8-ABB6-4F70-9A8A-A8BB47AA0359}" destId="{B1FAE523-0C60-4B82-B865-EBEE281FA068}" srcOrd="1" destOrd="0" presId="urn:microsoft.com/office/officeart/2016/7/layout/LinearBlockProcessNumbered"/>
-    <dgm:cxn modelId="{E59F77C7-31D6-44A6-97F3-75407FFE9B11}" type="presOf" srcId="{A1C3A4EF-AF74-4F96-B156-E5D8365C99F6}" destId="{A0DD2303-6AE8-490C-8F01-7B7DFECC66AF}" srcOrd="0" destOrd="0" presId="urn:microsoft.com/office/officeart/2016/7/layout/LinearBlockProcessNumbered"/>
-    <dgm:cxn modelId="{CC991BD7-8836-488C-9B3F-B5D256FFEE32}" type="presOf" srcId="{E2E89DBC-0DDC-4B32-9E07-94595DE9754E}" destId="{897F630A-A99D-49A8-856D-DE4BBD02BA15}" srcOrd="0" destOrd="0" presId="urn:microsoft.com/office/officeart/2016/7/layout/LinearBlockProcessNumbered"/>
-    <dgm:cxn modelId="{790395E0-D2C1-40DE-8B52-75D925165918}" type="presOf" srcId="{CE24BDF1-768F-4A38-921B-E99BA38D46B1}" destId="{BEC45D9E-5ABB-4378-A1F2-2EBE37714967}" srcOrd="0" destOrd="0" presId="urn:microsoft.com/office/officeart/2016/7/layout/LinearBlockProcessNumbered"/>
-    <dgm:cxn modelId="{BA2704F9-3283-4496-A69C-9B51F58E504C}" type="presOf" srcId="{235CA083-E861-4810-A9C8-43CA056565E6}" destId="{EC236498-62AE-4372-AC5E-BEE8545CF314}" srcOrd="0" destOrd="0" presId="urn:microsoft.com/office/officeart/2016/7/layout/LinearBlockProcessNumbered"/>
-    <dgm:cxn modelId="{20C464FC-072E-4E69-86A0-0A6417DCC597}" type="presOf" srcId="{245E1A70-CC2C-4790-BEC6-3717BED833B3}" destId="{842ECAEE-AB58-48AB-927B-3F3ED0B8F5A3}" srcOrd="0" destOrd="0" presId="urn:microsoft.com/office/officeart/2016/7/layout/LinearBlockProcessNumbered"/>
-    <dgm:cxn modelId="{9AEB5482-7A35-4208-8BCB-06914FE0F676}" type="presParOf" srcId="{BEC45D9E-5ABB-4378-A1F2-2EBE37714967}" destId="{A3AB36DB-09C7-404E-9363-C0C9DC788B9F}" srcOrd="0" destOrd="0" presId="urn:microsoft.com/office/officeart/2016/7/layout/LinearBlockProcessNumbered"/>
-    <dgm:cxn modelId="{3EDD3179-C59E-43C6-BFE6-1AB9AEB9C088}" type="presParOf" srcId="{A3AB36DB-09C7-404E-9363-C0C9DC788B9F}" destId="{897F630A-A99D-49A8-856D-DE4BBD02BA15}" srcOrd="0" destOrd="0" presId="urn:microsoft.com/office/officeart/2016/7/layout/LinearBlockProcessNumbered"/>
-    <dgm:cxn modelId="{F2CDE765-38DB-4A10-8628-F38FACA54BC6}" type="presParOf" srcId="{A3AB36DB-09C7-404E-9363-C0C9DC788B9F}" destId="{2C83690A-2B67-4CC9-852F-D0410F1B3327}" srcOrd="1" destOrd="0" presId="urn:microsoft.com/office/officeart/2016/7/layout/LinearBlockProcessNumbered"/>
-    <dgm:cxn modelId="{C8804CF2-F1B9-431A-AE4C-5AF3A75E5774}" type="presParOf" srcId="{A3AB36DB-09C7-404E-9363-C0C9DC788B9F}" destId="{3283F53C-12C1-42B3-B647-F223B61C7CCC}" srcOrd="2" destOrd="0" presId="urn:microsoft.com/office/officeart/2016/7/layout/LinearBlockProcessNumbered"/>
-    <dgm:cxn modelId="{23ABC93D-7698-412C-961B-5C6F3933B8DF}" type="presParOf" srcId="{BEC45D9E-5ABB-4378-A1F2-2EBE37714967}" destId="{86A18D40-A45E-44C3-AC57-B36BEC2A0F19}" srcOrd="1" destOrd="0" presId="urn:microsoft.com/office/officeart/2016/7/layout/LinearBlockProcessNumbered"/>
-    <dgm:cxn modelId="{8C06BB9A-28C3-4D68-995F-C9F5FC50CA1A}" type="presParOf" srcId="{BEC45D9E-5ABB-4378-A1F2-2EBE37714967}" destId="{6A088FDB-4F83-4FBD-A986-DC07A74969B9}" srcOrd="2" destOrd="0" presId="urn:microsoft.com/office/officeart/2016/7/layout/LinearBlockProcessNumbered"/>
-    <dgm:cxn modelId="{2C07F617-D1BC-4608-A8D8-18F23974CA59}" type="presParOf" srcId="{6A088FDB-4F83-4FBD-A986-DC07A74969B9}" destId="{73C3788C-BD3D-4599-9973-33345355469A}" srcOrd="0" destOrd="0" presId="urn:microsoft.com/office/officeart/2016/7/layout/LinearBlockProcessNumbered"/>
-    <dgm:cxn modelId="{EA66E36A-AE86-4C07-9B86-EE6E0BDF6786}" type="presParOf" srcId="{6A088FDB-4F83-4FBD-A986-DC07A74969B9}" destId="{842ECAEE-AB58-48AB-927B-3F3ED0B8F5A3}" srcOrd="1" destOrd="0" presId="urn:microsoft.com/office/officeart/2016/7/layout/LinearBlockProcessNumbered"/>
-    <dgm:cxn modelId="{669D5548-7AAB-40F8-B8A5-70BDC1020F4E}" type="presParOf" srcId="{6A088FDB-4F83-4FBD-A986-DC07A74969B9}" destId="{B78454BC-399E-433F-9195-AF0E20A38D8F}" srcOrd="2" destOrd="0" presId="urn:microsoft.com/office/officeart/2016/7/layout/LinearBlockProcessNumbered"/>
-    <dgm:cxn modelId="{0369838A-D4CB-4841-BDEE-637A957497E9}" type="presParOf" srcId="{BEC45D9E-5ABB-4378-A1F2-2EBE37714967}" destId="{9F5699B5-793E-4D6A-9840-E9FCFE0BB0D1}" srcOrd="3" destOrd="0" presId="urn:microsoft.com/office/officeart/2016/7/layout/LinearBlockProcessNumbered"/>
-    <dgm:cxn modelId="{9F822093-D6BB-4436-8B2E-C22CCC92D154}" type="presParOf" srcId="{BEC45D9E-5ABB-4378-A1F2-2EBE37714967}" destId="{B5FCA68B-B7A7-4569-8324-487C37E9B5FC}" srcOrd="4" destOrd="0" presId="urn:microsoft.com/office/officeart/2016/7/layout/LinearBlockProcessNumbered"/>
-    <dgm:cxn modelId="{E2D42F87-EF10-4C67-8312-D2672516BE5F}" type="presParOf" srcId="{B5FCA68B-B7A7-4569-8324-487C37E9B5FC}" destId="{037C5C27-DDB0-44FB-8A14-EFE465C926AE}" srcOrd="0" destOrd="0" presId="urn:microsoft.com/office/officeart/2016/7/layout/LinearBlockProcessNumbered"/>
-    <dgm:cxn modelId="{9266B250-30E2-45C4-AB3B-25E7F19BC555}" type="presParOf" srcId="{B5FCA68B-B7A7-4569-8324-487C37E9B5FC}" destId="{A0DD2303-6AE8-490C-8F01-7B7DFECC66AF}" srcOrd="1" destOrd="0" presId="urn:microsoft.com/office/officeart/2016/7/layout/LinearBlockProcessNumbered"/>
-    <dgm:cxn modelId="{0BC0EA97-EBBD-4F9D-86AE-6F5EC8FB2B7C}" type="presParOf" srcId="{B5FCA68B-B7A7-4569-8324-487C37E9B5FC}" destId="{1CA504E7-B6EA-4280-89EF-C012B239DCEE}" srcOrd="2" destOrd="0" presId="urn:microsoft.com/office/officeart/2016/7/layout/LinearBlockProcessNumbered"/>
-    <dgm:cxn modelId="{72C035ED-02D3-4927-926B-2FF00D94D292}" type="presParOf" srcId="{BEC45D9E-5ABB-4378-A1F2-2EBE37714967}" destId="{9E9773B0-F379-405F-9714-982F84B6870B}" srcOrd="5" destOrd="0" presId="urn:microsoft.com/office/officeart/2016/7/layout/LinearBlockProcessNumbered"/>
-    <dgm:cxn modelId="{B1E7A71D-418B-4542-88C1-1E5E608CA0C5}" type="presParOf" srcId="{BEC45D9E-5ABB-4378-A1F2-2EBE37714967}" destId="{0261F744-D36C-409F-99D0-3357D0B6E136}" srcOrd="6" destOrd="0" presId="urn:microsoft.com/office/officeart/2016/7/layout/LinearBlockProcessNumbered"/>
-    <dgm:cxn modelId="{3B31E68D-AE0B-4D13-91B2-C0C09E3B2739}" type="presParOf" srcId="{0261F744-D36C-409F-99D0-3357D0B6E136}" destId="{83F5B3D7-1DD8-44A1-9EAB-13A355E0DA3A}" srcOrd="0" destOrd="0" presId="urn:microsoft.com/office/officeart/2016/7/layout/LinearBlockProcessNumbered"/>
-    <dgm:cxn modelId="{FECF75F7-3D54-494E-AF38-578ABE6440D2}" type="presParOf" srcId="{0261F744-D36C-409F-99D0-3357D0B6E136}" destId="{EC236498-62AE-4372-AC5E-BEE8545CF314}" srcOrd="1" destOrd="0" presId="urn:microsoft.com/office/officeart/2016/7/layout/LinearBlockProcessNumbered"/>
-    <dgm:cxn modelId="{29075D28-63DC-4BE2-A035-6A480FEDD224}" type="presParOf" srcId="{0261F744-D36C-409F-99D0-3357D0B6E136}" destId="{B1FAE523-0C60-4B82-B865-EBEE281FA068}" srcOrd="2" destOrd="0" presId="urn:microsoft.com/office/officeart/2016/7/layout/LinearBlockProcessNumbered"/>
-    <dgm:cxn modelId="{8778B7D1-CABC-4948-9B12-451897F2A109}" type="presParOf" srcId="{BEC45D9E-5ABB-4378-A1F2-2EBE37714967}" destId="{9674D3E7-7871-49AE-AE6D-C9B79B718664}" srcOrd="7" destOrd="0" presId="urn:microsoft.com/office/officeart/2016/7/layout/LinearBlockProcessNumbered"/>
-    <dgm:cxn modelId="{57B6D9EF-33AD-4C64-A867-B52CC10DBCC9}" type="presParOf" srcId="{BEC45D9E-5ABB-4378-A1F2-2EBE37714967}" destId="{BF948F47-5A30-4812-B726-8EA44BD4B2A2}" srcOrd="8" destOrd="0" presId="urn:microsoft.com/office/officeart/2016/7/layout/LinearBlockProcessNumbered"/>
-    <dgm:cxn modelId="{58570DC4-EE9D-4870-A9F5-3284E9772EFB}" type="presParOf" srcId="{BF948F47-5A30-4812-B726-8EA44BD4B2A2}" destId="{135C5244-80CE-4EA1-B092-16A8158BA3C0}" srcOrd="0" destOrd="0" presId="urn:microsoft.com/office/officeart/2016/7/layout/LinearBlockProcessNumbered"/>
-    <dgm:cxn modelId="{768BCDE7-1F04-4D47-94BD-D2AF2EC123D1}" type="presParOf" srcId="{BF948F47-5A30-4812-B726-8EA44BD4B2A2}" destId="{54007DBF-3838-4DA5-A764-A2CD9124FEAB}" srcOrd="1" destOrd="0" presId="urn:microsoft.com/office/officeart/2016/7/layout/LinearBlockProcessNumbered"/>
-    <dgm:cxn modelId="{D449CE75-EA53-4E9A-ADD3-443AB7D60329}" type="presParOf" srcId="{BF948F47-5A30-4812-B726-8EA44BD4B2A2}" destId="{54962945-1B2F-46B4-9ECF-559A5A2C27E5}" srcOrd="2" destOrd="0" presId="urn:microsoft.com/office/officeart/2016/7/layout/LinearBlockProcessNumbered"/>
+    <dgm:cxn modelId="{C0CDAAC0-B281-4B2F-BBD8-23B8A275EABC}" srcId="{CE24BDF1-768F-4A38-921B-E99BA38D46B1}" destId="{EE8BE84C-1EA1-4CF6-BEAB-E4A1908AA545}" srcOrd="6" destOrd="0" parTransId="{55FBBFF8-D07B-4538-8A40-3876D51B4493}" sibTransId="{D4FE04BB-7071-4382-B748-A025C21E5CD1}"/>
+    <dgm:cxn modelId="{167C1DC4-74FF-471D-BEBA-8A1A73A2D61F}" type="presOf" srcId="{235CA083-E861-4810-A9C8-43CA056565E6}" destId="{0F2BBB88-83C7-4862-AD7C-E241F5487BB3}" srcOrd="1" destOrd="0" presId="urn:microsoft.com/office/officeart/2005/8/layout/process1"/>
+    <dgm:cxn modelId="{823F6CD0-C9A4-4974-9ECB-E698F3260F2C}" type="presOf" srcId="{E2E89DBC-0DDC-4B32-9E07-94595DE9754E}" destId="{F9642252-ECB3-42E7-B8F2-B6F6677A2903}" srcOrd="0" destOrd="0" presId="urn:microsoft.com/office/officeart/2005/8/layout/process1"/>
+    <dgm:cxn modelId="{2A953FE7-28BC-475E-896D-1CA7AF2284F1}" type="presOf" srcId="{B223B5CC-412B-45E3-AD5A-BD591DCDA11D}" destId="{5A92A6CD-470F-44AE-8084-673696A792E7}" srcOrd="0" destOrd="0" presId="urn:microsoft.com/office/officeart/2005/8/layout/process1"/>
+    <dgm:cxn modelId="{0187A8E7-2522-40D7-9160-B9094AFE9133}" type="presOf" srcId="{A1C3A4EF-AF74-4F96-B156-E5D8365C99F6}" destId="{13EAF9E8-CDB7-4EB1-86E6-D5C2A4112344}" srcOrd="1" destOrd="0" presId="urn:microsoft.com/office/officeart/2005/8/layout/process1"/>
+    <dgm:cxn modelId="{62633FEC-56D8-4EF6-AAF0-4F3446413213}" type="presOf" srcId="{B949E668-1EFD-488D-93A4-FCC66643E088}" destId="{14598EF5-1F90-437D-BD6A-43D55FF7AF24}" srcOrd="0" destOrd="0" presId="urn:microsoft.com/office/officeart/2005/8/layout/process1"/>
+    <dgm:cxn modelId="{470582F3-F60A-406F-BFD8-F4258966CD90}" type="presOf" srcId="{5C8BCDC8-ABB6-4F70-9A8A-A8BB47AA0359}" destId="{0FB666BA-282C-4AB5-9467-1A0E52825016}" srcOrd="0" destOrd="0" presId="urn:microsoft.com/office/officeart/2005/8/layout/process1"/>
+    <dgm:cxn modelId="{558D3FF7-B981-4366-9261-877849A2CF07}" type="presOf" srcId="{DD5A047E-F2EB-47A1-8FBA-EF9003E730FC}" destId="{9AB6F593-F929-4DDF-BBD3-81788D375027}" srcOrd="0" destOrd="0" presId="urn:microsoft.com/office/officeart/2005/8/layout/process1"/>
+    <dgm:cxn modelId="{610A18F9-D86C-4DAA-B81C-9B20F96A0E95}" type="presOf" srcId="{EE8BE84C-1EA1-4CF6-BEAB-E4A1908AA545}" destId="{562B9793-BB6A-484B-A983-593F5B7B2B41}" srcOrd="0" destOrd="0" presId="urn:microsoft.com/office/officeart/2005/8/layout/process1"/>
+    <dgm:cxn modelId="{41A41AFC-7FBC-4E70-A7ED-62130023BACD}" type="presOf" srcId="{2FB3BF38-3F76-4818-95CD-A75FDCD87CC0}" destId="{31E5CBB2-0BE8-4779-BBDA-ADBDE9F9D35C}" srcOrd="1" destOrd="0" presId="urn:microsoft.com/office/officeart/2005/8/layout/process1"/>
+    <dgm:cxn modelId="{5116F069-5838-4FEC-BA86-A35AA6CA4325}" type="presParOf" srcId="{D621A8BA-869A-4E41-8022-B52F05BD1BCC}" destId="{F9642252-ECB3-42E7-B8F2-B6F6677A2903}" srcOrd="0" destOrd="0" presId="urn:microsoft.com/office/officeart/2005/8/layout/process1"/>
+    <dgm:cxn modelId="{87A14DE3-FCA8-4A5D-9FC8-18647935E0B9}" type="presParOf" srcId="{D621A8BA-869A-4E41-8022-B52F05BD1BCC}" destId="{E0AA871E-ED43-4174-9157-973A41CEBFC2}" srcOrd="1" destOrd="0" presId="urn:microsoft.com/office/officeart/2005/8/layout/process1"/>
+    <dgm:cxn modelId="{EF9CDB72-D896-4C4E-9462-90E19174A1E1}" type="presParOf" srcId="{E0AA871E-ED43-4174-9157-973A41CEBFC2}" destId="{D1CC479E-1741-42D0-989F-39E509F0CF84}" srcOrd="0" destOrd="0" presId="urn:microsoft.com/office/officeart/2005/8/layout/process1"/>
+    <dgm:cxn modelId="{3C97474A-457F-4291-BF21-70776D1AC5F9}" type="presParOf" srcId="{D621A8BA-869A-4E41-8022-B52F05BD1BCC}" destId="{14598EF5-1F90-437D-BD6A-43D55FF7AF24}" srcOrd="2" destOrd="0" presId="urn:microsoft.com/office/officeart/2005/8/layout/process1"/>
+    <dgm:cxn modelId="{F3709B4D-1BDC-4143-B9EE-DA7E407E9952}" type="presParOf" srcId="{D621A8BA-869A-4E41-8022-B52F05BD1BCC}" destId="{D6C40C67-79A8-44C7-AFD1-BD0CB8FF52EC}" srcOrd="3" destOrd="0" presId="urn:microsoft.com/office/officeart/2005/8/layout/process1"/>
+    <dgm:cxn modelId="{2333F44E-0C89-4D03-8933-F209BA0F1C9A}" type="presParOf" srcId="{D6C40C67-79A8-44C7-AFD1-BD0CB8FF52EC}" destId="{8EF4EC78-C69C-4A94-B1C6-752C6A3A7B53}" srcOrd="0" destOrd="0" presId="urn:microsoft.com/office/officeart/2005/8/layout/process1"/>
+    <dgm:cxn modelId="{BE31DF2A-F6EA-4F2F-B5A1-A0323F745D58}" type="presParOf" srcId="{D621A8BA-869A-4E41-8022-B52F05BD1BCC}" destId="{47BF4E87-A81F-4C7E-ADA6-53090DEF6D7B}" srcOrd="4" destOrd="0" presId="urn:microsoft.com/office/officeart/2005/8/layout/process1"/>
+    <dgm:cxn modelId="{DD9C07A7-EED7-45C0-B1F2-DA2B6C1A80CF}" type="presParOf" srcId="{D621A8BA-869A-4E41-8022-B52F05BD1BCC}" destId="{7A25D9F9-3076-4349-A366-4FF72B9B3B4A}" srcOrd="5" destOrd="0" presId="urn:microsoft.com/office/officeart/2005/8/layout/process1"/>
+    <dgm:cxn modelId="{0FB59876-4138-46A1-B632-F2A066D87AAF}" type="presParOf" srcId="{7A25D9F9-3076-4349-A366-4FF72B9B3B4A}" destId="{13EAF9E8-CDB7-4EB1-86E6-D5C2A4112344}" srcOrd="0" destOrd="0" presId="urn:microsoft.com/office/officeart/2005/8/layout/process1"/>
+    <dgm:cxn modelId="{9C88E105-829D-49D4-A92D-296D21D28F87}" type="presParOf" srcId="{D621A8BA-869A-4E41-8022-B52F05BD1BCC}" destId="{0FB666BA-282C-4AB5-9467-1A0E52825016}" srcOrd="6" destOrd="0" presId="urn:microsoft.com/office/officeart/2005/8/layout/process1"/>
+    <dgm:cxn modelId="{2AB2475F-90EF-403F-BE67-F0BB049589BD}" type="presParOf" srcId="{D621A8BA-869A-4E41-8022-B52F05BD1BCC}" destId="{ED2C7E60-73DD-4C59-8BF2-4A0B92D06A6B}" srcOrd="7" destOrd="0" presId="urn:microsoft.com/office/officeart/2005/8/layout/process1"/>
+    <dgm:cxn modelId="{0688E162-DFAB-449B-B938-AF70EF8E052A}" type="presParOf" srcId="{ED2C7E60-73DD-4C59-8BF2-4A0B92D06A6B}" destId="{0F2BBB88-83C7-4862-AD7C-E241F5487BB3}" srcOrd="0" destOrd="0" presId="urn:microsoft.com/office/officeart/2005/8/layout/process1"/>
+    <dgm:cxn modelId="{D93E1671-424F-498A-BF1E-D4FA486C38BE}" type="presParOf" srcId="{D621A8BA-869A-4E41-8022-B52F05BD1BCC}" destId="{264A86A5-2AC3-498B-8ECB-FAD8FA0CFA68}" srcOrd="8" destOrd="0" presId="urn:microsoft.com/office/officeart/2005/8/layout/process1"/>
+    <dgm:cxn modelId="{B2442C08-928E-4422-B730-6D2C22846E79}" type="presParOf" srcId="{D621A8BA-869A-4E41-8022-B52F05BD1BCC}" destId="{56BD00D5-BB80-4F8F-9C5D-6D6CE5657466}" srcOrd="9" destOrd="0" presId="urn:microsoft.com/office/officeart/2005/8/layout/process1"/>
+    <dgm:cxn modelId="{2514EEC8-2A7C-49C2-BE0F-547B50E07969}" type="presParOf" srcId="{56BD00D5-BB80-4F8F-9C5D-6D6CE5657466}" destId="{C1D49770-4CB5-46AA-8B09-76271A126359}" srcOrd="0" destOrd="0" presId="urn:microsoft.com/office/officeart/2005/8/layout/process1"/>
+    <dgm:cxn modelId="{ABD242E5-AA9E-4363-ACFE-5F972F248B5F}" type="presParOf" srcId="{D621A8BA-869A-4E41-8022-B52F05BD1BCC}" destId="{9AB6F593-F929-4DDF-BBD3-81788D375027}" srcOrd="10" destOrd="0" presId="urn:microsoft.com/office/officeart/2005/8/layout/process1"/>
+    <dgm:cxn modelId="{B5C24482-4C36-458B-B48F-70B29F5E4714}" type="presParOf" srcId="{D621A8BA-869A-4E41-8022-B52F05BD1BCC}" destId="{06DA11C5-DE0F-4DEC-9EF9-1063AB80D664}" srcOrd="11" destOrd="0" presId="urn:microsoft.com/office/officeart/2005/8/layout/process1"/>
+    <dgm:cxn modelId="{A20EB368-40D3-4F56-874B-01122F3E6FEA}" type="presParOf" srcId="{06DA11C5-DE0F-4DEC-9EF9-1063AB80D664}" destId="{31E5CBB2-0BE8-4779-BBDA-ADBDE9F9D35C}" srcOrd="0" destOrd="0" presId="urn:microsoft.com/office/officeart/2005/8/layout/process1"/>
+    <dgm:cxn modelId="{C6746331-118D-4D92-B33E-C36636B4A083}" type="presParOf" srcId="{D621A8BA-869A-4E41-8022-B52F05BD1BCC}" destId="{562B9793-BB6A-484B-A983-593F5B7B2B41}" srcOrd="12" destOrd="0" presId="urn:microsoft.com/office/officeart/2005/8/layout/process1"/>
+    <dgm:cxn modelId="{69EADB83-4D75-4DB9-98CF-E6E08433F313}" type="presParOf" srcId="{D621A8BA-869A-4E41-8022-B52F05BD1BCC}" destId="{1B2D7ABF-D236-4606-8714-35B5C2F0003A}" srcOrd="13" destOrd="0" presId="urn:microsoft.com/office/officeart/2005/8/layout/process1"/>
+    <dgm:cxn modelId="{333A9D99-99C2-47A9-9D79-50FCB7BCF875}" type="presParOf" srcId="{1B2D7ABF-D236-4606-8714-35B5C2F0003A}" destId="{D3F99BCD-A0EE-4433-AF21-895B62E8C1B2}" srcOrd="0" destOrd="0" presId="urn:microsoft.com/office/officeart/2005/8/layout/process1"/>
+    <dgm:cxn modelId="{7C73966D-40EB-4FE0-8AAE-533D3C91737C}" type="presParOf" srcId="{D621A8BA-869A-4E41-8022-B52F05BD1BCC}" destId="{5A92A6CD-470F-44AE-8084-673696A792E7}" srcOrd="14" destOrd="0" presId="urn:microsoft.com/office/officeart/2005/8/layout/process1"/>
   </dgm:cxnLst>
   <dgm:bg/>
   <dgm:whole/>
@@ -1320,47 +1399,32 @@
       <dsp:cNvGrpSpPr/>
     </dsp:nvGrpSpPr>
     <dsp:grpSpPr/>
-    <dsp:sp modelId="{897F630A-A99D-49A8-856D-DE4BBD02BA15}">
+    <dsp:sp modelId="{F9642252-ECB3-42E7-B8F2-B6F6677A2903}">
       <dsp:nvSpPr>
         <dsp:cNvPr id="0" name=""/>
         <dsp:cNvSpPr/>
       </dsp:nvSpPr>
       <dsp:spPr>
         <a:xfrm>
-          <a:off x="5960" y="477127"/>
-          <a:ext cx="1863129" cy="2235754"/>
+          <a:off x="3385" y="1418739"/>
+          <a:ext cx="916595" cy="549957"/>
         </a:xfrm>
-        <a:prstGeom prst="rect">
-          <a:avLst/>
+        <a:prstGeom prst="roundRect">
+          <a:avLst>
+            <a:gd name="adj" fmla="val 10000"/>
+          </a:avLst>
         </a:prstGeom>
-        <a:gradFill rotWithShape="0">
-          <a:gsLst>
-            <a:gs pos="0">
-              <a:schemeClr val="accent1">
-                <a:hueOff val="0"/>
-                <a:satOff val="0"/>
-                <a:lumOff val="0"/>
-                <a:alphaOff val="0"/>
-                <a:tint val="96000"/>
-                <a:lumMod val="104000"/>
-              </a:schemeClr>
-            </a:gs>
-            <a:gs pos="100000">
-              <a:schemeClr val="accent1">
-                <a:hueOff val="0"/>
-                <a:satOff val="0"/>
-                <a:lumOff val="0"/>
-                <a:alphaOff val="0"/>
-                <a:shade val="84000"/>
-                <a:lumMod val="84000"/>
-              </a:schemeClr>
-            </a:gs>
-          </a:gsLst>
-          <a:lin ang="5400000" scaled="0"/>
-        </a:gradFill>
-        <a:ln w="9525" cap="rnd" cmpd="sng" algn="ctr">
+        <a:solidFill>
+          <a:schemeClr val="accent1">
+            <a:hueOff val="0"/>
+            <a:satOff val="0"/>
+            <a:lumOff val="0"/>
+            <a:alphaOff val="0"/>
+          </a:schemeClr>
+        </a:solidFill>
+        <a:ln w="19050" cap="rnd" cmpd="sng" algn="ctr">
           <a:solidFill>
-            <a:schemeClr val="accent1">
+            <a:schemeClr val="lt1">
               <a:hueOff val="0"/>
               <a:satOff val="0"/>
               <a:lumOff val="0"/>
@@ -1369,22 +1433,16 @@
           </a:solidFill>
           <a:prstDash val="solid"/>
         </a:ln>
-        <a:effectLst>
-          <a:innerShdw blurRad="50800" dist="25400" dir="13500000">
-            <a:srgbClr val="000000">
-              <a:alpha val="55000"/>
-            </a:srgbClr>
-          </a:innerShdw>
-        </a:effectLst>
+        <a:effectLst/>
       </dsp:spPr>
       <dsp:style>
-        <a:lnRef idx="1">
+        <a:lnRef idx="2">
           <a:scrgbClr r="0" g="0" b="0"/>
         </a:lnRef>
-        <a:fillRef idx="3">
+        <a:fillRef idx="1">
           <a:scrgbClr r="0" g="0" b="0"/>
         </a:fillRef>
-        <a:effectRef idx="2">
+        <a:effectRef idx="0">
           <a:scrgbClr r="0" g="0" b="0"/>
         </a:effectRef>
         <a:fontRef idx="minor">
@@ -1392,12 +1450,12 @@
         </a:fontRef>
       </dsp:style>
       <dsp:txBody>
-        <a:bodyPr spcFirstLastPara="0" vert="horz" wrap="square" lIns="184036" tIns="0" rIns="184036" bIns="330200" numCol="1" spcCol="1270" anchor="t" anchorCtr="0">
+        <a:bodyPr spcFirstLastPara="0" vert="horz" wrap="square" lIns="38100" tIns="38100" rIns="38100" bIns="38100" numCol="1" spcCol="1270" anchor="ctr" anchorCtr="0">
           <a:noAutofit/>
         </a:bodyPr>
         <a:lstStyle/>
         <a:p>
-          <a:pPr marL="0" lvl="0" indent="0" algn="l" defTabSz="666750">
+          <a:pPr marL="0" lvl="0" indent="0" algn="ctr" defTabSz="444500">
             <a:lnSpc>
               <a:spcPct val="90000"/>
             </a:lnSpc>
@@ -1410,52 +1468,55 @@
             <a:buNone/>
           </a:pPr>
           <a:r>
-            <a:rPr lang="en-US" sz="1500" kern="1200" dirty="0" err="1"/>
+            <a:rPr lang="en-US" sz="1000" kern="1200" dirty="0" err="1"/>
             <a:t>Leerdoelen</a:t>
           </a:r>
-          <a:endParaRPr lang="nl-NL" sz="1500" kern="1200" dirty="0"/>
+          <a:endParaRPr lang="nl-NL" sz="1000" kern="1200" dirty="0"/>
         </a:p>
       </dsp:txBody>
       <dsp:txXfrm>
-        <a:off x="5960" y="1371429"/>
-        <a:ext cx="1863129" cy="1341452"/>
+        <a:off x="19493" y="1434847"/>
+        <a:ext cx="884379" cy="517741"/>
       </dsp:txXfrm>
     </dsp:sp>
-    <dsp:sp modelId="{2C83690A-2B67-4CC9-852F-D0410F1B3327}">
+    <dsp:sp modelId="{E0AA871E-ED43-4174-9157-973A41CEBFC2}">
       <dsp:nvSpPr>
         <dsp:cNvPr id="0" name=""/>
         <dsp:cNvSpPr/>
       </dsp:nvSpPr>
       <dsp:spPr>
         <a:xfrm>
-          <a:off x="5960" y="477127"/>
-          <a:ext cx="1863129" cy="894301"/>
+          <a:off x="1011640" y="1580060"/>
+          <a:ext cx="194318" cy="227315"/>
         </a:xfrm>
-        <a:prstGeom prst="rect">
-          <a:avLst/>
+        <a:prstGeom prst="rightArrow">
+          <a:avLst>
+            <a:gd name="adj1" fmla="val 60000"/>
+            <a:gd name="adj2" fmla="val 50000"/>
+          </a:avLst>
         </a:prstGeom>
-        <a:noFill/>
-        <a:ln w="9525" cap="rnd" cmpd="sng" algn="ctr">
+        <a:solidFill>
+          <a:schemeClr val="accent1">
+            <a:tint val="60000"/>
+            <a:hueOff val="0"/>
+            <a:satOff val="0"/>
+            <a:lumOff val="0"/>
+            <a:alphaOff val="0"/>
+          </a:schemeClr>
+        </a:solidFill>
+        <a:ln>
           <a:noFill/>
-          <a:prstDash val="solid"/>
         </a:ln>
-        <a:effectLst>
-          <a:innerShdw blurRad="50800" dist="25400" dir="13500000">
-            <a:srgbClr val="000000">
-              <a:alpha val="55000"/>
-            </a:srgbClr>
-          </a:innerShdw>
-        </a:effectLst>
-        <a:sp3d/>
+        <a:effectLst/>
       </dsp:spPr>
       <dsp:style>
-        <a:lnRef idx="1">
+        <a:lnRef idx="0">
           <a:scrgbClr r="0" g="0" b="0"/>
         </a:lnRef>
-        <a:fillRef idx="3">
+        <a:fillRef idx="1">
           <a:scrgbClr r="0" g="0" b="0"/>
         </a:fillRef>
-        <a:effectRef idx="2">
+        <a:effectRef idx="0">
           <a:scrgbClr r="0" g="0" b="0"/>
         </a:effectRef>
         <a:fontRef idx="minor">
@@ -1463,12 +1524,88 @@
         </a:fontRef>
       </dsp:style>
       <dsp:txBody>
-        <a:bodyPr spcFirstLastPara="0" vert="horz" wrap="square" lIns="184036" tIns="165100" rIns="184036" bIns="165100" numCol="1" spcCol="1270" anchor="ctr" anchorCtr="0">
+        <a:bodyPr spcFirstLastPara="0" vert="horz" wrap="square" lIns="0" tIns="0" rIns="0" bIns="0" numCol="1" spcCol="1270" anchor="ctr" anchorCtr="0">
           <a:noAutofit/>
         </a:bodyPr>
         <a:lstStyle/>
         <a:p>
-          <a:pPr marL="0" lvl="0" indent="0" algn="l" defTabSz="711200">
+          <a:pPr marL="0" lvl="0" indent="0" algn="ctr" defTabSz="355600">
+            <a:lnSpc>
+              <a:spcPct val="90000"/>
+            </a:lnSpc>
+            <a:spcBef>
+              <a:spcPct val="0"/>
+            </a:spcBef>
+            <a:spcAft>
+              <a:spcPct val="35000"/>
+            </a:spcAft>
+            <a:buNone/>
+          </a:pPr>
+          <a:endParaRPr lang="nl-NL" sz="800" kern="1200" dirty="0"/>
+        </a:p>
+      </dsp:txBody>
+      <dsp:txXfrm>
+        <a:off x="1011640" y="1625523"/>
+        <a:ext cx="136023" cy="136389"/>
+      </dsp:txXfrm>
+    </dsp:sp>
+    <dsp:sp modelId="{14598EF5-1F90-437D-BD6A-43D55FF7AF24}">
+      <dsp:nvSpPr>
+        <dsp:cNvPr id="0" name=""/>
+        <dsp:cNvSpPr/>
+      </dsp:nvSpPr>
+      <dsp:spPr>
+        <a:xfrm>
+          <a:off x="1286619" y="1418739"/>
+          <a:ext cx="916595" cy="549957"/>
+        </a:xfrm>
+        <a:prstGeom prst="roundRect">
+          <a:avLst>
+            <a:gd name="adj" fmla="val 10000"/>
+          </a:avLst>
+        </a:prstGeom>
+        <a:solidFill>
+          <a:schemeClr val="accent1">
+            <a:hueOff val="0"/>
+            <a:satOff val="0"/>
+            <a:lumOff val="0"/>
+            <a:alphaOff val="0"/>
+          </a:schemeClr>
+        </a:solidFill>
+        <a:ln w="19050" cap="rnd" cmpd="sng" algn="ctr">
+          <a:solidFill>
+            <a:schemeClr val="lt1">
+              <a:hueOff val="0"/>
+              <a:satOff val="0"/>
+              <a:lumOff val="0"/>
+              <a:alphaOff val="0"/>
+            </a:schemeClr>
+          </a:solidFill>
+          <a:prstDash val="solid"/>
+        </a:ln>
+        <a:effectLst/>
+      </dsp:spPr>
+      <dsp:style>
+        <a:lnRef idx="2">
+          <a:scrgbClr r="0" g="0" b="0"/>
+        </a:lnRef>
+        <a:fillRef idx="1">
+          <a:scrgbClr r="0" g="0" b="0"/>
+        </a:fillRef>
+        <a:effectRef idx="0">
+          <a:scrgbClr r="0" g="0" b="0"/>
+        </a:effectRef>
+        <a:fontRef idx="minor">
+          <a:schemeClr val="lt1"/>
+        </a:fontRef>
+      </dsp:style>
+      <dsp:txBody>
+        <a:bodyPr spcFirstLastPara="0" vert="horz" wrap="square" lIns="38100" tIns="38100" rIns="38100" bIns="38100" numCol="1" spcCol="1270" anchor="ctr" anchorCtr="0">
+          <a:noAutofit/>
+        </a:bodyPr>
+        <a:lstStyle/>
+        <a:p>
+          <a:pPr marL="0" lvl="0" indent="0" algn="ctr" defTabSz="444500">
             <a:lnSpc>
               <a:spcPct val="90000"/>
             </a:lnSpc>
@@ -1481,57 +1618,113 @@
             <a:buNone/>
           </a:pPr>
           <a:r>
-            <a:rPr lang="nl-NL" sz="1600" kern="1200"/>
-            <a:t>01</a:t>
+            <a:rPr lang="en-US" sz="1000" kern="1200" dirty="0" err="1"/>
+            <a:t>Betekenissen</a:t>
           </a:r>
+          <a:endParaRPr lang="nl-NL" sz="1000" kern="1200" dirty="0"/>
         </a:p>
       </dsp:txBody>
       <dsp:txXfrm>
-        <a:off x="5960" y="477127"/>
-        <a:ext cx="1863129" cy="894301"/>
+        <a:off x="1302727" y="1434847"/>
+        <a:ext cx="884379" cy="517741"/>
       </dsp:txXfrm>
     </dsp:sp>
-    <dsp:sp modelId="{73C3788C-BD3D-4599-9973-33345355469A}">
+    <dsp:sp modelId="{D6C40C67-79A8-44C7-AFD1-BD0CB8FF52EC}">
       <dsp:nvSpPr>
         <dsp:cNvPr id="0" name=""/>
         <dsp:cNvSpPr/>
       </dsp:nvSpPr>
       <dsp:spPr>
         <a:xfrm>
-          <a:off x="2018139" y="477127"/>
-          <a:ext cx="1863129" cy="2235754"/>
+          <a:off x="2294873" y="1580060"/>
+          <a:ext cx="194318" cy="227315"/>
         </a:xfrm>
-        <a:prstGeom prst="rect">
-          <a:avLst/>
+        <a:prstGeom prst="rightArrow">
+          <a:avLst>
+            <a:gd name="adj1" fmla="val 60000"/>
+            <a:gd name="adj2" fmla="val 50000"/>
+          </a:avLst>
         </a:prstGeom>
-        <a:gradFill rotWithShape="0">
-          <a:gsLst>
-            <a:gs pos="0">
-              <a:schemeClr val="accent1">
-                <a:hueOff val="0"/>
-                <a:satOff val="0"/>
-                <a:lumOff val="0"/>
-                <a:alphaOff val="0"/>
-                <a:tint val="96000"/>
-                <a:lumMod val="104000"/>
-              </a:schemeClr>
-            </a:gs>
-            <a:gs pos="100000">
-              <a:schemeClr val="accent1">
-                <a:hueOff val="0"/>
-                <a:satOff val="0"/>
-                <a:lumOff val="0"/>
-                <a:alphaOff val="0"/>
-                <a:shade val="84000"/>
-                <a:lumMod val="84000"/>
-              </a:schemeClr>
-            </a:gs>
-          </a:gsLst>
-          <a:lin ang="5400000" scaled="0"/>
-        </a:gradFill>
-        <a:ln w="9525" cap="rnd" cmpd="sng" algn="ctr">
+        <a:solidFill>
+          <a:schemeClr val="accent1">
+            <a:tint val="60000"/>
+            <a:hueOff val="0"/>
+            <a:satOff val="0"/>
+            <a:lumOff val="0"/>
+            <a:alphaOff val="0"/>
+          </a:schemeClr>
+        </a:solidFill>
+        <a:ln>
+          <a:noFill/>
+        </a:ln>
+        <a:effectLst/>
+      </dsp:spPr>
+      <dsp:style>
+        <a:lnRef idx="0">
+          <a:scrgbClr r="0" g="0" b="0"/>
+        </a:lnRef>
+        <a:fillRef idx="1">
+          <a:scrgbClr r="0" g="0" b="0"/>
+        </a:fillRef>
+        <a:effectRef idx="0">
+          <a:scrgbClr r="0" g="0" b="0"/>
+        </a:effectRef>
+        <a:fontRef idx="minor">
+          <a:schemeClr val="lt1"/>
+        </a:fontRef>
+      </dsp:style>
+      <dsp:txBody>
+        <a:bodyPr spcFirstLastPara="0" vert="horz" wrap="square" lIns="0" tIns="0" rIns="0" bIns="0" numCol="1" spcCol="1270" anchor="ctr" anchorCtr="0">
+          <a:noAutofit/>
+        </a:bodyPr>
+        <a:lstStyle/>
+        <a:p>
+          <a:pPr marL="0" lvl="0" indent="0" algn="ctr" defTabSz="355600">
+            <a:lnSpc>
+              <a:spcPct val="90000"/>
+            </a:lnSpc>
+            <a:spcBef>
+              <a:spcPct val="0"/>
+            </a:spcBef>
+            <a:spcAft>
+              <a:spcPct val="35000"/>
+            </a:spcAft>
+            <a:buNone/>
+          </a:pPr>
+          <a:endParaRPr lang="nl-NL" sz="800" kern="1200"/>
+        </a:p>
+      </dsp:txBody>
+      <dsp:txXfrm>
+        <a:off x="2294873" y="1625523"/>
+        <a:ext cx="136023" cy="136389"/>
+      </dsp:txXfrm>
+    </dsp:sp>
+    <dsp:sp modelId="{47BF4E87-A81F-4C7E-ADA6-53090DEF6D7B}">
+      <dsp:nvSpPr>
+        <dsp:cNvPr id="0" name=""/>
+        <dsp:cNvSpPr/>
+      </dsp:nvSpPr>
+      <dsp:spPr>
+        <a:xfrm>
+          <a:off x="2569852" y="1418739"/>
+          <a:ext cx="916595" cy="549957"/>
+        </a:xfrm>
+        <a:prstGeom prst="roundRect">
+          <a:avLst>
+            <a:gd name="adj" fmla="val 10000"/>
+          </a:avLst>
+        </a:prstGeom>
+        <a:solidFill>
+          <a:schemeClr val="accent1">
+            <a:hueOff val="0"/>
+            <a:satOff val="0"/>
+            <a:lumOff val="0"/>
+            <a:alphaOff val="0"/>
+          </a:schemeClr>
+        </a:solidFill>
+        <a:ln w="19050" cap="rnd" cmpd="sng" algn="ctr">
           <a:solidFill>
-            <a:schemeClr val="accent1">
+            <a:schemeClr val="lt1">
               <a:hueOff val="0"/>
               <a:satOff val="0"/>
               <a:lumOff val="0"/>
@@ -1540,22 +1733,16 @@
           </a:solidFill>
           <a:prstDash val="solid"/>
         </a:ln>
-        <a:effectLst>
-          <a:innerShdw blurRad="50800" dist="25400" dir="13500000">
-            <a:srgbClr val="000000">
-              <a:alpha val="55000"/>
-            </a:srgbClr>
-          </a:innerShdw>
-        </a:effectLst>
+        <a:effectLst/>
       </dsp:spPr>
       <dsp:style>
-        <a:lnRef idx="1">
+        <a:lnRef idx="2">
           <a:scrgbClr r="0" g="0" b="0"/>
         </a:lnRef>
-        <a:fillRef idx="3">
+        <a:fillRef idx="1">
           <a:scrgbClr r="0" g="0" b="0"/>
         </a:fillRef>
-        <a:effectRef idx="2">
+        <a:effectRef idx="0">
           <a:scrgbClr r="0" g="0" b="0"/>
         </a:effectRef>
         <a:fontRef idx="minor">
@@ -1563,12 +1750,12 @@
         </a:fontRef>
       </dsp:style>
       <dsp:txBody>
-        <a:bodyPr spcFirstLastPara="0" vert="horz" wrap="square" lIns="184036" tIns="0" rIns="184036" bIns="330200" numCol="1" spcCol="1270" anchor="t" anchorCtr="0">
+        <a:bodyPr spcFirstLastPara="0" vert="horz" wrap="square" lIns="38100" tIns="38100" rIns="38100" bIns="38100" numCol="1" spcCol="1270" anchor="ctr" anchorCtr="0">
           <a:noAutofit/>
         </a:bodyPr>
         <a:lstStyle/>
         <a:p>
-          <a:pPr marL="0" lvl="0" indent="0" algn="l" defTabSz="666750">
+          <a:pPr marL="0" lvl="0" indent="0" algn="ctr" defTabSz="444500">
             <a:lnSpc>
               <a:spcPct val="90000"/>
             </a:lnSpc>
@@ -1581,52 +1768,71 @@
             <a:buNone/>
           </a:pPr>
           <a:r>
-            <a:rPr lang="en-US" sz="1500" kern="1200" dirty="0" err="1"/>
-            <a:t>Betekenissen</a:t>
+            <a:rPr lang="en-US" sz="1000" kern="1200" dirty="0" err="1"/>
+            <a:t>Voor</a:t>
           </a:r>
-          <a:endParaRPr lang="nl-NL" sz="1500" kern="1200" dirty="0"/>
+          <a:r>
+            <a:rPr lang="en-US" sz="1000" kern="1200" dirty="0"/>
+            <a:t>- </a:t>
+          </a:r>
+          <a:r>
+            <a:rPr lang="en-US" sz="1000" kern="1200" dirty="0" err="1"/>
+            <a:t>en</a:t>
+          </a:r>
+          <a:r>
+            <a:rPr lang="en-US" sz="1000" kern="1200" dirty="0"/>
+            <a:t> </a:t>
+          </a:r>
+          <a:r>
+            <a:rPr lang="en-US" sz="1000" kern="1200" dirty="0" err="1"/>
+            <a:t>nadelen</a:t>
+          </a:r>
+          <a:endParaRPr lang="nl-NL" sz="1000" kern="1200" dirty="0"/>
         </a:p>
       </dsp:txBody>
       <dsp:txXfrm>
-        <a:off x="2018139" y="1371429"/>
-        <a:ext cx="1863129" cy="1341452"/>
+        <a:off x="2585960" y="1434847"/>
+        <a:ext cx="884379" cy="517741"/>
       </dsp:txXfrm>
     </dsp:sp>
-    <dsp:sp modelId="{842ECAEE-AB58-48AB-927B-3F3ED0B8F5A3}">
+    <dsp:sp modelId="{7A25D9F9-3076-4349-A366-4FF72B9B3B4A}">
       <dsp:nvSpPr>
         <dsp:cNvPr id="0" name=""/>
         <dsp:cNvSpPr/>
       </dsp:nvSpPr>
       <dsp:spPr>
         <a:xfrm>
-          <a:off x="2018139" y="477127"/>
-          <a:ext cx="1863129" cy="894301"/>
+          <a:off x="3578107" y="1580060"/>
+          <a:ext cx="194318" cy="227315"/>
         </a:xfrm>
-        <a:prstGeom prst="rect">
-          <a:avLst/>
+        <a:prstGeom prst="rightArrow">
+          <a:avLst>
+            <a:gd name="adj1" fmla="val 60000"/>
+            <a:gd name="adj2" fmla="val 50000"/>
+          </a:avLst>
         </a:prstGeom>
-        <a:noFill/>
-        <a:ln w="9525" cap="rnd" cmpd="sng" algn="ctr">
+        <a:solidFill>
+          <a:schemeClr val="accent1">
+            <a:tint val="60000"/>
+            <a:hueOff val="0"/>
+            <a:satOff val="0"/>
+            <a:lumOff val="0"/>
+            <a:alphaOff val="0"/>
+          </a:schemeClr>
+        </a:solidFill>
+        <a:ln>
           <a:noFill/>
-          <a:prstDash val="solid"/>
         </a:ln>
-        <a:effectLst>
-          <a:innerShdw blurRad="50800" dist="25400" dir="13500000">
-            <a:srgbClr val="000000">
-              <a:alpha val="55000"/>
-            </a:srgbClr>
-          </a:innerShdw>
-        </a:effectLst>
-        <a:sp3d/>
+        <a:effectLst/>
       </dsp:spPr>
       <dsp:style>
-        <a:lnRef idx="1">
+        <a:lnRef idx="0">
           <a:scrgbClr r="0" g="0" b="0"/>
         </a:lnRef>
-        <a:fillRef idx="3">
+        <a:fillRef idx="1">
           <a:scrgbClr r="0" g="0" b="0"/>
         </a:fillRef>
-        <a:effectRef idx="2">
+        <a:effectRef idx="0">
           <a:scrgbClr r="0" g="0" b="0"/>
         </a:effectRef>
         <a:fontRef idx="minor">
@@ -1634,12 +1840,88 @@
         </a:fontRef>
       </dsp:style>
       <dsp:txBody>
-        <a:bodyPr spcFirstLastPara="0" vert="horz" wrap="square" lIns="184036" tIns="165100" rIns="184036" bIns="165100" numCol="1" spcCol="1270" anchor="ctr" anchorCtr="0">
+        <a:bodyPr spcFirstLastPara="0" vert="horz" wrap="square" lIns="0" tIns="0" rIns="0" bIns="0" numCol="1" spcCol="1270" anchor="ctr" anchorCtr="0">
           <a:noAutofit/>
         </a:bodyPr>
         <a:lstStyle/>
         <a:p>
-          <a:pPr marL="0" lvl="0" indent="0" algn="l" defTabSz="711200">
+          <a:pPr marL="0" lvl="0" indent="0" algn="ctr" defTabSz="355600">
+            <a:lnSpc>
+              <a:spcPct val="90000"/>
+            </a:lnSpc>
+            <a:spcBef>
+              <a:spcPct val="0"/>
+            </a:spcBef>
+            <a:spcAft>
+              <a:spcPct val="35000"/>
+            </a:spcAft>
+            <a:buNone/>
+          </a:pPr>
+          <a:endParaRPr lang="nl-NL" sz="800" kern="1200" dirty="0"/>
+        </a:p>
+      </dsp:txBody>
+      <dsp:txXfrm>
+        <a:off x="3578107" y="1625523"/>
+        <a:ext cx="136023" cy="136389"/>
+      </dsp:txXfrm>
+    </dsp:sp>
+    <dsp:sp modelId="{0FB666BA-282C-4AB5-9467-1A0E52825016}">
+      <dsp:nvSpPr>
+        <dsp:cNvPr id="0" name=""/>
+        <dsp:cNvSpPr/>
+      </dsp:nvSpPr>
+      <dsp:spPr>
+        <a:xfrm>
+          <a:off x="3853085" y="1418739"/>
+          <a:ext cx="916595" cy="549957"/>
+        </a:xfrm>
+        <a:prstGeom prst="roundRect">
+          <a:avLst>
+            <a:gd name="adj" fmla="val 10000"/>
+          </a:avLst>
+        </a:prstGeom>
+        <a:solidFill>
+          <a:schemeClr val="accent1">
+            <a:hueOff val="0"/>
+            <a:satOff val="0"/>
+            <a:lumOff val="0"/>
+            <a:alphaOff val="0"/>
+          </a:schemeClr>
+        </a:solidFill>
+        <a:ln w="19050" cap="rnd" cmpd="sng" algn="ctr">
+          <a:solidFill>
+            <a:schemeClr val="lt1">
+              <a:hueOff val="0"/>
+              <a:satOff val="0"/>
+              <a:lumOff val="0"/>
+              <a:alphaOff val="0"/>
+            </a:schemeClr>
+          </a:solidFill>
+          <a:prstDash val="solid"/>
+        </a:ln>
+        <a:effectLst/>
+      </dsp:spPr>
+      <dsp:style>
+        <a:lnRef idx="2">
+          <a:scrgbClr r="0" g="0" b="0"/>
+        </a:lnRef>
+        <a:fillRef idx="1">
+          <a:scrgbClr r="0" g="0" b="0"/>
+        </a:fillRef>
+        <a:effectRef idx="0">
+          <a:scrgbClr r="0" g="0" b="0"/>
+        </a:effectRef>
+        <a:fontRef idx="minor">
+          <a:schemeClr val="lt1"/>
+        </a:fontRef>
+      </dsp:style>
+      <dsp:txBody>
+        <a:bodyPr spcFirstLastPara="0" vert="horz" wrap="square" lIns="38100" tIns="38100" rIns="38100" bIns="38100" numCol="1" spcCol="1270" anchor="ctr" anchorCtr="0">
+          <a:noAutofit/>
+        </a:bodyPr>
+        <a:lstStyle/>
+        <a:p>
+          <a:pPr marL="0" lvl="0" indent="0" algn="ctr" defTabSz="444500">
             <a:lnSpc>
               <a:spcPct val="90000"/>
             </a:lnSpc>
@@ -1652,57 +1934,113 @@
             <a:buNone/>
           </a:pPr>
           <a:r>
-            <a:rPr lang="nl-NL" sz="1600" kern="1200"/>
-            <a:t>02</a:t>
+            <a:rPr lang="en-US" sz="1000" kern="1200" dirty="0"/>
+            <a:t>Tasks</a:t>
           </a:r>
+          <a:endParaRPr lang="nl-NL" sz="1000" kern="1200" dirty="0"/>
         </a:p>
       </dsp:txBody>
       <dsp:txXfrm>
-        <a:off x="2018139" y="477127"/>
-        <a:ext cx="1863129" cy="894301"/>
+        <a:off x="3869193" y="1434847"/>
+        <a:ext cx="884379" cy="517741"/>
       </dsp:txXfrm>
     </dsp:sp>
-    <dsp:sp modelId="{037C5C27-DDB0-44FB-8A14-EFE465C926AE}">
+    <dsp:sp modelId="{ED2C7E60-73DD-4C59-8BF2-4A0B92D06A6B}">
       <dsp:nvSpPr>
         <dsp:cNvPr id="0" name=""/>
         <dsp:cNvSpPr/>
       </dsp:nvSpPr>
       <dsp:spPr>
         <a:xfrm>
-          <a:off x="4030318" y="477127"/>
-          <a:ext cx="1863129" cy="2235754"/>
+          <a:off x="4861340" y="1580060"/>
+          <a:ext cx="194318" cy="227315"/>
         </a:xfrm>
-        <a:prstGeom prst="rect">
-          <a:avLst/>
+        <a:prstGeom prst="rightArrow">
+          <a:avLst>
+            <a:gd name="adj1" fmla="val 60000"/>
+            <a:gd name="adj2" fmla="val 50000"/>
+          </a:avLst>
         </a:prstGeom>
-        <a:gradFill rotWithShape="0">
-          <a:gsLst>
-            <a:gs pos="0">
-              <a:schemeClr val="accent1">
-                <a:hueOff val="0"/>
-                <a:satOff val="0"/>
-                <a:lumOff val="0"/>
-                <a:alphaOff val="0"/>
-                <a:tint val="96000"/>
-                <a:lumMod val="104000"/>
-              </a:schemeClr>
-            </a:gs>
-            <a:gs pos="100000">
-              <a:schemeClr val="accent1">
-                <a:hueOff val="0"/>
-                <a:satOff val="0"/>
-                <a:lumOff val="0"/>
-                <a:alphaOff val="0"/>
-                <a:shade val="84000"/>
-                <a:lumMod val="84000"/>
-              </a:schemeClr>
-            </a:gs>
-          </a:gsLst>
-          <a:lin ang="5400000" scaled="0"/>
-        </a:gradFill>
-        <a:ln w="9525" cap="rnd" cmpd="sng" algn="ctr">
+        <a:solidFill>
+          <a:schemeClr val="accent1">
+            <a:tint val="60000"/>
+            <a:hueOff val="0"/>
+            <a:satOff val="0"/>
+            <a:lumOff val="0"/>
+            <a:alphaOff val="0"/>
+          </a:schemeClr>
+        </a:solidFill>
+        <a:ln>
+          <a:noFill/>
+        </a:ln>
+        <a:effectLst/>
+      </dsp:spPr>
+      <dsp:style>
+        <a:lnRef idx="0">
+          <a:scrgbClr r="0" g="0" b="0"/>
+        </a:lnRef>
+        <a:fillRef idx="1">
+          <a:scrgbClr r="0" g="0" b="0"/>
+        </a:fillRef>
+        <a:effectRef idx="0">
+          <a:scrgbClr r="0" g="0" b="0"/>
+        </a:effectRef>
+        <a:fontRef idx="minor">
+          <a:schemeClr val="lt1"/>
+        </a:fontRef>
+      </dsp:style>
+      <dsp:txBody>
+        <a:bodyPr spcFirstLastPara="0" vert="horz" wrap="square" lIns="0" tIns="0" rIns="0" bIns="0" numCol="1" spcCol="1270" anchor="ctr" anchorCtr="0">
+          <a:noAutofit/>
+        </a:bodyPr>
+        <a:lstStyle/>
+        <a:p>
+          <a:pPr marL="0" lvl="0" indent="0" algn="ctr" defTabSz="355600">
+            <a:lnSpc>
+              <a:spcPct val="90000"/>
+            </a:lnSpc>
+            <a:spcBef>
+              <a:spcPct val="0"/>
+            </a:spcBef>
+            <a:spcAft>
+              <a:spcPct val="35000"/>
+            </a:spcAft>
+            <a:buNone/>
+          </a:pPr>
+          <a:endParaRPr lang="nl-NL" sz="800" kern="1200"/>
+        </a:p>
+      </dsp:txBody>
+      <dsp:txXfrm>
+        <a:off x="4861340" y="1625523"/>
+        <a:ext cx="136023" cy="136389"/>
+      </dsp:txXfrm>
+    </dsp:sp>
+    <dsp:sp modelId="{264A86A5-2AC3-498B-8ECB-FAD8FA0CFA68}">
+      <dsp:nvSpPr>
+        <dsp:cNvPr id="0" name=""/>
+        <dsp:cNvSpPr/>
+      </dsp:nvSpPr>
+      <dsp:spPr>
+        <a:xfrm>
+          <a:off x="5136319" y="1418739"/>
+          <a:ext cx="916595" cy="549957"/>
+        </a:xfrm>
+        <a:prstGeom prst="roundRect">
+          <a:avLst>
+            <a:gd name="adj" fmla="val 10000"/>
+          </a:avLst>
+        </a:prstGeom>
+        <a:solidFill>
+          <a:schemeClr val="accent1">
+            <a:hueOff val="0"/>
+            <a:satOff val="0"/>
+            <a:lumOff val="0"/>
+            <a:alphaOff val="0"/>
+          </a:schemeClr>
+        </a:solidFill>
+        <a:ln w="19050" cap="rnd" cmpd="sng" algn="ctr">
           <a:solidFill>
-            <a:schemeClr val="accent1">
+            <a:schemeClr val="lt1">
               <a:hueOff val="0"/>
               <a:satOff val="0"/>
               <a:lumOff val="0"/>
@@ -1711,22 +2049,16 @@
           </a:solidFill>
           <a:prstDash val="solid"/>
         </a:ln>
-        <a:effectLst>
-          <a:innerShdw blurRad="50800" dist="25400" dir="13500000">
-            <a:srgbClr val="000000">
-              <a:alpha val="55000"/>
-            </a:srgbClr>
-          </a:innerShdw>
-        </a:effectLst>
+        <a:effectLst/>
       </dsp:spPr>
       <dsp:style>
-        <a:lnRef idx="1">
+        <a:lnRef idx="2">
           <a:scrgbClr r="0" g="0" b="0"/>
         </a:lnRef>
-        <a:fillRef idx="3">
+        <a:fillRef idx="1">
           <a:scrgbClr r="0" g="0" b="0"/>
         </a:fillRef>
-        <a:effectRef idx="2">
+        <a:effectRef idx="0">
           <a:scrgbClr r="0" g="0" b="0"/>
         </a:effectRef>
         <a:fontRef idx="minor">
@@ -1734,12 +2066,12 @@
         </a:fontRef>
       </dsp:style>
       <dsp:txBody>
-        <a:bodyPr spcFirstLastPara="0" vert="horz" wrap="square" lIns="184036" tIns="0" rIns="184036" bIns="330200" numCol="1" spcCol="1270" anchor="t" anchorCtr="0">
+        <a:bodyPr spcFirstLastPara="0" vert="horz" wrap="square" lIns="38100" tIns="38100" rIns="38100" bIns="38100" numCol="1" spcCol="1270" anchor="ctr" anchorCtr="0">
           <a:noAutofit/>
         </a:bodyPr>
         <a:lstStyle/>
         <a:p>
-          <a:pPr marL="0" lvl="0" indent="0" algn="l" defTabSz="666750">
+          <a:pPr marL="0" lvl="0" indent="0" algn="ctr" defTabSz="444500">
             <a:lnSpc>
               <a:spcPct val="90000"/>
             </a:lnSpc>
@@ -1752,68 +2084,55 @@
             <a:buNone/>
           </a:pPr>
           <a:r>
-            <a:rPr lang="en-US" sz="1500" kern="1200" dirty="0" err="1"/>
-            <a:t>Waarom</a:t>
+            <a:rPr lang="en-US" sz="1000" kern="1200" dirty="0"/>
+            <a:t>Demo</a:t>
           </a:r>
-          <a:r>
-            <a:rPr lang="en-US" sz="1500" kern="1200" dirty="0"/>
-            <a:t> </a:t>
-          </a:r>
-          <a:r>
-            <a:rPr lang="en-US" sz="1500" kern="1200" dirty="0" err="1"/>
-            <a:t>asynchroon</a:t>
-          </a:r>
-          <a:r>
-            <a:rPr lang="en-US" sz="1500" kern="1200" dirty="0"/>
-            <a:t> </a:t>
-          </a:r>
-          <a:r>
-            <a:rPr lang="en-US" sz="1500" kern="1200" dirty="0" err="1"/>
-            <a:t>programmeren</a:t>
-          </a:r>
-          <a:endParaRPr lang="nl-NL" sz="1500" kern="1200" dirty="0"/>
+          <a:endParaRPr lang="nl-NL" sz="1000" kern="1200" dirty="0"/>
         </a:p>
       </dsp:txBody>
       <dsp:txXfrm>
-        <a:off x="4030318" y="1371429"/>
-        <a:ext cx="1863129" cy="1341452"/>
+        <a:off x="5152427" y="1434847"/>
+        <a:ext cx="884379" cy="517741"/>
       </dsp:txXfrm>
     </dsp:sp>
-    <dsp:sp modelId="{A0DD2303-6AE8-490C-8F01-7B7DFECC66AF}">
+    <dsp:sp modelId="{56BD00D5-BB80-4F8F-9C5D-6D6CE5657466}">
       <dsp:nvSpPr>
         <dsp:cNvPr id="0" name=""/>
         <dsp:cNvSpPr/>
       </dsp:nvSpPr>
       <dsp:spPr>
         <a:xfrm>
-          <a:off x="4030318" y="477127"/>
-          <a:ext cx="1863129" cy="894301"/>
+          <a:off x="6144573" y="1580060"/>
+          <a:ext cx="194318" cy="227315"/>
         </a:xfrm>
-        <a:prstGeom prst="rect">
-          <a:avLst/>
+        <a:prstGeom prst="rightArrow">
+          <a:avLst>
+            <a:gd name="adj1" fmla="val 60000"/>
+            <a:gd name="adj2" fmla="val 50000"/>
+          </a:avLst>
         </a:prstGeom>
-        <a:noFill/>
-        <a:ln w="9525" cap="rnd" cmpd="sng" algn="ctr">
+        <a:solidFill>
+          <a:schemeClr val="accent1">
+            <a:tint val="60000"/>
+            <a:hueOff val="0"/>
+            <a:satOff val="0"/>
+            <a:lumOff val="0"/>
+            <a:alphaOff val="0"/>
+          </a:schemeClr>
+        </a:solidFill>
+        <a:ln>
           <a:noFill/>
-          <a:prstDash val="solid"/>
         </a:ln>
-        <a:effectLst>
-          <a:innerShdw blurRad="50800" dist="25400" dir="13500000">
-            <a:srgbClr val="000000">
-              <a:alpha val="55000"/>
-            </a:srgbClr>
-          </a:innerShdw>
-        </a:effectLst>
-        <a:sp3d/>
+        <a:effectLst/>
       </dsp:spPr>
       <dsp:style>
-        <a:lnRef idx="1">
+        <a:lnRef idx="0">
           <a:scrgbClr r="0" g="0" b="0"/>
         </a:lnRef>
-        <a:fillRef idx="3">
+        <a:fillRef idx="1">
           <a:scrgbClr r="0" g="0" b="0"/>
         </a:fillRef>
-        <a:effectRef idx="2">
+        <a:effectRef idx="0">
           <a:scrgbClr r="0" g="0" b="0"/>
         </a:effectRef>
         <a:fontRef idx="minor">
@@ -1821,12 +2140,88 @@
         </a:fontRef>
       </dsp:style>
       <dsp:txBody>
-        <a:bodyPr spcFirstLastPara="0" vert="horz" wrap="square" lIns="184036" tIns="165100" rIns="184036" bIns="165100" numCol="1" spcCol="1270" anchor="ctr" anchorCtr="0">
+        <a:bodyPr spcFirstLastPara="0" vert="horz" wrap="square" lIns="0" tIns="0" rIns="0" bIns="0" numCol="1" spcCol="1270" anchor="ctr" anchorCtr="0">
           <a:noAutofit/>
         </a:bodyPr>
         <a:lstStyle/>
         <a:p>
-          <a:pPr marL="0" lvl="0" indent="0" algn="l" defTabSz="711200">
+          <a:pPr marL="0" lvl="0" indent="0" algn="ctr" defTabSz="355600">
+            <a:lnSpc>
+              <a:spcPct val="90000"/>
+            </a:lnSpc>
+            <a:spcBef>
+              <a:spcPct val="0"/>
+            </a:spcBef>
+            <a:spcAft>
+              <a:spcPct val="35000"/>
+            </a:spcAft>
+            <a:buNone/>
+          </a:pPr>
+          <a:endParaRPr lang="nl-NL" sz="800" kern="1200" dirty="0"/>
+        </a:p>
+      </dsp:txBody>
+      <dsp:txXfrm>
+        <a:off x="6144573" y="1625523"/>
+        <a:ext cx="136023" cy="136389"/>
+      </dsp:txXfrm>
+    </dsp:sp>
+    <dsp:sp modelId="{9AB6F593-F929-4DDF-BBD3-81788D375027}">
+      <dsp:nvSpPr>
+        <dsp:cNvPr id="0" name=""/>
+        <dsp:cNvSpPr/>
+      </dsp:nvSpPr>
+      <dsp:spPr>
+        <a:xfrm>
+          <a:off x="6419552" y="1418739"/>
+          <a:ext cx="916595" cy="549957"/>
+        </a:xfrm>
+        <a:prstGeom prst="roundRect">
+          <a:avLst>
+            <a:gd name="adj" fmla="val 10000"/>
+          </a:avLst>
+        </a:prstGeom>
+        <a:solidFill>
+          <a:schemeClr val="accent1">
+            <a:hueOff val="0"/>
+            <a:satOff val="0"/>
+            <a:lumOff val="0"/>
+            <a:alphaOff val="0"/>
+          </a:schemeClr>
+        </a:solidFill>
+        <a:ln w="19050" cap="rnd" cmpd="sng" algn="ctr">
+          <a:solidFill>
+            <a:schemeClr val="lt1">
+              <a:hueOff val="0"/>
+              <a:satOff val="0"/>
+              <a:lumOff val="0"/>
+              <a:alphaOff val="0"/>
+            </a:schemeClr>
+          </a:solidFill>
+          <a:prstDash val="solid"/>
+        </a:ln>
+        <a:effectLst/>
+      </dsp:spPr>
+      <dsp:style>
+        <a:lnRef idx="2">
+          <a:scrgbClr r="0" g="0" b="0"/>
+        </a:lnRef>
+        <a:fillRef idx="1">
+          <a:scrgbClr r="0" g="0" b="0"/>
+        </a:fillRef>
+        <a:effectRef idx="0">
+          <a:scrgbClr r="0" g="0" b="0"/>
+        </a:effectRef>
+        <a:fontRef idx="minor">
+          <a:schemeClr val="lt1"/>
+        </a:fontRef>
+      </dsp:style>
+      <dsp:txBody>
+        <a:bodyPr spcFirstLastPara="0" vert="horz" wrap="square" lIns="38100" tIns="38100" rIns="38100" bIns="38100" numCol="1" spcCol="1270" anchor="ctr" anchorCtr="0">
+          <a:noAutofit/>
+        </a:bodyPr>
+        <a:lstStyle/>
+        <a:p>
+          <a:pPr marL="0" lvl="0" indent="0" algn="ctr" defTabSz="444500">
             <a:lnSpc>
               <a:spcPct val="90000"/>
             </a:lnSpc>
@@ -1839,57 +2234,121 @@
             <a:buNone/>
           </a:pPr>
           <a:r>
-            <a:rPr lang="nl-NL" sz="1600" kern="1200"/>
-            <a:t>03</a:t>
+            <a:rPr lang="en-US" sz="1000" kern="1200" dirty="0"/>
+            <a:t>Van sync </a:t>
           </a:r>
+          <a:r>
+            <a:rPr lang="en-US" sz="1000" kern="1200" dirty="0" err="1"/>
+            <a:t>naar</a:t>
+          </a:r>
+          <a:r>
+            <a:rPr lang="en-US" sz="1000" kern="1200" dirty="0"/>
+            <a:t> async</a:t>
+          </a:r>
+          <a:endParaRPr lang="nl-NL" sz="1000" kern="1200" dirty="0"/>
         </a:p>
       </dsp:txBody>
       <dsp:txXfrm>
-        <a:off x="4030318" y="477127"/>
-        <a:ext cx="1863129" cy="894301"/>
+        <a:off x="6435660" y="1434847"/>
+        <a:ext cx="884379" cy="517741"/>
       </dsp:txXfrm>
     </dsp:sp>
-    <dsp:sp modelId="{83F5B3D7-1DD8-44A1-9EAB-13A355E0DA3A}">
+    <dsp:sp modelId="{06DA11C5-DE0F-4DEC-9EF9-1063AB80D664}">
       <dsp:nvSpPr>
         <dsp:cNvPr id="0" name=""/>
         <dsp:cNvSpPr/>
       </dsp:nvSpPr>
       <dsp:spPr>
         <a:xfrm>
-          <a:off x="6042498" y="477127"/>
-          <a:ext cx="1863129" cy="2235754"/>
+          <a:off x="7427807" y="1580060"/>
+          <a:ext cx="194318" cy="227315"/>
         </a:xfrm>
-        <a:prstGeom prst="rect">
-          <a:avLst/>
+        <a:prstGeom prst="rightArrow">
+          <a:avLst>
+            <a:gd name="adj1" fmla="val 60000"/>
+            <a:gd name="adj2" fmla="val 50000"/>
+          </a:avLst>
         </a:prstGeom>
-        <a:gradFill rotWithShape="0">
-          <a:gsLst>
-            <a:gs pos="0">
-              <a:schemeClr val="accent1">
-                <a:hueOff val="0"/>
-                <a:satOff val="0"/>
-                <a:lumOff val="0"/>
-                <a:alphaOff val="0"/>
-                <a:tint val="96000"/>
-                <a:lumMod val="104000"/>
-              </a:schemeClr>
-            </a:gs>
-            <a:gs pos="100000">
-              <a:schemeClr val="accent1">
-                <a:hueOff val="0"/>
-                <a:satOff val="0"/>
-                <a:lumOff val="0"/>
-                <a:alphaOff val="0"/>
-                <a:shade val="84000"/>
-                <a:lumMod val="84000"/>
-              </a:schemeClr>
-            </a:gs>
-          </a:gsLst>
-          <a:lin ang="5400000" scaled="0"/>
-        </a:gradFill>
-        <a:ln w="9525" cap="rnd" cmpd="sng" algn="ctr">
+        <a:solidFill>
+          <a:schemeClr val="accent1">
+            <a:tint val="60000"/>
+            <a:hueOff val="0"/>
+            <a:satOff val="0"/>
+            <a:lumOff val="0"/>
+            <a:alphaOff val="0"/>
+          </a:schemeClr>
+        </a:solidFill>
+        <a:ln>
+          <a:noFill/>
+        </a:ln>
+        <a:effectLst/>
+      </dsp:spPr>
+      <dsp:style>
+        <a:lnRef idx="0">
+          <a:scrgbClr r="0" g="0" b="0"/>
+        </a:lnRef>
+        <a:fillRef idx="1">
+          <a:scrgbClr r="0" g="0" b="0"/>
+        </a:fillRef>
+        <a:effectRef idx="0">
+          <a:scrgbClr r="0" g="0" b="0"/>
+        </a:effectRef>
+        <a:fontRef idx="minor">
+          <a:schemeClr val="lt1"/>
+        </a:fontRef>
+      </dsp:style>
+      <dsp:txBody>
+        <a:bodyPr spcFirstLastPara="0" vert="horz" wrap="square" lIns="0" tIns="0" rIns="0" bIns="0" numCol="1" spcCol="1270" anchor="ctr" anchorCtr="0">
+          <a:noAutofit/>
+        </a:bodyPr>
+        <a:lstStyle/>
+        <a:p>
+          <a:pPr marL="0" lvl="0" indent="0" algn="ctr" defTabSz="355600">
+            <a:lnSpc>
+              <a:spcPct val="90000"/>
+            </a:lnSpc>
+            <a:spcBef>
+              <a:spcPct val="0"/>
+            </a:spcBef>
+            <a:spcAft>
+              <a:spcPct val="35000"/>
+            </a:spcAft>
+            <a:buNone/>
+          </a:pPr>
+          <a:endParaRPr lang="nl-NL" sz="800" kern="1200"/>
+        </a:p>
+      </dsp:txBody>
+      <dsp:txXfrm>
+        <a:off x="7427807" y="1625523"/>
+        <a:ext cx="136023" cy="136389"/>
+      </dsp:txXfrm>
+    </dsp:sp>
+    <dsp:sp modelId="{562B9793-BB6A-484B-A983-593F5B7B2B41}">
+      <dsp:nvSpPr>
+        <dsp:cNvPr id="0" name=""/>
+        <dsp:cNvSpPr/>
+      </dsp:nvSpPr>
+      <dsp:spPr>
+        <a:xfrm>
+          <a:off x="7702785" y="1418739"/>
+          <a:ext cx="916595" cy="549957"/>
+        </a:xfrm>
+        <a:prstGeom prst="roundRect">
+          <a:avLst>
+            <a:gd name="adj" fmla="val 10000"/>
+          </a:avLst>
+        </a:prstGeom>
+        <a:solidFill>
+          <a:schemeClr val="accent1">
+            <a:hueOff val="0"/>
+            <a:satOff val="0"/>
+            <a:lumOff val="0"/>
+            <a:alphaOff val="0"/>
+          </a:schemeClr>
+        </a:solidFill>
+        <a:ln w="19050" cap="rnd" cmpd="sng" algn="ctr">
           <a:solidFill>
-            <a:schemeClr val="accent1">
+            <a:schemeClr val="lt1">
               <a:hueOff val="0"/>
               <a:satOff val="0"/>
               <a:lumOff val="0"/>
@@ -1898,22 +2357,16 @@
           </a:solidFill>
           <a:prstDash val="solid"/>
         </a:ln>
-        <a:effectLst>
-          <a:innerShdw blurRad="50800" dist="25400" dir="13500000">
-            <a:srgbClr val="000000">
-              <a:alpha val="55000"/>
-            </a:srgbClr>
-          </a:innerShdw>
-        </a:effectLst>
+        <a:effectLst/>
       </dsp:spPr>
       <dsp:style>
-        <a:lnRef idx="1">
+        <a:lnRef idx="2">
           <a:scrgbClr r="0" g="0" b="0"/>
         </a:lnRef>
-        <a:fillRef idx="3">
+        <a:fillRef idx="1">
           <a:scrgbClr r="0" g="0" b="0"/>
         </a:fillRef>
-        <a:effectRef idx="2">
+        <a:effectRef idx="0">
           <a:scrgbClr r="0" g="0" b="0"/>
         </a:effectRef>
         <a:fontRef idx="minor">
@@ -1921,12 +2374,12 @@
         </a:fontRef>
       </dsp:style>
       <dsp:txBody>
-        <a:bodyPr spcFirstLastPara="0" vert="horz" wrap="square" lIns="184036" tIns="0" rIns="184036" bIns="330200" numCol="1" spcCol="1270" anchor="t" anchorCtr="0">
+        <a:bodyPr spcFirstLastPara="0" vert="horz" wrap="square" lIns="38100" tIns="38100" rIns="38100" bIns="38100" numCol="1" spcCol="1270" anchor="ctr" anchorCtr="0">
           <a:noAutofit/>
         </a:bodyPr>
         <a:lstStyle/>
         <a:p>
-          <a:pPr marL="0" lvl="0" indent="0" algn="l" defTabSz="666750">
+          <a:pPr marL="0" lvl="0" indent="0" algn="ctr" defTabSz="444500">
             <a:lnSpc>
               <a:spcPct val="90000"/>
             </a:lnSpc>
@@ -1939,52 +2392,55 @@
             <a:buNone/>
           </a:pPr>
           <a:r>
-            <a:rPr lang="en-US" sz="1500" kern="1200" dirty="0"/>
-            <a:t>Tasks?</a:t>
+            <a:rPr lang="en-US" sz="1000" kern="1200" dirty="0" err="1"/>
+            <a:t>Vragen</a:t>
           </a:r>
-          <a:endParaRPr lang="nl-NL" sz="1500" kern="1200" dirty="0"/>
+          <a:endParaRPr lang="nl-NL" sz="1000" kern="1200" dirty="0"/>
         </a:p>
       </dsp:txBody>
       <dsp:txXfrm>
-        <a:off x="6042498" y="1371429"/>
-        <a:ext cx="1863129" cy="1341452"/>
+        <a:off x="7718893" y="1434847"/>
+        <a:ext cx="884379" cy="517741"/>
       </dsp:txXfrm>
     </dsp:sp>
-    <dsp:sp modelId="{EC236498-62AE-4372-AC5E-BEE8545CF314}">
+    <dsp:sp modelId="{1B2D7ABF-D236-4606-8714-35B5C2F0003A}">
       <dsp:nvSpPr>
         <dsp:cNvPr id="0" name=""/>
         <dsp:cNvSpPr/>
       </dsp:nvSpPr>
       <dsp:spPr>
         <a:xfrm>
-          <a:off x="6042498" y="477127"/>
-          <a:ext cx="1863129" cy="894301"/>
+          <a:off x="8711040" y="1580060"/>
+          <a:ext cx="194318" cy="227315"/>
         </a:xfrm>
-        <a:prstGeom prst="rect">
-          <a:avLst/>
+        <a:prstGeom prst="rightArrow">
+          <a:avLst>
+            <a:gd name="adj1" fmla="val 60000"/>
+            <a:gd name="adj2" fmla="val 50000"/>
+          </a:avLst>
         </a:prstGeom>
-        <a:noFill/>
-        <a:ln w="9525" cap="rnd" cmpd="sng" algn="ctr">
+        <a:solidFill>
+          <a:schemeClr val="accent1">
+            <a:tint val="60000"/>
+            <a:hueOff val="0"/>
+            <a:satOff val="0"/>
+            <a:lumOff val="0"/>
+            <a:alphaOff val="0"/>
+          </a:schemeClr>
+        </a:solidFill>
+        <a:ln>
           <a:noFill/>
-          <a:prstDash val="solid"/>
         </a:ln>
-        <a:effectLst>
-          <a:innerShdw blurRad="50800" dist="25400" dir="13500000">
-            <a:srgbClr val="000000">
-              <a:alpha val="55000"/>
-            </a:srgbClr>
-          </a:innerShdw>
-        </a:effectLst>
-        <a:sp3d/>
+        <a:effectLst/>
       </dsp:spPr>
       <dsp:style>
-        <a:lnRef idx="1">
+        <a:lnRef idx="0">
           <a:scrgbClr r="0" g="0" b="0"/>
         </a:lnRef>
-        <a:fillRef idx="3">
+        <a:fillRef idx="1">
           <a:scrgbClr r="0" g="0" b="0"/>
         </a:fillRef>
-        <a:effectRef idx="2">
+        <a:effectRef idx="0">
           <a:scrgbClr r="0" g="0" b="0"/>
         </a:effectRef>
         <a:fontRef idx="minor">
@@ -1992,12 +2448,88 @@
         </a:fontRef>
       </dsp:style>
       <dsp:txBody>
-        <a:bodyPr spcFirstLastPara="0" vert="horz" wrap="square" lIns="184036" tIns="165100" rIns="184036" bIns="165100" numCol="1" spcCol="1270" anchor="ctr" anchorCtr="0">
+        <a:bodyPr spcFirstLastPara="0" vert="horz" wrap="square" lIns="0" tIns="0" rIns="0" bIns="0" numCol="1" spcCol="1270" anchor="ctr" anchorCtr="0">
           <a:noAutofit/>
         </a:bodyPr>
         <a:lstStyle/>
         <a:p>
-          <a:pPr marL="0" lvl="0" indent="0" algn="l" defTabSz="711200">
+          <a:pPr marL="0" lvl="0" indent="0" algn="ctr" defTabSz="355600">
+            <a:lnSpc>
+              <a:spcPct val="90000"/>
+            </a:lnSpc>
+            <a:spcBef>
+              <a:spcPct val="0"/>
+            </a:spcBef>
+            <a:spcAft>
+              <a:spcPct val="35000"/>
+            </a:spcAft>
+            <a:buNone/>
+          </a:pPr>
+          <a:endParaRPr lang="nl-NL" sz="800" kern="1200"/>
+        </a:p>
+      </dsp:txBody>
+      <dsp:txXfrm>
+        <a:off x="8711040" y="1625523"/>
+        <a:ext cx="136023" cy="136389"/>
+      </dsp:txXfrm>
+    </dsp:sp>
+    <dsp:sp modelId="{5A92A6CD-470F-44AE-8084-673696A792E7}">
+      <dsp:nvSpPr>
+        <dsp:cNvPr id="0" name=""/>
+        <dsp:cNvSpPr/>
+      </dsp:nvSpPr>
+      <dsp:spPr>
+        <a:xfrm>
+          <a:off x="8986018" y="1418739"/>
+          <a:ext cx="916595" cy="549957"/>
+        </a:xfrm>
+        <a:prstGeom prst="roundRect">
+          <a:avLst>
+            <a:gd name="adj" fmla="val 10000"/>
+          </a:avLst>
+        </a:prstGeom>
+        <a:solidFill>
+          <a:schemeClr val="accent1">
+            <a:hueOff val="0"/>
+            <a:satOff val="0"/>
+            <a:lumOff val="0"/>
+            <a:alphaOff val="0"/>
+          </a:schemeClr>
+        </a:solidFill>
+        <a:ln w="19050" cap="rnd" cmpd="sng" algn="ctr">
+          <a:solidFill>
+            <a:schemeClr val="lt1">
+              <a:hueOff val="0"/>
+              <a:satOff val="0"/>
+              <a:lumOff val="0"/>
+              <a:alphaOff val="0"/>
+            </a:schemeClr>
+          </a:solidFill>
+          <a:prstDash val="solid"/>
+        </a:ln>
+        <a:effectLst/>
+      </dsp:spPr>
+      <dsp:style>
+        <a:lnRef idx="2">
+          <a:scrgbClr r="0" g="0" b="0"/>
+        </a:lnRef>
+        <a:fillRef idx="1">
+          <a:scrgbClr r="0" g="0" b="0"/>
+        </a:fillRef>
+        <a:effectRef idx="0">
+          <a:scrgbClr r="0" g="0" b="0"/>
+        </a:effectRef>
+        <a:fontRef idx="minor">
+          <a:schemeClr val="lt1"/>
+        </a:fontRef>
+      </dsp:style>
+      <dsp:txBody>
+        <a:bodyPr spcFirstLastPara="0" vert="horz" wrap="square" lIns="38100" tIns="38100" rIns="38100" bIns="38100" numCol="1" spcCol="1270" anchor="ctr" anchorCtr="0">
+          <a:noAutofit/>
+        </a:bodyPr>
+        <a:lstStyle/>
+        <a:p>
+          <a:pPr marL="0" lvl="0" indent="0" algn="ctr" defTabSz="444500">
             <a:lnSpc>
               <a:spcPct val="90000"/>
             </a:lnSpc>
@@ -2010,200 +2542,15 @@
             <a:buNone/>
           </a:pPr>
           <a:r>
-            <a:rPr lang="nl-NL" sz="1600" kern="1200"/>
-            <a:t>04</a:t>
+            <a:rPr lang="en-US" sz="1000" kern="1200" dirty="0"/>
+            <a:t>Quiz</a:t>
           </a:r>
+          <a:endParaRPr lang="nl-NL" sz="1000" kern="1200" dirty="0"/>
         </a:p>
       </dsp:txBody>
       <dsp:txXfrm>
-        <a:off x="6042498" y="477127"/>
-        <a:ext cx="1863129" cy="894301"/>
-      </dsp:txXfrm>
-    </dsp:sp>
-    <dsp:sp modelId="{135C5244-80CE-4EA1-B092-16A8158BA3C0}">
-      <dsp:nvSpPr>
-        <dsp:cNvPr id="0" name=""/>
-        <dsp:cNvSpPr/>
-      </dsp:nvSpPr>
-      <dsp:spPr>
-        <a:xfrm>
-          <a:off x="8054677" y="477127"/>
-          <a:ext cx="1863129" cy="2235754"/>
-        </a:xfrm>
-        <a:prstGeom prst="rect">
-          <a:avLst/>
-        </a:prstGeom>
-        <a:gradFill rotWithShape="0">
-          <a:gsLst>
-            <a:gs pos="0">
-              <a:schemeClr val="accent1">
-                <a:hueOff val="0"/>
-                <a:satOff val="0"/>
-                <a:lumOff val="0"/>
-                <a:alphaOff val="0"/>
-                <a:tint val="96000"/>
-                <a:lumMod val="104000"/>
-              </a:schemeClr>
-            </a:gs>
-            <a:gs pos="100000">
-              <a:schemeClr val="accent1">
-                <a:hueOff val="0"/>
-                <a:satOff val="0"/>
-                <a:lumOff val="0"/>
-                <a:alphaOff val="0"/>
-                <a:shade val="84000"/>
-                <a:lumMod val="84000"/>
-              </a:schemeClr>
-            </a:gs>
-          </a:gsLst>
-          <a:lin ang="5400000" scaled="0"/>
-        </a:gradFill>
-        <a:ln w="9525" cap="rnd" cmpd="sng" algn="ctr">
-          <a:solidFill>
-            <a:schemeClr val="accent1">
-              <a:hueOff val="0"/>
-              <a:satOff val="0"/>
-              <a:lumOff val="0"/>
-              <a:alphaOff val="0"/>
-            </a:schemeClr>
-          </a:solidFill>
-          <a:prstDash val="solid"/>
-        </a:ln>
-        <a:effectLst>
-          <a:innerShdw blurRad="50800" dist="25400" dir="13500000">
-            <a:srgbClr val="000000">
-              <a:alpha val="55000"/>
-            </a:srgbClr>
-          </a:innerShdw>
-        </a:effectLst>
-      </dsp:spPr>
-      <dsp:style>
-        <a:lnRef idx="1">
-          <a:scrgbClr r="0" g="0" b="0"/>
-        </a:lnRef>
-        <a:fillRef idx="3">
-          <a:scrgbClr r="0" g="0" b="0"/>
-        </a:fillRef>
-        <a:effectRef idx="2">
-          <a:scrgbClr r="0" g="0" b="0"/>
-        </a:effectRef>
-        <a:fontRef idx="minor">
-          <a:schemeClr val="lt1"/>
-        </a:fontRef>
-      </dsp:style>
-      <dsp:txBody>
-        <a:bodyPr spcFirstLastPara="0" vert="horz" wrap="square" lIns="184036" tIns="0" rIns="184036" bIns="330200" numCol="1" spcCol="1270" anchor="t" anchorCtr="0">
-          <a:noAutofit/>
-        </a:bodyPr>
-        <a:lstStyle/>
-        <a:p>
-          <a:pPr marL="0" lvl="0" indent="0" algn="l" defTabSz="666750">
-            <a:lnSpc>
-              <a:spcPct val="90000"/>
-            </a:lnSpc>
-            <a:spcBef>
-              <a:spcPct val="0"/>
-            </a:spcBef>
-            <a:spcAft>
-              <a:spcPct val="35000"/>
-            </a:spcAft>
-            <a:buNone/>
-          </a:pPr>
-          <a:r>
-            <a:rPr lang="en-US" sz="1500" kern="1200" dirty="0"/>
-            <a:t>Demo</a:t>
-          </a:r>
-          <a:endParaRPr lang="nl-NL" sz="1500" kern="1200" dirty="0"/>
-        </a:p>
-      </dsp:txBody>
-      <dsp:txXfrm>
-        <a:off x="8054677" y="1371429"/>
-        <a:ext cx="1863129" cy="1341452"/>
-      </dsp:txXfrm>
-    </dsp:sp>
-    <dsp:sp modelId="{54007DBF-3838-4DA5-A764-A2CD9124FEAB}">
-      <dsp:nvSpPr>
-        <dsp:cNvPr id="0" name=""/>
-        <dsp:cNvSpPr/>
-      </dsp:nvSpPr>
-      <dsp:spPr>
-        <a:xfrm>
-          <a:off x="8054677" y="477127"/>
-          <a:ext cx="1863129" cy="894301"/>
-        </a:xfrm>
-        <a:prstGeom prst="rect">
-          <a:avLst/>
-        </a:prstGeom>
-        <a:noFill/>
-        <a:ln w="9525" cap="rnd" cmpd="sng" algn="ctr">
-          <a:noFill/>
-          <a:prstDash val="solid"/>
-        </a:ln>
-        <a:effectLst>
-          <a:innerShdw blurRad="50800" dist="25400" dir="13500000">
-            <a:srgbClr val="000000">
-              <a:alpha val="55000"/>
-            </a:srgbClr>
-          </a:innerShdw>
-        </a:effectLst>
-        <a:sp3d/>
-      </dsp:spPr>
-      <dsp:style>
-        <a:lnRef idx="1">
-          <a:scrgbClr r="0" g="0" b="0"/>
-        </a:lnRef>
-        <a:fillRef idx="3">
-          <a:scrgbClr r="0" g="0" b="0"/>
-        </a:fillRef>
-        <a:effectRef idx="2">
-          <a:scrgbClr r="0" g="0" b="0"/>
-        </a:effectRef>
-        <a:fontRef idx="minor">
-          <a:schemeClr val="lt1"/>
-        </a:fontRef>
-      </dsp:style>
-      <dsp:txBody>
-        <a:bodyPr spcFirstLastPara="0" vert="horz" wrap="square" lIns="184036" tIns="165100" rIns="184036" bIns="165100" numCol="1" spcCol="1270" anchor="ctr" anchorCtr="0">
-          <a:noAutofit/>
-        </a:bodyPr>
-        <a:lstStyle/>
-        <a:p>
-          <a:pPr marL="0" lvl="0" indent="0" algn="l" defTabSz="711200">
-            <a:lnSpc>
-              <a:spcPct val="90000"/>
-            </a:lnSpc>
-            <a:spcBef>
-              <a:spcPct val="0"/>
-            </a:spcBef>
-            <a:spcAft>
-              <a:spcPct val="35000"/>
-            </a:spcAft>
-            <a:buNone/>
-          </a:pPr>
-          <a:r>
-            <a:rPr lang="en-US" sz="1600" kern="1200"/>
-            <a:t>05</a:t>
-          </a:r>
-        </a:p>
-        <a:p>
-          <a:pPr marL="0" lvl="0" indent="0" algn="l" defTabSz="711200">
-            <a:lnSpc>
-              <a:spcPct val="90000"/>
-            </a:lnSpc>
-            <a:spcBef>
-              <a:spcPct val="0"/>
-            </a:spcBef>
-            <a:spcAft>
-              <a:spcPct val="35000"/>
-            </a:spcAft>
-            <a:buNone/>
-          </a:pPr>
-          <a:endParaRPr lang="nl-NL" sz="1600" kern="1200"/>
-        </a:p>
-      </dsp:txBody>
-      <dsp:txXfrm>
-        <a:off x="8054677" y="477127"/>
-        <a:ext cx="1863129" cy="894301"/>
+        <a:off x="9002126" y="1434847"/>
+        <a:ext cx="884379" cy="517741"/>
       </dsp:txXfrm>
     </dsp:sp>
   </dsp:spTree>
@@ -2211,79 +2558,16 @@
 </file>
 
 <file path=ppt/diagrams/layout1.xml><?xml version="1.0" encoding="utf-8"?>
-<dgm:layoutDef xmlns:dgm="http://schemas.openxmlformats.org/drawingml/2006/diagram" xmlns:a="http://schemas.openxmlformats.org/drawingml/2006/main" uniqueId="urn:microsoft.com/office/officeart/2016/7/layout/LinearBlockProcessNumbered">
-  <dgm:title val="Linear Block Process Numbered"/>
-  <dgm:desc val="Used to show a progression; a timeline; sequential steps in a task, process, or workflow; or to emphasize movement or direction. Automatic numbers have been introduced to show the steps of the process. Level 1 text and Level 2 text both appears in a rectangle."/>
+<dgm:layoutDef xmlns:dgm="http://schemas.openxmlformats.org/drawingml/2006/diagram" xmlns:a="http://schemas.openxmlformats.org/drawingml/2006/main" uniqueId="urn:microsoft.com/office/officeart/2005/8/layout/process1">
+  <dgm:title val=""/>
+  <dgm:desc val=""/>
   <dgm:catLst>
-    <dgm:cat type="process" pri="500"/>
+    <dgm:cat type="process" pri="1000"/>
+    <dgm:cat type="convert" pri="15000"/>
   </dgm:catLst>
-  <dgm:sampData>
+  <dgm:sampData useDef="1">
     <dgm:dataModel>
-      <dgm:ptLst>
-        <dgm:pt modelId="0" type="doc"/>
-        <dgm:pt modelId="1">
-          <dgm:prSet phldr="1"/>
-        </dgm:pt>
-        <dgm:pt modelId="11">
-          <dgm:prSet phldr="1"/>
-        </dgm:pt>
-        <dgm:pt modelId="2">
-          <dgm:prSet phldr="1"/>
-        </dgm:pt>
-        <dgm:pt modelId="21">
-          <dgm:prSet phldr="1"/>
-        </dgm:pt>
-        <dgm:pt modelId="3">
-          <dgm:prSet phldr="1"/>
-        </dgm:pt>
-        <dgm:pt modelId="31">
-          <dgm:prSet phldr="1"/>
-        </dgm:pt>
-        <dgm:pt modelId="101" type="sibTrans" cxnId="4">
-          <dgm:prSet phldrT="1"/>
-          <dgm:t>
-            <a:bodyPr/>
-            <a:lstStyle/>
-            <a:p>
-              <a:r>
-                <a:t>01</a:t>
-              </a:r>
-            </a:p>
-          </dgm:t>
-        </dgm:pt>
-        <dgm:pt modelId="201" type="sibTrans" cxnId="5">
-          <dgm:prSet phldrT="2"/>
-          <dgm:t>
-            <a:bodyPr/>
-            <a:lstStyle/>
-            <a:p>
-              <a:r>
-                <a:t>02</a:t>
-              </a:r>
-            </a:p>
-          </dgm:t>
-        </dgm:pt>
-        <dgm:pt modelId="301" type="sibTrans" cxnId="6">
-          <dgm:prSet phldrT="3"/>
-          <dgm:t>
-            <a:bodyPr/>
-            <a:lstStyle/>
-            <a:p>
-              <a:r>
-                <a:t>03</a:t>
-              </a:r>
-            </a:p>
-          </dgm:t>
-        </dgm:pt>
-      </dgm:ptLst>
-      <dgm:cxnLst>
-        <dgm:cxn modelId="4" srcId="0" destId="1" srcOrd="0" destOrd="0" sibTransId="101"/>
-        <dgm:cxn modelId="5" srcId="0" destId="2" srcOrd="1" destOrd="0" sibTransId="201"/>
-        <dgm:cxn modelId="6" srcId="0" destId="3" srcOrd="2" destOrd="0" sibTransId="301"/>
-        <dgm:cxn modelId="13" srcId="1" destId="11" srcOrd="0" destOrd="0"/>
-        <dgm:cxn modelId="23" srcId="2" destId="21" srcOrd="0" destOrd="0"/>
-        <dgm:cxn modelId="33" srcId="3" destId="31" srcOrd="0" destOrd="0"/>
-      </dgm:cxnLst>
+      <dgm:ptLst/>
       <dgm:bg/>
       <dgm:whole/>
     </dgm:dataModel>
@@ -2293,15 +2577,11 @@
       <dgm:ptLst>
         <dgm:pt modelId="0" type="doc"/>
         <dgm:pt modelId="1"/>
-        <dgm:pt modelId="11"/>
         <dgm:pt modelId="2"/>
-        <dgm:pt modelId="21"/>
       </dgm:ptLst>
       <dgm:cxnLst>
-        <dgm:cxn modelId="4" srcId="0" destId="1" srcOrd="0" destOrd="0"/>
-        <dgm:cxn modelId="5" srcId="0" destId="2" srcOrd="1" destOrd="0"/>
-        <dgm:cxn modelId="13" srcId="1" destId="11" srcOrd="0" destOrd="0"/>
-        <dgm:cxn modelId="23" srcId="2" destId="21" srcOrd="0" destOrd="0"/>
+        <dgm:cxn modelId="3" srcId="0" destId="1" srcOrd="0" destOrd="0"/>
+        <dgm:cxn modelId="4" srcId="0" destId="2" srcOrd="1" destOrd="0"/>
       </dgm:cxnLst>
       <dgm:bg/>
       <dgm:whole/>
@@ -2312,23 +2592,15 @@
       <dgm:ptLst>
         <dgm:pt modelId="0" type="doc"/>
         <dgm:pt modelId="1"/>
-        <dgm:pt modelId="11"/>
         <dgm:pt modelId="2"/>
-        <dgm:pt modelId="21"/>
         <dgm:pt modelId="3"/>
-        <dgm:pt modelId="31"/>
         <dgm:pt modelId="4"/>
-        <dgm:pt modelId="41"/>
       </dgm:ptLst>
       <dgm:cxnLst>
         <dgm:cxn modelId="5" srcId="0" destId="1" srcOrd="0" destOrd="0"/>
         <dgm:cxn modelId="6" srcId="0" destId="2" srcOrd="1" destOrd="0"/>
         <dgm:cxn modelId="7" srcId="0" destId="3" srcOrd="2" destOrd="0"/>
         <dgm:cxn modelId="8" srcId="0" destId="4" srcOrd="3" destOrd="0"/>
-        <dgm:cxn modelId="13" srcId="1" destId="11" srcOrd="0" destOrd="0"/>
-        <dgm:cxn modelId="23" srcId="2" destId="21" srcOrd="0" destOrd="0"/>
-        <dgm:cxn modelId="33" srcId="3" destId="31" srcOrd="0" destOrd="0"/>
-        <dgm:cxn modelId="43" srcId="4" destId="41" srcOrd="0" destOrd="0"/>
       </dgm:cxnLst>
       <dgm:bg/>
       <dgm:whole/>
@@ -2336,152 +2608,107 @@
   </dgm:clrData>
   <dgm:layoutNode name="Name0">
     <dgm:varLst>
-      <dgm:animLvl val="lvl"/>
+      <dgm:dir/>
       <dgm:resizeHandles val="exact"/>
     </dgm:varLst>
-    <dgm:alg type="lin">
-      <dgm:param type="linDir" val="fromL"/>
-      <dgm:param type="nodeVertAlign" val="t"/>
-    </dgm:alg>
+    <dgm:choose name="Name1">
+      <dgm:if name="Name2" func="var" arg="dir" op="equ" val="norm">
+        <dgm:alg type="lin"/>
+      </dgm:if>
+      <dgm:else name="Name3">
+        <dgm:alg type="lin">
+          <dgm:param type="linDir" val="fromR"/>
+        </dgm:alg>
+      </dgm:else>
+    </dgm:choose>
     <dgm:shape xmlns:r="http://schemas.openxmlformats.org/officeDocument/2006/relationships" r:blip="">
       <dgm:adjLst/>
     </dgm:shape>
     <dgm:presOf/>
     <dgm:constrLst>
-      <dgm:constr type="h" for="ch" forName="compositeNode" refType="h"/>
-      <dgm:constr type="w" for="ch" forName="compositeNode" refType="w"/>
-      <dgm:constr type="w" for="des" forName="simulatedConn" refType="w" refFor="ch" refForName="compositeNode" fact="0.15"/>
-      <dgm:constr type="h" for="des" forName="simulatedConn" refType="w" refFor="des" refForName="simulatedConn"/>
-      <dgm:constr type="h" for="des" forName="vSp1" refType="w" refFor="ch" refForName="compositeNode" fact="0.8"/>
-      <dgm:constr type="h" for="des" forName="vSp2" refType="w" refFor="ch" refForName="compositeNode" fact="0.07"/>
-      <dgm:constr type="w" for="ch" forName="vProcSp" refType="w" refFor="des" refForName="simulatedConn" op="equ"/>
-      <dgm:constr type="h" for="ch" forName="vProcSp" refType="h" refFor="ch" refForName="compositeNode" op="equ"/>
-      <dgm:constr type="w" for="ch" forName="sibTrans" refType="w" refFor="ch" refForName="compositeNode" fact="0.08"/>
-      <dgm:constr type="primFontSz" for="des" forName="sibTransNodeRect" op="equ"/>
-      <dgm:constr type="primFontSz" for="des" forName="nodeRect" op="equ"/>
+      <dgm:constr type="w" for="ch" ptType="node" refType="w"/>
+      <dgm:constr type="h" for="ch" ptType="node" op="equ"/>
+      <dgm:constr type="primFontSz" for="ch" ptType="node" op="equ" val="65"/>
+      <dgm:constr type="w" for="ch" ptType="sibTrans" refType="w" refFor="ch" refPtType="node" op="equ" fact="0.4"/>
+      <dgm:constr type="h" for="ch" ptType="sibTrans" op="equ"/>
+      <dgm:constr type="primFontSz" for="des" forName="connectorText" op="equ" val="55"/>
+      <dgm:constr type="primFontSz" for="des" forName="connectorText" refType="primFontSz" refFor="ch" refPtType="node" op="lte" fact="0.8"/>
     </dgm:constrLst>
     <dgm:ruleLst/>
-    <dgm:forEach name="Name4" axis="ch" ptType="node">
-      <dgm:layoutNode name="compositeNode">
+    <dgm:forEach name="nodesForEach" axis="ch" ptType="node">
+      <dgm:layoutNode name="node">
         <dgm:varLst>
           <dgm:bulletEnabled val="1"/>
         </dgm:varLst>
-        <dgm:alg type="composite"/>
+        <dgm:alg type="tx"/>
+        <dgm:shape xmlns:r="http://schemas.openxmlformats.org/officeDocument/2006/relationships" type="roundRect" r:blip="">
+          <dgm:adjLst>
+            <dgm:adj idx="1" val="0.1"/>
+          </dgm:adjLst>
+        </dgm:shape>
+        <dgm:presOf axis="desOrSelf" ptType="node"/>
         <dgm:constrLst>
-          <dgm:constr type="h" refType="w" op="lte" fact="1.2"/>
-          <dgm:constr type="w" for="ch" forName="bgRect" refType="w"/>
-          <dgm:constr type="h" for="ch" forName="bgRect" refType="h"/>
-          <dgm:constr type="t" for="ch" forName="bgRect"/>
-          <dgm:constr type="l" for="ch" forName="bgRect"/>
-          <dgm:constr type="w" for="ch" forName="sibTransNodeRect" refType="w" refFor="ch" refForName="bgRect"/>
-          <dgm:constr type="h" for="ch" forName="sibTransNodeRect" refType="h" refFor="ch" refForName="bgRect" fact="0.4"/>
-          <dgm:constr type="t" for="ch" forName="sibTransNodeRect"/>
-          <dgm:constr type="l" for="ch" forName="sibTransNodeRect"/>
-          <dgm:constr type="r" for="ch" forName="nodeRect" refType="r" refFor="ch" refForName="bgRect"/>
-          <dgm:constr type="h" for="ch" forName="nodeRect" refType="h" refFor="ch" refForName="bgRect" fact="0.6"/>
-          <dgm:constr type="t" for="ch" forName="nodeRect" refType="b" refFor="ch" refForName="sibTransNodeRect"/>
-          <dgm:constr type="l" for="ch" forName="nodeRect" refType="l" refFor="ch" refForName="bgRect"/>
+          <dgm:constr type="h" refType="w" fact="0.6"/>
+          <dgm:constr type="tMarg" refType="primFontSz" fact="0.3"/>
+          <dgm:constr type="bMarg" refType="primFontSz" fact="0.3"/>
+          <dgm:constr type="lMarg" refType="primFontSz" fact="0.3"/>
+          <dgm:constr type="rMarg" refType="primFontSz" fact="0.3"/>
         </dgm:constrLst>
         <dgm:ruleLst>
-          <dgm:rule type="w" for="ch" forName="nodeRect" val="NaN" fact="NaN" max="30"/>
+          <dgm:rule type="primFontSz" val="18" fact="NaN" max="NaN"/>
+          <dgm:rule type="h" val="NaN" fact="1.5" max="NaN"/>
+          <dgm:rule type="primFontSz" val="5" fact="NaN" max="NaN"/>
+          <dgm:rule type="h" val="INF" fact="NaN" max="NaN"/>
         </dgm:ruleLst>
-        <dgm:layoutNode name="bgRect" styleLbl="alignNode1">
-          <dgm:alg type="sp"/>
-          <dgm:shape xmlns:r="http://schemas.openxmlformats.org/officeDocument/2006/relationships" type="rect" r:blip="">
-            <dgm:adjLst>
-              <dgm:adj idx="1" val="0.05"/>
-            </dgm:adjLst>
+      </dgm:layoutNode>
+      <dgm:forEach name="sibTransForEach" axis="followSib" ptType="sibTrans" cnt="1">
+        <dgm:layoutNode name="sibTrans">
+          <dgm:alg type="conn">
+            <dgm:param type="begPts" val="auto"/>
+            <dgm:param type="endPts" val="auto"/>
+          </dgm:alg>
+          <dgm:shape xmlns:r="http://schemas.openxmlformats.org/officeDocument/2006/relationships" type="conn" r:blip="">
+            <dgm:adjLst/>
           </dgm:shape>
           <dgm:presOf axis="self"/>
-          <dgm:constrLst/>
+          <dgm:constrLst>
+            <dgm:constr type="h" refType="w" fact="0.62"/>
+            <dgm:constr type="connDist"/>
+            <dgm:constr type="begPad" refType="connDist" fact="0.25"/>
+            <dgm:constr type="endPad" refType="connDist" fact="0.22"/>
+          </dgm:constrLst>
           <dgm:ruleLst/>
-        </dgm:layoutNode>
-        <dgm:forEach name="Name19" axis="followSib" ptType="sibTrans" hideLastTrans="0" cnt="1">
-          <dgm:layoutNode name="sibTransNodeRect" styleLbl="alignNode1">
-            <dgm:varLst>
-              <dgm:chMax val="0"/>
-              <dgm:bulletEnabled val="1"/>
-            </dgm:varLst>
-            <dgm:presOf axis="self"/>
+          <dgm:layoutNode name="connectorText">
             <dgm:alg type="tx">
-              <dgm:param type="parTxLTRAlign" val="l"/>
-              <dgm:param type="parTxRTLAlign" val="l"/>
+              <dgm:param type="autoTxRot" val="grav"/>
             </dgm:alg>
-            <dgm:shape xmlns:r="http://schemas.openxmlformats.org/officeDocument/2006/relationships" type="rect" r:blip="" hideGeom="1">
+            <dgm:shape xmlns:r="http://schemas.openxmlformats.org/officeDocument/2006/relationships" type="conn" r:blip="" hideGeom="1">
               <dgm:adjLst/>
             </dgm:shape>
+            <dgm:presOf axis="self"/>
             <dgm:constrLst>
-              <dgm:constr type="primFontSz" val="66"/>
-              <dgm:constr type="tMarg" val="13"/>
-              <dgm:constr type="lMarg" refType="w" fact="0.28"/>
-              <dgm:constr type="rMarg" refType="w" fact="0.28"/>
-              <dgm:constr type="bMarg" val="13"/>
+              <dgm:constr type="lMarg"/>
+              <dgm:constr type="rMarg"/>
+              <dgm:constr type="tMarg"/>
+              <dgm:constr type="bMarg"/>
             </dgm:constrLst>
             <dgm:ruleLst>
-              <dgm:rule type="primFontSz" val="14" fact="NaN" max="NaN"/>
-              <dgm:rule type="tMarg" val="13" fact="NaN" max="NaN"/>
+              <dgm:rule type="primFontSz" val="5" fact="NaN" max="NaN"/>
             </dgm:ruleLst>
           </dgm:layoutNode>
-        </dgm:forEach>
-        <dgm:layoutNode name="nodeRect" styleLbl="alignNode1" moveWith="bgRect">
-          <dgm:varLst>
-            <dgm:bulletEnabled val="1"/>
-          </dgm:varLst>
-          <dgm:alg type="tx">
-            <dgm:param type="parTxLTRAlign" val="l"/>
-            <dgm:param type="parTxRTLAlign" val="r"/>
-            <dgm:param type="txAnchorVert" val="t"/>
-            <dgm:param type="stBulletLvl" val="2"/>
-          </dgm:alg>
-          <dgm:shape xmlns:r="http://schemas.openxmlformats.org/officeDocument/2006/relationships" type="rect" r:blip="" hideGeom="1">
-            <dgm:adjLst/>
-          </dgm:shape>
-          <dgm:presOf axis="desOrSelf" ptType="node"/>
-          <dgm:constrLst>
-            <dgm:constr type="primFontSz" val="26"/>
-            <dgm:constr type="tMarg"/>
-            <dgm:constr type="lMarg" refType="w" fact="0.28"/>
-            <dgm:constr type="rMarg" refType="w" fact="0.28"/>
-            <dgm:constr type="bMarg" val="26"/>
-          </dgm:constrLst>
-          <dgm:ruleLst>
-            <dgm:rule type="primFontSz" val="11" fact="NaN" max="NaN"/>
-          </dgm:ruleLst>
-        </dgm:layoutNode>
-      </dgm:layoutNode>
-      <dgm:forEach name="Name14" axis="followSib" ptType="sibTrans" cnt="1">
-        <dgm:layoutNode name="sibTrans">
-          <dgm:alg type="sp"/>
-          <dgm:shape xmlns:r="http://schemas.openxmlformats.org/officeDocument/2006/relationships" r:blip="">
-            <dgm:adjLst/>
-          </dgm:shape>
-          <dgm:presOf/>
-          <dgm:constrLst/>
-          <dgm:ruleLst/>
         </dgm:layoutNode>
       </dgm:forEach>
     </dgm:forEach>
   </dgm:layoutNode>
-  <dgm:extLst>
-    <a:ext uri="{4F341089-5ED1-44EC-B178-C955D00A3D55}">
-      <dgm1611:autoBuNodeInfoLst xmlns:dgm1611="http://schemas.microsoft.com/office/drawing/2016/11/diagram">
-        <dgm1611:autoBuNodeInfo lvl="1" ptType="sibTrans">
-          <dgm1611:buPr prefix="" leadZeros="1">
-            <a:buAutoNum type="arabicParenBoth"/>
-          </dgm1611:buPr>
-        </dgm1611:autoBuNodeInfo>
-      </dgm1611:autoBuNodeInfoLst>
-    </a:ext>
-  </dgm:extLst>
 </dgm:layoutDef>
 </file>
 
 <file path=ppt/diagrams/quickStyle1.xml><?xml version="1.0" encoding="utf-8"?>
-<dgm:styleDef xmlns:dgm="http://schemas.openxmlformats.org/drawingml/2006/diagram" xmlns:a="http://schemas.openxmlformats.org/drawingml/2006/main" uniqueId="urn:microsoft.com/office/officeart/2005/8/quickstyle/simple4">
+<dgm:styleDef xmlns:dgm="http://schemas.openxmlformats.org/drawingml/2006/diagram" xmlns:a="http://schemas.openxmlformats.org/drawingml/2006/main" uniqueId="urn:microsoft.com/office/officeart/2005/8/quickstyle/simple1">
   <dgm:title val=""/>
   <dgm:desc val=""/>
   <dgm:catLst>
-    <dgm:cat type="simple" pri="10400"/>
+    <dgm:cat type="simple" pri="10100"/>
   </dgm:catLst>
   <dgm:scene3d>
     <a:camera prst="orthographicFront"/>
@@ -2495,13 +2722,13 @@
     <dgm:sp3d/>
     <dgm:txPr/>
     <dgm:style>
-      <a:lnRef idx="0">
+      <a:lnRef idx="2">
         <a:scrgbClr r="0" g="0" b="0"/>
       </a:lnRef>
-      <a:fillRef idx="3">
+      <a:fillRef idx="1">
         <a:scrgbClr r="0" g="0" b="0"/>
       </a:fillRef>
-      <a:effectRef idx="2">
+      <a:effectRef idx="0">
         <a:scrgbClr r="0" g="0" b="0"/>
       </a:effectRef>
       <a:fontRef idx="minor">
@@ -2517,13 +2744,13 @@
     <dgm:sp3d/>
     <dgm:txPr/>
     <dgm:style>
-      <a:lnRef idx="1">
+      <a:lnRef idx="2">
         <a:scrgbClr r="0" g="0" b="0"/>
       </a:lnRef>
-      <a:fillRef idx="3">
+      <a:fillRef idx="1">
         <a:scrgbClr r="0" g="0" b="0"/>
       </a:fillRef>
-      <a:effectRef idx="2">
+      <a:effectRef idx="0">
         <a:scrgbClr r="0" g="0" b="0"/>
       </a:effectRef>
       <a:fontRef idx="minor">
@@ -2539,10 +2766,10 @@
     <dgm:sp3d/>
     <dgm:txPr/>
     <dgm:style>
-      <a:lnRef idx="0">
+      <a:lnRef idx="2">
         <a:scrgbClr r="0" g="0" b="0"/>
       </a:lnRef>
-      <a:fillRef idx="3">
+      <a:fillRef idx="1">
         <a:scrgbClr r="0" g="0" b="0"/>
       </a:fillRef>
       <a:effectRef idx="0">
@@ -2561,13 +2788,13 @@
     <dgm:sp3d/>
     <dgm:txPr/>
     <dgm:style>
-      <a:lnRef idx="1">
+      <a:lnRef idx="2">
         <a:scrgbClr r="0" g="0" b="0"/>
       </a:lnRef>
-      <a:fillRef idx="3">
+      <a:fillRef idx="1">
         <a:scrgbClr r="0" g="0" b="0"/>
       </a:fillRef>
-      <a:effectRef idx="2">
+      <a:effectRef idx="0">
         <a:scrgbClr r="0" g="0" b="0"/>
       </a:effectRef>
       <a:fontRef idx="minor">
@@ -2583,13 +2810,13 @@
     <dgm:sp3d/>
     <dgm:txPr/>
     <dgm:style>
-      <a:lnRef idx="0">
+      <a:lnRef idx="2">
         <a:scrgbClr r="0" g="0" b="0"/>
       </a:lnRef>
-      <a:fillRef idx="3">
+      <a:fillRef idx="1">
         <a:scrgbClr r="0" g="0" b="0"/>
       </a:fillRef>
-      <a:effectRef idx="2">
+      <a:effectRef idx="0">
         <a:scrgbClr r="0" g="0" b="0"/>
       </a:effectRef>
       <a:fontRef idx="minor">
@@ -2605,13 +2832,13 @@
     <dgm:sp3d/>
     <dgm:txPr/>
     <dgm:style>
-      <a:lnRef idx="0">
+      <a:lnRef idx="2">
         <a:scrgbClr r="0" g="0" b="0"/>
       </a:lnRef>
-      <a:fillRef idx="3">
+      <a:fillRef idx="1">
         <a:scrgbClr r="0" g="0" b="0"/>
       </a:fillRef>
-      <a:effectRef idx="2">
+      <a:effectRef idx="0">
         <a:scrgbClr r="0" g="0" b="0"/>
       </a:effectRef>
       <a:fontRef idx="minor">
@@ -2627,13 +2854,13 @@
     <dgm:sp3d/>
     <dgm:txPr/>
     <dgm:style>
-      <a:lnRef idx="0">
+      <a:lnRef idx="2">
         <a:scrgbClr r="0" g="0" b="0"/>
       </a:lnRef>
-      <a:fillRef idx="3">
+      <a:fillRef idx="1">
         <a:scrgbClr r="0" g="0" b="0"/>
       </a:fillRef>
-      <a:effectRef idx="2">
+      <a:effectRef idx="0">
         <a:scrgbClr r="0" g="0" b="0"/>
       </a:effectRef>
       <a:fontRef idx="minor">
@@ -2649,13 +2876,13 @@
     <dgm:sp3d/>
     <dgm:txPr/>
     <dgm:style>
-      <a:lnRef idx="0">
+      <a:lnRef idx="2">
         <a:scrgbClr r="0" g="0" b="0"/>
       </a:lnRef>
-      <a:fillRef idx="3">
+      <a:fillRef idx="1">
         <a:scrgbClr r="0" g="0" b="0"/>
       </a:fillRef>
-      <a:effectRef idx="2">
+      <a:effectRef idx="0">
         <a:scrgbClr r="0" g="0" b="0"/>
       </a:effectRef>
       <a:fontRef idx="minor">
@@ -2671,13 +2898,13 @@
     <dgm:sp3d/>
     <dgm:txPr/>
     <dgm:style>
-      <a:lnRef idx="0">
+      <a:lnRef idx="2">
         <a:scrgbClr r="0" g="0" b="0"/>
       </a:lnRef>
       <a:fillRef idx="1">
         <a:scrgbClr r="0" g="0" b="0"/>
       </a:fillRef>
-      <a:effectRef idx="2">
+      <a:effectRef idx="0">
         <a:scrgbClr r="0" g="0" b="0"/>
       </a:effectRef>
       <a:fontRef idx="minor"/>
@@ -2691,13 +2918,13 @@
     <dgm:sp3d/>
     <dgm:txPr/>
     <dgm:style>
-      <a:lnRef idx="0">
+      <a:lnRef idx="2">
         <a:scrgbClr r="0" g="0" b="0"/>
       </a:lnRef>
       <a:fillRef idx="1">
         <a:scrgbClr r="0" g="0" b="0"/>
       </a:fillRef>
-      <a:effectRef idx="2">
+      <a:effectRef idx="0">
         <a:scrgbClr r="0" g="0" b="0"/>
       </a:effectRef>
       <a:fontRef idx="minor"/>
@@ -2711,13 +2938,13 @@
     <dgm:sp3d/>
     <dgm:txPr/>
     <dgm:style>
-      <a:lnRef idx="0">
+      <a:lnRef idx="2">
         <a:scrgbClr r="0" g="0" b="0"/>
       </a:lnRef>
       <a:fillRef idx="1">
         <a:scrgbClr r="0" g="0" b="0"/>
       </a:fillRef>
-      <a:effectRef idx="2">
+      <a:effectRef idx="0">
         <a:scrgbClr r="0" g="0" b="0"/>
       </a:effectRef>
       <a:fontRef idx="minor"/>
@@ -2734,10 +2961,10 @@
       <a:lnRef idx="0">
         <a:scrgbClr r="0" g="0" b="0"/>
       </a:lnRef>
-      <a:fillRef idx="3">
+      <a:fillRef idx="1">
         <a:scrgbClr r="0" g="0" b="0"/>
       </a:fillRef>
-      <a:effectRef idx="2">
+      <a:effectRef idx="0">
         <a:scrgbClr r="0" g="0" b="0"/>
       </a:effectRef>
       <a:fontRef idx="minor">
@@ -2756,10 +2983,10 @@
       <a:lnRef idx="0">
         <a:scrgbClr r="0" g="0" b="0"/>
       </a:lnRef>
-      <a:fillRef idx="3">
+      <a:fillRef idx="1">
         <a:scrgbClr r="0" g="0" b="0"/>
       </a:fillRef>
-      <a:effectRef idx="2">
+      <a:effectRef idx="0">
         <a:scrgbClr r="0" g="0" b="0"/>
       </a:effectRef>
       <a:fontRef idx="minor">
@@ -2778,10 +3005,10 @@
       <a:lnRef idx="0">
         <a:scrgbClr r="0" g="0" b="0"/>
       </a:lnRef>
-      <a:fillRef idx="3">
+      <a:fillRef idx="1">
         <a:scrgbClr r="0" g="0" b="0"/>
       </a:fillRef>
-      <a:effectRef idx="2">
+      <a:effectRef idx="0">
         <a:scrgbClr r="0" g="0" b="0"/>
       </a:effectRef>
       <a:fontRef idx="minor">
@@ -2823,7 +3050,7 @@
       <a:fillRef idx="1">
         <a:scrgbClr r="0" g="0" b="0"/>
       </a:fillRef>
-      <a:effectRef idx="1">
+      <a:effectRef idx="0">
         <a:scrgbClr r="0" g="0" b="0"/>
       </a:effectRef>
       <a:fontRef idx="minor"/>
@@ -2837,13 +3064,13 @@
     <dgm:sp3d/>
     <dgm:txPr/>
     <dgm:style>
-      <a:lnRef idx="0">
+      <a:lnRef idx="2">
         <a:scrgbClr r="0" g="0" b="0"/>
       </a:lnRef>
-      <a:fillRef idx="3">
+      <a:fillRef idx="1">
         <a:scrgbClr r="0" g="0" b="0"/>
       </a:fillRef>
-      <a:effectRef idx="2">
+      <a:effectRef idx="0">
         <a:scrgbClr r="0" g="0" b="0"/>
       </a:effectRef>
       <a:fontRef idx="minor">
@@ -2859,13 +3086,13 @@
     <dgm:sp3d/>
     <dgm:txPr/>
     <dgm:style>
-      <a:lnRef idx="0">
+      <a:lnRef idx="2">
         <a:scrgbClr r="0" g="0" b="0"/>
       </a:lnRef>
-      <a:fillRef idx="3">
+      <a:fillRef idx="1">
         <a:scrgbClr r="0" g="0" b="0"/>
       </a:fillRef>
-      <a:effectRef idx="2">
+      <a:effectRef idx="0">
         <a:scrgbClr r="0" g="0" b="0"/>
       </a:effectRef>
       <a:fontRef idx="minor">
@@ -2881,13 +3108,13 @@
     <dgm:sp3d/>
     <dgm:txPr/>
     <dgm:style>
-      <a:lnRef idx="0">
+      <a:lnRef idx="2">
         <a:scrgbClr r="0" g="0" b="0"/>
       </a:lnRef>
-      <a:fillRef idx="3">
+      <a:fillRef idx="1">
         <a:scrgbClr r="0" g="0" b="0"/>
       </a:fillRef>
-      <a:effectRef idx="2">
+      <a:effectRef idx="0">
         <a:scrgbClr r="0" g="0" b="0"/>
       </a:effectRef>
       <a:fontRef idx="minor">
@@ -2903,13 +3130,13 @@
     <dgm:sp3d/>
     <dgm:txPr/>
     <dgm:style>
-      <a:lnRef idx="0">
+      <a:lnRef idx="2">
         <a:scrgbClr r="0" g="0" b="0"/>
       </a:lnRef>
-      <a:fillRef idx="3">
+      <a:fillRef idx="1">
         <a:scrgbClr r="0" g="0" b="0"/>
       </a:fillRef>
-      <a:effectRef idx="2">
+      <a:effectRef idx="0">
         <a:scrgbClr r="0" g="0" b="0"/>
       </a:effectRef>
       <a:fontRef idx="minor">
@@ -2925,13 +3152,13 @@
     <dgm:sp3d/>
     <dgm:txPr/>
     <dgm:style>
-      <a:lnRef idx="0">
+      <a:lnRef idx="2">
         <a:scrgbClr r="0" g="0" b="0"/>
       </a:lnRef>
-      <a:fillRef idx="3">
+      <a:fillRef idx="1">
         <a:scrgbClr r="0" g="0" b="0"/>
       </a:fillRef>
-      <a:effectRef idx="2">
+      <a:effectRef idx="0">
         <a:scrgbClr r="0" g="0" b="0"/>
       </a:effectRef>
       <a:fontRef idx="minor">
@@ -2947,13 +3174,13 @@
     <dgm:sp3d/>
     <dgm:txPr/>
     <dgm:style>
-      <a:lnRef idx="0">
+      <a:lnRef idx="2">
         <a:scrgbClr r="0" g="0" b="0"/>
       </a:lnRef>
-      <a:fillRef idx="3">
+      <a:fillRef idx="1">
         <a:scrgbClr r="0" g="0" b="0"/>
       </a:fillRef>
-      <a:effectRef idx="2">
+      <a:effectRef idx="0">
         <a:scrgbClr r="0" g="0" b="0"/>
       </a:effectRef>
       <a:fontRef idx="minor">
@@ -2969,13 +3196,13 @@
     <dgm:sp3d/>
     <dgm:txPr/>
     <dgm:style>
-      <a:lnRef idx="0">
+      <a:lnRef idx="2">
         <a:scrgbClr r="0" g="0" b="0"/>
       </a:lnRef>
-      <a:fillRef idx="3">
+      <a:fillRef idx="1">
         <a:scrgbClr r="0" g="0" b="0"/>
       </a:fillRef>
-      <a:effectRef idx="2">
+      <a:effectRef idx="0">
         <a:scrgbClr r="0" g="0" b="0"/>
       </a:effectRef>
       <a:fontRef idx="minor">
@@ -2991,13 +3218,13 @@
     <dgm:sp3d/>
     <dgm:txPr/>
     <dgm:style>
-      <a:lnRef idx="1">
+      <a:lnRef idx="2">
         <a:scrgbClr r="0" g="0" b="0"/>
       </a:lnRef>
-      <a:fillRef idx="3">
+      <a:fillRef idx="1">
         <a:scrgbClr r="0" g="0" b="0"/>
       </a:fillRef>
-      <a:effectRef idx="2">
+      <a:effectRef idx="0">
         <a:scrgbClr r="0" g="0" b="0"/>
       </a:effectRef>
       <a:fontRef idx="minor">
@@ -3013,13 +3240,13 @@
     <dgm:sp3d/>
     <dgm:txPr/>
     <dgm:style>
-      <a:lnRef idx="1">
+      <a:lnRef idx="2">
         <a:scrgbClr r="0" g="0" b="0"/>
       </a:lnRef>
-      <a:fillRef idx="3">
+      <a:fillRef idx="1">
         <a:scrgbClr r="0" g="0" b="0"/>
       </a:fillRef>
-      <a:effectRef idx="2">
+      <a:effectRef idx="0">
         <a:scrgbClr r="0" g="0" b="0"/>
       </a:effectRef>
       <a:fontRef idx="minor">
@@ -3035,7 +3262,7 @@
     <dgm:sp3d/>
     <dgm:txPr/>
     <dgm:style>
-      <a:lnRef idx="1">
+      <a:lnRef idx="2">
         <a:scrgbClr r="0" g="0" b="0"/>
       </a:lnRef>
       <a:fillRef idx="0">
@@ -3055,7 +3282,7 @@
     <dgm:sp3d/>
     <dgm:txPr/>
     <dgm:style>
-      <a:lnRef idx="1">
+      <a:lnRef idx="2">
         <a:scrgbClr r="0" g="0" b="0"/>
       </a:lnRef>
       <a:fillRef idx="0">
@@ -3075,7 +3302,7 @@
     <dgm:sp3d/>
     <dgm:txPr/>
     <dgm:style>
-      <a:lnRef idx="1">
+      <a:lnRef idx="2">
         <a:scrgbClr r="0" g="0" b="0"/>
       </a:lnRef>
       <a:fillRef idx="0">
@@ -3095,7 +3322,7 @@
     <dgm:sp3d/>
     <dgm:txPr/>
     <dgm:style>
-      <a:lnRef idx="1">
+      <a:lnRef idx="2">
         <a:scrgbClr r="0" g="0" b="0"/>
       </a:lnRef>
       <a:fillRef idx="0">
@@ -3115,7 +3342,7 @@
     <dgm:sp3d/>
     <dgm:txPr/>
     <dgm:style>
-      <a:lnRef idx="1">
+      <a:lnRef idx="2">
         <a:scrgbClr r="0" g="0" b="0"/>
       </a:lnRef>
       <a:fillRef idx="1">
@@ -3135,7 +3362,7 @@
     <dgm:sp3d/>
     <dgm:txPr/>
     <dgm:style>
-      <a:lnRef idx="1">
+      <a:lnRef idx="2">
         <a:scrgbClr r="0" g="0" b="0"/>
       </a:lnRef>
       <a:fillRef idx="1">
@@ -3155,7 +3382,7 @@
     <dgm:sp3d/>
     <dgm:txPr/>
     <dgm:style>
-      <a:lnRef idx="1">
+      <a:lnRef idx="2">
         <a:scrgbClr r="0" g="0" b="0"/>
       </a:lnRef>
       <a:fillRef idx="1">
@@ -3195,7 +3422,7 @@
     <dgm:sp3d/>
     <dgm:txPr/>
     <dgm:style>
-      <a:lnRef idx="1">
+      <a:lnRef idx="2">
         <a:scrgbClr r="0" g="0" b="0"/>
       </a:lnRef>
       <a:fillRef idx="1">
@@ -3215,7 +3442,7 @@
     <dgm:sp3d/>
     <dgm:txPr/>
     <dgm:style>
-      <a:lnRef idx="1">
+      <a:lnRef idx="2">
         <a:scrgbClr r="0" g="0" b="0"/>
       </a:lnRef>
       <a:fillRef idx="1">
@@ -3235,7 +3462,7 @@
     <dgm:sp3d/>
     <dgm:txPr/>
     <dgm:style>
-      <a:lnRef idx="1">
+      <a:lnRef idx="2">
         <a:scrgbClr r="0" g="0" b="0"/>
       </a:lnRef>
       <a:fillRef idx="1">
@@ -3255,7 +3482,7 @@
     <dgm:sp3d/>
     <dgm:txPr/>
     <dgm:style>
-      <a:lnRef idx="1">
+      <a:lnRef idx="2">
         <a:scrgbClr r="0" g="0" b="0"/>
       </a:lnRef>
       <a:fillRef idx="1">
@@ -3275,7 +3502,7 @@
     <dgm:sp3d/>
     <dgm:txPr/>
     <dgm:style>
-      <a:lnRef idx="1">
+      <a:lnRef idx="2">
         <a:scrgbClr r="0" g="0" b="0"/>
       </a:lnRef>
       <a:fillRef idx="1">
@@ -3295,7 +3522,7 @@
     <dgm:sp3d/>
     <dgm:txPr/>
     <dgm:style>
-      <a:lnRef idx="1">
+      <a:lnRef idx="2">
         <a:scrgbClr r="0" g="0" b="0"/>
       </a:lnRef>
       <a:fillRef idx="1">
@@ -3315,7 +3542,7 @@
     <dgm:sp3d/>
     <dgm:txPr/>
     <dgm:style>
-      <a:lnRef idx="1">
+      <a:lnRef idx="2">
         <a:scrgbClr r="0" g="0" b="0"/>
       </a:lnRef>
       <a:fillRef idx="1">
@@ -3335,7 +3562,7 @@
     <dgm:sp3d/>
     <dgm:txPr/>
     <dgm:style>
-      <a:lnRef idx="1">
+      <a:lnRef idx="2">
         <a:scrgbClr r="0" g="0" b="0"/>
       </a:lnRef>
       <a:fillRef idx="1">
@@ -3355,7 +3582,7 @@
     <dgm:sp3d/>
     <dgm:txPr/>
     <dgm:style>
-      <a:lnRef idx="1">
+      <a:lnRef idx="2">
         <a:scrgbClr r="0" g="0" b="0"/>
       </a:lnRef>
       <a:fillRef idx="1">
@@ -3375,7 +3602,7 @@
     <dgm:sp3d/>
     <dgm:txPr/>
     <dgm:style>
-      <a:lnRef idx="1">
+      <a:lnRef idx="2">
         <a:scrgbClr r="0" g="0" b="0"/>
       </a:lnRef>
       <a:fillRef idx="1">
@@ -3395,7 +3622,7 @@
     <dgm:sp3d/>
     <dgm:txPr/>
     <dgm:style>
-      <a:lnRef idx="1">
+      <a:lnRef idx="2">
         <a:scrgbClr r="0" g="0" b="0"/>
       </a:lnRef>
       <a:fillRef idx="1">
@@ -3421,7 +3648,7 @@
       <a:fillRef idx="1">
         <a:scrgbClr r="0" g="0" b="0"/>
       </a:fillRef>
-      <a:effectRef idx="2">
+      <a:effectRef idx="0">
         <a:scrgbClr r="0" g="0" b="0"/>
       </a:effectRef>
       <a:fontRef idx="minor"/>
@@ -3441,7 +3668,7 @@
       <a:fillRef idx="1">
         <a:scrgbClr r="0" g="0" b="0"/>
       </a:fillRef>
-      <a:effectRef idx="2">
+      <a:effectRef idx="0">
         <a:scrgbClr r="0" g="0" b="0"/>
       </a:effectRef>
       <a:fontRef idx="minor"/>
@@ -3475,13 +3702,13 @@
     <dgm:sp3d/>
     <dgm:txPr/>
     <dgm:style>
-      <a:lnRef idx="0">
+      <a:lnRef idx="2">
         <a:scrgbClr r="0" g="0" b="0"/>
       </a:lnRef>
-      <a:fillRef idx="3">
+      <a:fillRef idx="1">
         <a:scrgbClr r="0" g="0" b="0"/>
       </a:fillRef>
-      <a:effectRef idx="2">
+      <a:effectRef idx="0">
         <a:scrgbClr r="0" g="0" b="0"/>
       </a:effectRef>
       <a:fontRef idx="minor"/>
@@ -3723,7 +3950,7 @@
           <a:p>
             <a:fld id="{62D6E202-B606-4609-B914-27C9371A1F6D}" type="datetime1">
               <a:rPr lang="en-US" smtClean="0"/>
-              <a:t>12/20/2022</a:t>
+              <a:t>12/21/2022</a:t>
             </a:fld>
             <a:endParaRPr lang="en-US" dirty="0"/>
           </a:p>
@@ -3765,7 +3992,7 @@
           <a:p>
             <a:fld id="{3A98EE3D-8CD1-4C3F-BD1C-C98C9596463C}" type="slidenum">
               <a:rPr lang="en-US" smtClean="0"/>
-              <a:t>‹nr.›</a:t>
+              <a:t>‹#›</a:t>
             </a:fld>
             <a:endParaRPr lang="en-US" dirty="0"/>
           </a:p>
@@ -4015,7 +4242,7 @@
           <a:p>
             <a:fld id="{62D6E202-B606-4609-B914-27C9371A1F6D}" type="datetime1">
               <a:rPr lang="en-US" smtClean="0"/>
-              <a:t>12/20/2022</a:t>
+              <a:t>12/21/2022</a:t>
             </a:fld>
             <a:endParaRPr lang="en-US" dirty="0"/>
           </a:p>
@@ -4057,7 +4284,7 @@
           <a:p>
             <a:fld id="{3A98EE3D-8CD1-4C3F-BD1C-C98C9596463C}" type="slidenum">
               <a:rPr lang="en-US" smtClean="0"/>
-              <a:t>‹nr.›</a:t>
+              <a:t>‹#›</a:t>
             </a:fld>
             <a:endParaRPr lang="en-US" dirty="0"/>
           </a:p>
@@ -4275,7 +4502,7 @@
           <a:p>
             <a:fld id="{62D6E202-B606-4609-B914-27C9371A1F6D}" type="datetime1">
               <a:rPr lang="en-US" smtClean="0"/>
-              <a:t>12/20/2022</a:t>
+              <a:t>12/21/2022</a:t>
             </a:fld>
             <a:endParaRPr lang="en-US" dirty="0"/>
           </a:p>
@@ -4317,7 +4544,7 @@
           <a:p>
             <a:fld id="{3A98EE3D-8CD1-4C3F-BD1C-C98C9596463C}" type="slidenum">
               <a:rPr lang="en-US" smtClean="0"/>
-              <a:t>‹nr.›</a:t>
+              <a:t>‹#›</a:t>
             </a:fld>
             <a:endParaRPr lang="en-US" dirty="0"/>
           </a:p>
@@ -4745,7 +4972,7 @@
           <a:p>
             <a:fld id="{62D6E202-B606-4609-B914-27C9371A1F6D}" type="datetime1">
               <a:rPr lang="en-US" smtClean="0"/>
-              <a:t>12/20/2022</a:t>
+              <a:t>12/21/2022</a:t>
             </a:fld>
             <a:endParaRPr lang="en-US" dirty="0"/>
           </a:p>
@@ -4787,7 +5014,7 @@
           <a:p>
             <a:fld id="{3A98EE3D-8CD1-4C3F-BD1C-C98C9596463C}" type="slidenum">
               <a:rPr lang="en-US" smtClean="0"/>
-              <a:t>‹nr.›</a:t>
+              <a:t>‹#›</a:t>
             </a:fld>
             <a:endParaRPr lang="en-US" dirty="0"/>
           </a:p>
@@ -4926,7 +5153,7 @@
           <a:p>
             <a:fld id="{62D6E202-B606-4609-B914-27C9371A1F6D}" type="datetime1">
               <a:rPr lang="en-US" smtClean="0"/>
-              <a:t>12/20/2022</a:t>
+              <a:t>12/21/2022</a:t>
             </a:fld>
             <a:endParaRPr lang="en-US" dirty="0"/>
           </a:p>
@@ -4968,7 +5195,7 @@
           <a:p>
             <a:fld id="{3A98EE3D-8CD1-4C3F-BD1C-C98C9596463C}" type="slidenum">
               <a:rPr lang="en-US" smtClean="0"/>
-              <a:t>‹nr.›</a:t>
+              <a:t>‹#›</a:t>
             </a:fld>
             <a:endParaRPr lang="en-US" dirty="0"/>
           </a:p>
@@ -5503,7 +5730,7 @@
           <a:p>
             <a:fld id="{62D6E202-B606-4609-B914-27C9371A1F6D}" type="datetime1">
               <a:rPr lang="en-US" smtClean="0"/>
-              <a:t>12/20/2022</a:t>
+              <a:t>12/21/2022</a:t>
             </a:fld>
             <a:endParaRPr lang="en-US" dirty="0"/>
           </a:p>
@@ -5545,7 +5772,7 @@
           <a:p>
             <a:fld id="{3A98EE3D-8CD1-4C3F-BD1C-C98C9596463C}" type="slidenum">
               <a:rPr lang="en-US" smtClean="0"/>
-              <a:t>‹nr.›</a:t>
+              <a:t>‹#›</a:t>
             </a:fld>
             <a:endParaRPr lang="en-US" dirty="0"/>
           </a:p>
@@ -5836,7 +6063,7 @@
           <a:p>
             <a:fld id="{62D6E202-B606-4609-B914-27C9371A1F6D}" type="datetime1">
               <a:rPr lang="en-US" smtClean="0"/>
-              <a:t>12/20/2022</a:t>
+              <a:t>12/21/2022</a:t>
             </a:fld>
             <a:endParaRPr lang="en-US" dirty="0"/>
           </a:p>
@@ -5878,7 +6105,7 @@
           <a:p>
             <a:fld id="{3A98EE3D-8CD1-4C3F-BD1C-C98C9596463C}" type="slidenum">
               <a:rPr lang="en-US" smtClean="0"/>
-              <a:t>‹nr.›</a:t>
+              <a:t>‹#›</a:t>
             </a:fld>
             <a:endParaRPr lang="en-US" dirty="0"/>
           </a:p>
@@ -6012,7 +6239,7 @@
           <a:p>
             <a:fld id="{62D6E202-B606-4609-B914-27C9371A1F6D}" type="datetime1">
               <a:rPr lang="en-US" smtClean="0"/>
-              <a:t>12/20/2022</a:t>
+              <a:t>12/21/2022</a:t>
             </a:fld>
             <a:endParaRPr lang="en-US" dirty="0"/>
           </a:p>
@@ -6054,7 +6281,7 @@
           <a:p>
             <a:fld id="{3A98EE3D-8CD1-4C3F-BD1C-C98C9596463C}" type="slidenum">
               <a:rPr lang="en-US" smtClean="0"/>
-              <a:t>‹nr.›</a:t>
+              <a:t>‹#›</a:t>
             </a:fld>
             <a:endParaRPr lang="en-US" dirty="0"/>
           </a:p>
@@ -6193,7 +6420,7 @@
           <a:p>
             <a:fld id="{62D6E202-B606-4609-B914-27C9371A1F6D}" type="datetime1">
               <a:rPr lang="en-US" smtClean="0"/>
-              <a:t>12/20/2022</a:t>
+              <a:t>12/21/2022</a:t>
             </a:fld>
             <a:endParaRPr lang="en-US" dirty="0"/>
           </a:p>
@@ -6235,7 +6462,7 @@
           <a:p>
             <a:fld id="{3A98EE3D-8CD1-4C3F-BD1C-C98C9596463C}" type="slidenum">
               <a:rPr lang="en-US" smtClean="0"/>
-              <a:t>‹nr.›</a:t>
+              <a:t>‹#›</a:t>
             </a:fld>
             <a:endParaRPr lang="en-US" dirty="0"/>
           </a:p>
@@ -6364,7 +6591,7 @@
           <a:p>
             <a:fld id="{62D6E202-B606-4609-B914-27C9371A1F6D}" type="datetime1">
               <a:rPr lang="en-US" smtClean="0"/>
-              <a:t>12/20/2022</a:t>
+              <a:t>12/21/2022</a:t>
             </a:fld>
             <a:endParaRPr lang="en-US" dirty="0"/>
           </a:p>
@@ -6406,7 +6633,7 @@
           <a:p>
             <a:fld id="{3A98EE3D-8CD1-4C3F-BD1C-C98C9596463C}" type="slidenum">
               <a:rPr lang="en-US" smtClean="0"/>
-              <a:t>‹nr.›</a:t>
+              <a:t>‹#›</a:t>
             </a:fld>
             <a:endParaRPr lang="en-US" dirty="0"/>
           </a:p>
@@ -6622,7 +6849,7 @@
           <a:p>
             <a:fld id="{62D6E202-B606-4609-B914-27C9371A1F6D}" type="datetime1">
               <a:rPr lang="en-US" smtClean="0"/>
-              <a:t>12/20/2022</a:t>
+              <a:t>12/21/2022</a:t>
             </a:fld>
             <a:endParaRPr lang="en-US" dirty="0"/>
           </a:p>
@@ -6664,7 +6891,7 @@
           <a:p>
             <a:fld id="{3A98EE3D-8CD1-4C3F-BD1C-C98C9596463C}" type="slidenum">
               <a:rPr lang="en-US" smtClean="0"/>
-              <a:t>‹nr.›</a:t>
+              <a:t>‹#›</a:t>
             </a:fld>
             <a:endParaRPr lang="en-US" dirty="0"/>
           </a:p>
@@ -6915,7 +7142,7 @@
           <a:p>
             <a:fld id="{62D6E202-B606-4609-B914-27C9371A1F6D}" type="datetime1">
               <a:rPr lang="en-US" smtClean="0"/>
-              <a:t>12/20/2022</a:t>
+              <a:t>12/21/2022</a:t>
             </a:fld>
             <a:endParaRPr lang="en-US" dirty="0"/>
           </a:p>
@@ -6957,7 +7184,7 @@
           <a:p>
             <a:fld id="{3A98EE3D-8CD1-4C3F-BD1C-C98C9596463C}" type="slidenum">
               <a:rPr lang="en-US" smtClean="0"/>
-              <a:t>‹nr.›</a:t>
+              <a:t>‹#›</a:t>
             </a:fld>
             <a:endParaRPr lang="en-US" dirty="0"/>
           </a:p>
@@ -7346,7 +7573,7 @@
           <a:p>
             <a:fld id="{62D6E202-B606-4609-B914-27C9371A1F6D}" type="datetime1">
               <a:rPr lang="en-US" smtClean="0"/>
-              <a:t>12/20/2022</a:t>
+              <a:t>12/21/2022</a:t>
             </a:fld>
             <a:endParaRPr lang="en-US" dirty="0"/>
           </a:p>
@@ -7388,7 +7615,7 @@
           <a:p>
             <a:fld id="{3A98EE3D-8CD1-4C3F-BD1C-C98C9596463C}" type="slidenum">
               <a:rPr lang="en-US" smtClean="0"/>
-              <a:t>‹nr.›</a:t>
+              <a:t>‹#›</a:t>
             </a:fld>
             <a:endParaRPr lang="en-US" dirty="0"/>
           </a:p>
@@ -7465,7 +7692,7 @@
           <a:p>
             <a:fld id="{62D6E202-B606-4609-B914-27C9371A1F6D}" type="datetime1">
               <a:rPr lang="en-US" smtClean="0"/>
-              <a:t>12/20/2022</a:t>
+              <a:t>12/21/2022</a:t>
             </a:fld>
             <a:endParaRPr lang="en-US" dirty="0"/>
           </a:p>
@@ -7507,7 +7734,7 @@
           <a:p>
             <a:fld id="{3A98EE3D-8CD1-4C3F-BD1C-C98C9596463C}" type="slidenum">
               <a:rPr lang="en-US" smtClean="0"/>
-              <a:t>‹nr.›</a:t>
+              <a:t>‹#›</a:t>
             </a:fld>
             <a:endParaRPr lang="en-US" dirty="0"/>
           </a:p>
@@ -7561,7 +7788,7 @@
           <a:p>
             <a:fld id="{62D6E202-B606-4609-B914-27C9371A1F6D}" type="datetime1">
               <a:rPr lang="en-US" smtClean="0"/>
-              <a:t>12/20/2022</a:t>
+              <a:t>12/21/2022</a:t>
             </a:fld>
             <a:endParaRPr lang="en-US" dirty="0"/>
           </a:p>
@@ -7603,7 +7830,7 @@
           <a:p>
             <a:fld id="{3A98EE3D-8CD1-4C3F-BD1C-C98C9596463C}" type="slidenum">
               <a:rPr lang="en-US" smtClean="0"/>
-              <a:t>‹nr.›</a:t>
+              <a:t>‹#›</a:t>
             </a:fld>
             <a:endParaRPr lang="en-US" dirty="0"/>
           </a:p>
@@ -7845,7 +8072,7 @@
           <a:p>
             <a:fld id="{62D6E202-B606-4609-B914-27C9371A1F6D}" type="datetime1">
               <a:rPr lang="en-US" smtClean="0"/>
-              <a:t>12/20/2022</a:t>
+              <a:t>12/21/2022</a:t>
             </a:fld>
             <a:endParaRPr lang="en-US" dirty="0"/>
           </a:p>
@@ -7887,7 +8114,7 @@
           <a:p>
             <a:fld id="{3A98EE3D-8CD1-4C3F-BD1C-C98C9596463C}" type="slidenum">
               <a:rPr lang="en-US" smtClean="0"/>
-              <a:t>‹nr.›</a:t>
+              <a:t>‹#›</a:t>
             </a:fld>
             <a:endParaRPr lang="en-US" dirty="0"/>
           </a:p>
@@ -8137,7 +8364,7 @@
           <a:p>
             <a:fld id="{62D6E202-B606-4609-B914-27C9371A1F6D}" type="datetime1">
               <a:rPr lang="en-US" smtClean="0"/>
-              <a:t>12/20/2022</a:t>
+              <a:t>12/21/2022</a:t>
             </a:fld>
             <a:endParaRPr lang="en-US" dirty="0"/>
           </a:p>
@@ -8189,7 +8416,7 @@
           <a:p>
             <a:fld id="{3A98EE3D-8CD1-4C3F-BD1C-C98C9596463C}" type="slidenum">
               <a:rPr lang="en-US" smtClean="0"/>
-              <a:t>‹nr.›</a:t>
+              <a:t>‹#›</a:t>
             </a:fld>
             <a:endParaRPr lang="en-US" dirty="0"/>
           </a:p>
@@ -8369,7 +8596,7 @@
           <a:p>
             <a:fld id="{62D6E202-B606-4609-B914-27C9371A1F6D}" type="datetime1">
               <a:rPr lang="en-US" smtClean="0"/>
-              <a:t>12/20/2022</a:t>
+              <a:t>12/21/2022</a:t>
             </a:fld>
             <a:endParaRPr lang="en-US" dirty="0"/>
           </a:p>
@@ -8463,7 +8690,7 @@
           <a:p>
             <a:fld id="{3A98EE3D-8CD1-4C3F-BD1C-C98C9596463C}" type="slidenum">
               <a:rPr lang="en-US" smtClean="0"/>
-              <a:t>‹nr.›</a:t>
+              <a:t>‹#›</a:t>
             </a:fld>
             <a:endParaRPr lang="en-US" dirty="0"/>
           </a:p>
@@ -9280,6 +9507,1077 @@
 </p:sld>
 </file>
 
+<file path=ppt/slides/slide10.xml><?xml version="1.0" encoding="utf-8"?>
+<p:sld xmlns:a="http://schemas.openxmlformats.org/drawingml/2006/main" xmlns:r="http://schemas.openxmlformats.org/officeDocument/2006/relationships" xmlns:p="http://schemas.openxmlformats.org/presentationml/2006/main">
+  <p:cSld>
+    <p:bg>
+      <p:bgPr>
+        <a:blipFill rotWithShape="1">
+          <a:blip r:embed="rId2">
+            <a:duotone>
+              <a:schemeClr val="bg2">
+                <a:shade val="28000"/>
+                <a:satMod val="94000"/>
+                <a:lumMod val="20000"/>
+              </a:schemeClr>
+              <a:schemeClr val="bg2">
+                <a:tint val="94000"/>
+                <a:shade val="84000"/>
+                <a:satMod val="148000"/>
+                <a:lumMod val="114000"/>
+              </a:schemeClr>
+            </a:duotone>
+          </a:blip>
+          <a:stretch/>
+        </a:blipFill>
+        <a:effectLst/>
+      </p:bgPr>
+    </p:bg>
+    <p:spTree>
+      <p:nvGrpSpPr>
+        <p:cNvPr id="1" name=""/>
+        <p:cNvGrpSpPr/>
+        <p:nvPr/>
+      </p:nvGrpSpPr>
+      <p:grpSpPr>
+        <a:xfrm>
+          <a:off x="0" y="0"/>
+          <a:ext cx="0" cy="0"/>
+          <a:chOff x="0" y="0"/>
+          <a:chExt cx="0" cy="0"/>
+        </a:xfrm>
+      </p:grpSpPr>
+      <p:pic>
+        <p:nvPicPr>
+          <p:cNvPr id="8" name="Picture 5" descr="Black pen against a sheet with shaded numbers">
+            <a:extLst>
+              <a:ext uri="{FF2B5EF4-FFF2-40B4-BE49-F238E27FC236}">
+                <a16:creationId xmlns:a16="http://schemas.microsoft.com/office/drawing/2014/main" id="{E047B972-3B0A-831B-7F99-2133CD89D218}"/>
+              </a:ext>
+            </a:extLst>
+          </p:cNvPr>
+          <p:cNvPicPr>
+            <a:picLocks noChangeAspect="1"/>
+          </p:cNvPicPr>
+          <p:nvPr/>
+        </p:nvPicPr>
+        <p:blipFill rotWithShape="1">
+          <a:blip r:embed="rId3">
+            <a:duotone>
+              <a:prstClr val="black"/>
+              <a:schemeClr val="bg1">
+                <a:tint val="45000"/>
+                <a:satMod val="400000"/>
+              </a:schemeClr>
+            </a:duotone>
+            <a:alphaModFix amt="25000"/>
+          </a:blip>
+          <a:srcRect t="5526" b="10204"/>
+          <a:stretch/>
+        </p:blipFill>
+        <p:spPr>
+          <a:xfrm>
+            <a:off x="20" y="10"/>
+            <a:ext cx="12191980" cy="6857990"/>
+          </a:xfrm>
+          <a:prstGeom prst="rect">
+            <a:avLst/>
+          </a:prstGeom>
+        </p:spPr>
+      </p:pic>
+      <p:sp>
+        <p:nvSpPr>
+          <p:cNvPr id="3" name="Title 2">
+            <a:extLst>
+              <a:ext uri="{FF2B5EF4-FFF2-40B4-BE49-F238E27FC236}">
+                <a16:creationId xmlns:a16="http://schemas.microsoft.com/office/drawing/2014/main" id="{C54687F7-BB23-F918-1D02-91F9C07F4026}"/>
+              </a:ext>
+            </a:extLst>
+          </p:cNvPr>
+          <p:cNvSpPr>
+            <a:spLocks noGrp="1"/>
+          </p:cNvSpPr>
+          <p:nvPr>
+            <p:ph type="title"/>
+          </p:nvPr>
+        </p:nvSpPr>
+        <p:spPr>
+          <a:xfrm>
+            <a:off x="1751012" y="609601"/>
+            <a:ext cx="8676222" cy="3200400"/>
+          </a:xfrm>
+        </p:spPr>
+        <p:txBody>
+          <a:bodyPr vert="horz" lIns="91440" tIns="45720" rIns="91440" bIns="45720" rtlCol="0" anchor="b">
+            <a:normAutofit/>
+          </a:bodyPr>
+          <a:lstStyle/>
+          <a:p>
+            <a:pPr algn="ctr"/>
+            <a:r>
+              <a:rPr lang="en-US" sz="4800">
+                <a:effectLst>
+                  <a:glow rad="38100">
+                    <a:schemeClr val="bg1">
+                      <a:lumMod val="65000"/>
+                      <a:lumOff val="35000"/>
+                      <a:alpha val="50000"/>
+                    </a:schemeClr>
+                  </a:glow>
+                  <a:outerShdw blurRad="28575" dist="31750" dir="13200000" algn="tl" rotWithShape="0">
+                    <a:srgbClr val="000000">
+                      <a:alpha val="25000"/>
+                    </a:srgbClr>
+                  </a:outerShdw>
+                </a:effectLst>
+              </a:rPr>
+              <a:t>Quiz</a:t>
+            </a:r>
+          </a:p>
+        </p:txBody>
+      </p:sp>
+      <p:sp>
+        <p:nvSpPr>
+          <p:cNvPr id="4" name="Text Placeholder 3">
+            <a:extLst>
+              <a:ext uri="{FF2B5EF4-FFF2-40B4-BE49-F238E27FC236}">
+                <a16:creationId xmlns:a16="http://schemas.microsoft.com/office/drawing/2014/main" id="{E61ED6AB-6697-50EE-164E-01D456288826}"/>
+              </a:ext>
+            </a:extLst>
+          </p:cNvPr>
+          <p:cNvSpPr>
+            <a:spLocks noGrp="1"/>
+          </p:cNvSpPr>
+          <p:nvPr>
+            <p:ph type="body" idx="1"/>
+          </p:nvPr>
+        </p:nvSpPr>
+        <p:spPr>
+          <a:xfrm>
+            <a:off x="1751012" y="3886200"/>
+            <a:ext cx="8676222" cy="1905000"/>
+          </a:xfrm>
+        </p:spPr>
+        <p:txBody>
+          <a:bodyPr vert="horz" lIns="91440" tIns="45720" rIns="91440" bIns="45720" rtlCol="0" anchor="t">
+            <a:normAutofit/>
+          </a:bodyPr>
+          <a:lstStyle/>
+          <a:p>
+            <a:pPr algn="ctr"/>
+            <a:r>
+              <a:rPr lang="en-US" sz="2100"/>
+              <a:t>Code:</a:t>
+            </a:r>
+          </a:p>
+        </p:txBody>
+      </p:sp>
+    </p:spTree>
+    <p:extLst>
+      <p:ext uri="{BB962C8B-B14F-4D97-AF65-F5344CB8AC3E}">
+        <p14:creationId xmlns:p14="http://schemas.microsoft.com/office/powerpoint/2010/main" val="1706450834"/>
+      </p:ext>
+    </p:extLst>
+  </p:cSld>
+  <p:clrMapOvr>
+    <a:masterClrMapping/>
+  </p:clrMapOvr>
+</p:sld>
+</file>
+
+<file path=ppt/slides/slide11.xml><?xml version="1.0" encoding="utf-8"?>
+<p:sld xmlns:a="http://schemas.openxmlformats.org/drawingml/2006/main" xmlns:r="http://schemas.openxmlformats.org/officeDocument/2006/relationships" xmlns:p="http://schemas.openxmlformats.org/presentationml/2006/main">
+  <p:cSld>
+    <p:bg>
+      <p:bgPr>
+        <a:blipFill rotWithShape="1">
+          <a:blip r:embed="rId2">
+            <a:duotone>
+              <a:schemeClr val="bg2">
+                <a:shade val="28000"/>
+                <a:satMod val="94000"/>
+                <a:lumMod val="20000"/>
+              </a:schemeClr>
+              <a:schemeClr val="bg2">
+                <a:tint val="94000"/>
+                <a:shade val="84000"/>
+                <a:satMod val="148000"/>
+                <a:lumMod val="114000"/>
+              </a:schemeClr>
+            </a:duotone>
+          </a:blip>
+          <a:stretch/>
+        </a:blipFill>
+        <a:effectLst/>
+      </p:bgPr>
+    </p:bg>
+    <p:spTree>
+      <p:nvGrpSpPr>
+        <p:cNvPr id="1" name=""/>
+        <p:cNvGrpSpPr/>
+        <p:nvPr/>
+      </p:nvGrpSpPr>
+      <p:grpSpPr>
+        <a:xfrm>
+          <a:off x="0" y="0"/>
+          <a:ext cx="0" cy="0"/>
+          <a:chOff x="0" y="0"/>
+          <a:chExt cx="0" cy="0"/>
+        </a:xfrm>
+      </p:grpSpPr>
+      <p:sp>
+        <p:nvSpPr>
+          <p:cNvPr id="8" name="Rectangle 7">
+            <a:extLst>
+              <a:ext uri="{FF2B5EF4-FFF2-40B4-BE49-F238E27FC236}">
+                <a16:creationId xmlns:a16="http://schemas.microsoft.com/office/drawing/2014/main" id="{8D62164E-4528-40DB-BC26-D6DDE216A059}"/>
+              </a:ext>
+              <a:ext uri="{C183D7F6-B498-43B3-948B-1728B52AA6E4}">
+                <adec:decorative xmlns:adec="http://schemas.microsoft.com/office/drawing/2017/decorative" val="1"/>
+              </a:ext>
+            </a:extLst>
+          </p:cNvPr>
+          <p:cNvSpPr>
+            <a:spLocks noGrp="1" noRot="1" noChangeAspect="1" noMove="1" noResize="1" noEditPoints="1" noAdjustHandles="1" noChangeArrowheads="1" noChangeShapeType="1" noTextEdit="1"/>
+          </p:cNvSpPr>
+          <p:nvPr>
+            <p:extLst>
+              <p:ext uri="{386F3935-93C4-4BCD-93E2-E3B085C9AB24}">
+                <p16:designElem xmlns:p16="http://schemas.microsoft.com/office/powerpoint/2015/main" val="1"/>
+              </p:ext>
+            </p:extLst>
+          </p:nvPr>
+        </p:nvSpPr>
+        <p:spPr>
+          <a:xfrm>
+            <a:off x="0" y="0"/>
+            <a:ext cx="12192000" cy="6858001"/>
+          </a:xfrm>
+          <a:prstGeom prst="rect">
+            <a:avLst/>
+          </a:prstGeom>
+          <a:solidFill>
+            <a:srgbClr val="363D46"/>
+          </a:solidFill>
+          <a:ln>
+            <a:noFill/>
+          </a:ln>
+          <a:effectLst/>
+        </p:spPr>
+        <p:style>
+          <a:lnRef idx="2">
+            <a:schemeClr val="accent1">
+              <a:shade val="50000"/>
+            </a:schemeClr>
+          </a:lnRef>
+          <a:fillRef idx="1">
+            <a:schemeClr val="accent1"/>
+          </a:fillRef>
+          <a:effectRef idx="0">
+            <a:schemeClr val="accent1"/>
+          </a:effectRef>
+          <a:fontRef idx="minor">
+            <a:schemeClr val="lt1"/>
+          </a:fontRef>
+        </p:style>
+        <p:txBody>
+          <a:bodyPr rtlCol="0" anchor="ctr"/>
+          <a:lstStyle/>
+          <a:p>
+            <a:pPr algn="ctr"/>
+            <a:endParaRPr lang="en-US"/>
+          </a:p>
+        </p:txBody>
+      </p:sp>
+      <p:sp useBgFill="1">
+        <p:nvSpPr>
+          <p:cNvPr id="10" name="Freeform: Shape 9">
+            <a:extLst>
+              <a:ext uri="{FF2B5EF4-FFF2-40B4-BE49-F238E27FC236}">
+                <a16:creationId xmlns:a16="http://schemas.microsoft.com/office/drawing/2014/main" id="{F30007FA-C6A2-43A0-8045-7016AEF81713}"/>
+              </a:ext>
+              <a:ext uri="{C183D7F6-B498-43B3-948B-1728B52AA6E4}">
+                <adec:decorative xmlns:adec="http://schemas.microsoft.com/office/drawing/2017/decorative" val="1"/>
+              </a:ext>
+            </a:extLst>
+          </p:cNvPr>
+          <p:cNvSpPr>
+            <a:spLocks noGrp="1" noRot="1" noChangeAspect="1" noMove="1" noResize="1" noEditPoints="1" noAdjustHandles="1" noChangeArrowheads="1" noChangeShapeType="1" noTextEdit="1"/>
+          </p:cNvSpPr>
+          <p:nvPr>
+            <p:extLst>
+              <p:ext uri="{386F3935-93C4-4BCD-93E2-E3B085C9AB24}">
+                <p16:designElem xmlns:p16="http://schemas.microsoft.com/office/powerpoint/2015/main" val="1"/>
+              </p:ext>
+            </p:extLst>
+          </p:nvPr>
+        </p:nvSpPr>
+        <p:spPr>
+          <a:xfrm>
+            <a:off x="0" y="0"/>
+            <a:ext cx="12192000" cy="5322895"/>
+          </a:xfrm>
+          <a:custGeom>
+            <a:avLst/>
+            <a:gdLst>
+              <a:gd name="connsiteX0" fmla="*/ 0 w 12192000"/>
+              <a:gd name="connsiteY0" fmla="*/ 0 h 5322895"/>
+              <a:gd name="connsiteX1" fmla="*/ 12192000 w 12192000"/>
+              <a:gd name="connsiteY1" fmla="*/ 0 h 5322895"/>
+              <a:gd name="connsiteX2" fmla="*/ 12192000 w 12192000"/>
+              <a:gd name="connsiteY2" fmla="*/ 213719 h 5322895"/>
+              <a:gd name="connsiteX3" fmla="*/ 12192000 w 12192000"/>
+              <a:gd name="connsiteY3" fmla="*/ 471948 h 5322895"/>
+              <a:gd name="connsiteX4" fmla="*/ 12192000 w 12192000"/>
+              <a:gd name="connsiteY4" fmla="*/ 3571886 h 5322895"/>
+              <a:gd name="connsiteX5" fmla="*/ 12192000 w 12192000"/>
+              <a:gd name="connsiteY5" fmla="*/ 3753332 h 5322895"/>
+              <a:gd name="connsiteX6" fmla="*/ 12192000 w 12192000"/>
+              <a:gd name="connsiteY6" fmla="*/ 4806077 h 5322895"/>
+              <a:gd name="connsiteX7" fmla="*/ 11957522 w 12192000"/>
+              <a:gd name="connsiteY7" fmla="*/ 4849979 h 5322895"/>
+              <a:gd name="connsiteX8" fmla="*/ 11679973 w 12192000"/>
+              <a:gd name="connsiteY8" fmla="*/ 4899723 h 5322895"/>
+              <a:gd name="connsiteX9" fmla="*/ 11401197 w 12192000"/>
+              <a:gd name="connsiteY9" fmla="*/ 4948416 h 5322895"/>
+              <a:gd name="connsiteX10" fmla="*/ 11121192 w 12192000"/>
+              <a:gd name="connsiteY10" fmla="*/ 4990102 h 5322895"/>
+              <a:gd name="connsiteX11" fmla="*/ 10842416 w 12192000"/>
+              <a:gd name="connsiteY11" fmla="*/ 5032139 h 5322895"/>
+              <a:gd name="connsiteX12" fmla="*/ 10562411 w 12192000"/>
+              <a:gd name="connsiteY12" fmla="*/ 5071374 h 5322895"/>
+              <a:gd name="connsiteX13" fmla="*/ 10286091 w 12192000"/>
+              <a:gd name="connsiteY13" fmla="*/ 5105003 h 5322895"/>
+              <a:gd name="connsiteX14" fmla="*/ 10006086 w 12192000"/>
+              <a:gd name="connsiteY14" fmla="*/ 5136881 h 5322895"/>
+              <a:gd name="connsiteX15" fmla="*/ 9727310 w 12192000"/>
+              <a:gd name="connsiteY15" fmla="*/ 5165957 h 5322895"/>
+              <a:gd name="connsiteX16" fmla="*/ 9453445 w 12192000"/>
+              <a:gd name="connsiteY16" fmla="*/ 5191179 h 5322895"/>
+              <a:gd name="connsiteX17" fmla="*/ 9175897 w 12192000"/>
+              <a:gd name="connsiteY17" fmla="*/ 5216401 h 5322895"/>
+              <a:gd name="connsiteX18" fmla="*/ 8902033 w 12192000"/>
+              <a:gd name="connsiteY18" fmla="*/ 5237420 h 5322895"/>
+              <a:gd name="connsiteX19" fmla="*/ 8628169 w 12192000"/>
+              <a:gd name="connsiteY19" fmla="*/ 5253884 h 5322895"/>
+              <a:gd name="connsiteX20" fmla="*/ 8355533 w 12192000"/>
+              <a:gd name="connsiteY20" fmla="*/ 5271050 h 5322895"/>
+              <a:gd name="connsiteX21" fmla="*/ 8085353 w 12192000"/>
+              <a:gd name="connsiteY21" fmla="*/ 5285412 h 5322895"/>
+              <a:gd name="connsiteX22" fmla="*/ 7817629 w 12192000"/>
+              <a:gd name="connsiteY22" fmla="*/ 5295571 h 5322895"/>
+              <a:gd name="connsiteX23" fmla="*/ 7549905 w 12192000"/>
+              <a:gd name="connsiteY23" fmla="*/ 5304329 h 5322895"/>
+              <a:gd name="connsiteX24" fmla="*/ 7284638 w 12192000"/>
+              <a:gd name="connsiteY24" fmla="*/ 5312736 h 5322895"/>
+              <a:gd name="connsiteX25" fmla="*/ 7023055 w 12192000"/>
+              <a:gd name="connsiteY25" fmla="*/ 5316590 h 5322895"/>
+              <a:gd name="connsiteX26" fmla="*/ 6761472 w 12192000"/>
+              <a:gd name="connsiteY26" fmla="*/ 5320793 h 5322895"/>
+              <a:gd name="connsiteX27" fmla="*/ 6503573 w 12192000"/>
+              <a:gd name="connsiteY27" fmla="*/ 5322895 h 5322895"/>
+              <a:gd name="connsiteX28" fmla="*/ 6248130 w 12192000"/>
+              <a:gd name="connsiteY28" fmla="*/ 5320793 h 5322895"/>
+              <a:gd name="connsiteX29" fmla="*/ 5995144 w 12192000"/>
+              <a:gd name="connsiteY29" fmla="*/ 5320793 h 5322895"/>
+              <a:gd name="connsiteX30" fmla="*/ 5744613 w 12192000"/>
+              <a:gd name="connsiteY30" fmla="*/ 5316590 h 5322895"/>
+              <a:gd name="connsiteX31" fmla="*/ 5498995 w 12192000"/>
+              <a:gd name="connsiteY31" fmla="*/ 5310284 h 5322895"/>
+              <a:gd name="connsiteX32" fmla="*/ 5255834 w 12192000"/>
+              <a:gd name="connsiteY32" fmla="*/ 5304329 h 5322895"/>
+              <a:gd name="connsiteX33" fmla="*/ 5017584 w 12192000"/>
+              <a:gd name="connsiteY33" fmla="*/ 5297673 h 5322895"/>
+              <a:gd name="connsiteX34" fmla="*/ 4780562 w 12192000"/>
+              <a:gd name="connsiteY34" fmla="*/ 5287514 h 5322895"/>
+              <a:gd name="connsiteX35" fmla="*/ 4547227 w 12192000"/>
+              <a:gd name="connsiteY35" fmla="*/ 5276654 h 5322895"/>
+              <a:gd name="connsiteX36" fmla="*/ 4318800 w 12192000"/>
+              <a:gd name="connsiteY36" fmla="*/ 5266846 h 5322895"/>
+              <a:gd name="connsiteX37" fmla="*/ 3873004 w 12192000"/>
+              <a:gd name="connsiteY37" fmla="*/ 5239171 h 5322895"/>
+              <a:gd name="connsiteX38" fmla="*/ 3445628 w 12192000"/>
+              <a:gd name="connsiteY38" fmla="*/ 5209746 h 5322895"/>
+              <a:gd name="connsiteX39" fmla="*/ 3035446 w 12192000"/>
+              <a:gd name="connsiteY39" fmla="*/ 5178918 h 5322895"/>
+              <a:gd name="connsiteX40" fmla="*/ 2647370 w 12192000"/>
+              <a:gd name="connsiteY40" fmla="*/ 5144939 h 5322895"/>
+              <a:gd name="connsiteX41" fmla="*/ 2276487 w 12192000"/>
+              <a:gd name="connsiteY41" fmla="*/ 5109557 h 5322895"/>
+              <a:gd name="connsiteX42" fmla="*/ 1932621 w 12192000"/>
+              <a:gd name="connsiteY42" fmla="*/ 5071374 h 5322895"/>
+              <a:gd name="connsiteX43" fmla="*/ 1609634 w 12192000"/>
+              <a:gd name="connsiteY43" fmla="*/ 5033891 h 5322895"/>
+              <a:gd name="connsiteX44" fmla="*/ 1312435 w 12192000"/>
+              <a:gd name="connsiteY44" fmla="*/ 4996408 h 5322895"/>
+              <a:gd name="connsiteX45" fmla="*/ 1039799 w 12192000"/>
+              <a:gd name="connsiteY45" fmla="*/ 4961027 h 5322895"/>
+              <a:gd name="connsiteX46" fmla="*/ 797865 w 12192000"/>
+              <a:gd name="connsiteY46" fmla="*/ 4927397 h 5322895"/>
+              <a:gd name="connsiteX47" fmla="*/ 579265 w 12192000"/>
+              <a:gd name="connsiteY47" fmla="*/ 4895519 h 5322895"/>
+              <a:gd name="connsiteX48" fmla="*/ 395052 w 12192000"/>
+              <a:gd name="connsiteY48" fmla="*/ 4868896 h 5322895"/>
+              <a:gd name="connsiteX49" fmla="*/ 240312 w 12192000"/>
+              <a:gd name="connsiteY49" fmla="*/ 4843673 h 5322895"/>
+              <a:gd name="connsiteX50" fmla="*/ 27853 w 12192000"/>
+              <a:gd name="connsiteY50" fmla="*/ 4807592 h 5322895"/>
+              <a:gd name="connsiteX51" fmla="*/ 0 w 12192000"/>
+              <a:gd name="connsiteY51" fmla="*/ 4802879 h 5322895"/>
+              <a:gd name="connsiteX52" fmla="*/ 0 w 12192000"/>
+              <a:gd name="connsiteY52" fmla="*/ 3753332 h 5322895"/>
+              <a:gd name="connsiteX53" fmla="*/ 0 w 12192000"/>
+              <a:gd name="connsiteY53" fmla="*/ 3571886 h 5322895"/>
+              <a:gd name="connsiteX54" fmla="*/ 0 w 12192000"/>
+              <a:gd name="connsiteY54" fmla="*/ 471948 h 5322895"/>
+              <a:gd name="connsiteX55" fmla="*/ 0 w 12192000"/>
+              <a:gd name="connsiteY55" fmla="*/ 213719 h 5322895"/>
+            </a:gdLst>
+            <a:ahLst/>
+            <a:cxnLst>
+              <a:cxn ang="0">
+                <a:pos x="connsiteX0" y="connsiteY0"/>
+              </a:cxn>
+              <a:cxn ang="0">
+                <a:pos x="connsiteX1" y="connsiteY1"/>
+              </a:cxn>
+              <a:cxn ang="0">
+                <a:pos x="connsiteX2" y="connsiteY2"/>
+              </a:cxn>
+              <a:cxn ang="0">
+                <a:pos x="connsiteX3" y="connsiteY3"/>
+              </a:cxn>
+              <a:cxn ang="0">
+                <a:pos x="connsiteX4" y="connsiteY4"/>
+              </a:cxn>
+              <a:cxn ang="0">
+                <a:pos x="connsiteX5" y="connsiteY5"/>
+              </a:cxn>
+              <a:cxn ang="0">
+                <a:pos x="connsiteX6" y="connsiteY6"/>
+              </a:cxn>
+              <a:cxn ang="0">
+                <a:pos x="connsiteX7" y="connsiteY7"/>
+              </a:cxn>
+              <a:cxn ang="0">
+                <a:pos x="connsiteX8" y="connsiteY8"/>
+              </a:cxn>
+              <a:cxn ang="0">
+                <a:pos x="connsiteX9" y="connsiteY9"/>
+              </a:cxn>
+              <a:cxn ang="0">
+                <a:pos x="connsiteX10" y="connsiteY10"/>
+              </a:cxn>
+              <a:cxn ang="0">
+                <a:pos x="connsiteX11" y="connsiteY11"/>
+              </a:cxn>
+              <a:cxn ang="0">
+                <a:pos x="connsiteX12" y="connsiteY12"/>
+              </a:cxn>
+              <a:cxn ang="0">
+                <a:pos x="connsiteX13" y="connsiteY13"/>
+              </a:cxn>
+              <a:cxn ang="0">
+                <a:pos x="connsiteX14" y="connsiteY14"/>
+              </a:cxn>
+              <a:cxn ang="0">
+                <a:pos x="connsiteX15" y="connsiteY15"/>
+              </a:cxn>
+              <a:cxn ang="0">
+                <a:pos x="connsiteX16" y="connsiteY16"/>
+              </a:cxn>
+              <a:cxn ang="0">
+                <a:pos x="connsiteX17" y="connsiteY17"/>
+              </a:cxn>
+              <a:cxn ang="0">
+                <a:pos x="connsiteX18" y="connsiteY18"/>
+              </a:cxn>
+              <a:cxn ang="0">
+                <a:pos x="connsiteX19" y="connsiteY19"/>
+              </a:cxn>
+              <a:cxn ang="0">
+                <a:pos x="connsiteX20" y="connsiteY20"/>
+              </a:cxn>
+              <a:cxn ang="0">
+                <a:pos x="connsiteX21" y="connsiteY21"/>
+              </a:cxn>
+              <a:cxn ang="0">
+                <a:pos x="connsiteX22" y="connsiteY22"/>
+              </a:cxn>
+              <a:cxn ang="0">
+                <a:pos x="connsiteX23" y="connsiteY23"/>
+              </a:cxn>
+              <a:cxn ang="0">
+                <a:pos x="connsiteX24" y="connsiteY24"/>
+              </a:cxn>
+              <a:cxn ang="0">
+                <a:pos x="connsiteX25" y="connsiteY25"/>
+              </a:cxn>
+              <a:cxn ang="0">
+                <a:pos x="connsiteX26" y="connsiteY26"/>
+              </a:cxn>
+              <a:cxn ang="0">
+                <a:pos x="connsiteX27" y="connsiteY27"/>
+              </a:cxn>
+              <a:cxn ang="0">
+                <a:pos x="connsiteX28" y="connsiteY28"/>
+              </a:cxn>
+              <a:cxn ang="0">
+                <a:pos x="connsiteX29" y="connsiteY29"/>
+              </a:cxn>
+              <a:cxn ang="0">
+                <a:pos x="connsiteX30" y="connsiteY30"/>
+              </a:cxn>
+              <a:cxn ang="0">
+                <a:pos x="connsiteX31" y="connsiteY31"/>
+              </a:cxn>
+              <a:cxn ang="0">
+                <a:pos x="connsiteX32" y="connsiteY32"/>
+              </a:cxn>
+              <a:cxn ang="0">
+                <a:pos x="connsiteX33" y="connsiteY33"/>
+              </a:cxn>
+              <a:cxn ang="0">
+                <a:pos x="connsiteX34" y="connsiteY34"/>
+              </a:cxn>
+              <a:cxn ang="0">
+                <a:pos x="connsiteX35" y="connsiteY35"/>
+              </a:cxn>
+              <a:cxn ang="0">
+                <a:pos x="connsiteX36" y="connsiteY36"/>
+              </a:cxn>
+              <a:cxn ang="0">
+                <a:pos x="connsiteX37" y="connsiteY37"/>
+              </a:cxn>
+              <a:cxn ang="0">
+                <a:pos x="connsiteX38" y="connsiteY38"/>
+              </a:cxn>
+              <a:cxn ang="0">
+                <a:pos x="connsiteX39" y="connsiteY39"/>
+              </a:cxn>
+              <a:cxn ang="0">
+                <a:pos x="connsiteX40" y="connsiteY40"/>
+              </a:cxn>
+              <a:cxn ang="0">
+                <a:pos x="connsiteX41" y="connsiteY41"/>
+              </a:cxn>
+              <a:cxn ang="0">
+                <a:pos x="connsiteX42" y="connsiteY42"/>
+              </a:cxn>
+              <a:cxn ang="0">
+                <a:pos x="connsiteX43" y="connsiteY43"/>
+              </a:cxn>
+              <a:cxn ang="0">
+                <a:pos x="connsiteX44" y="connsiteY44"/>
+              </a:cxn>
+              <a:cxn ang="0">
+                <a:pos x="connsiteX45" y="connsiteY45"/>
+              </a:cxn>
+              <a:cxn ang="0">
+                <a:pos x="connsiteX46" y="connsiteY46"/>
+              </a:cxn>
+              <a:cxn ang="0">
+                <a:pos x="connsiteX47" y="connsiteY47"/>
+              </a:cxn>
+              <a:cxn ang="0">
+                <a:pos x="connsiteX48" y="connsiteY48"/>
+              </a:cxn>
+              <a:cxn ang="0">
+                <a:pos x="connsiteX49" y="connsiteY49"/>
+              </a:cxn>
+              <a:cxn ang="0">
+                <a:pos x="connsiteX50" y="connsiteY50"/>
+              </a:cxn>
+              <a:cxn ang="0">
+                <a:pos x="connsiteX51" y="connsiteY51"/>
+              </a:cxn>
+              <a:cxn ang="0">
+                <a:pos x="connsiteX52" y="connsiteY52"/>
+              </a:cxn>
+              <a:cxn ang="0">
+                <a:pos x="connsiteX53" y="connsiteY53"/>
+              </a:cxn>
+              <a:cxn ang="0">
+                <a:pos x="connsiteX54" y="connsiteY54"/>
+              </a:cxn>
+              <a:cxn ang="0">
+                <a:pos x="connsiteX55" y="connsiteY55"/>
+              </a:cxn>
+            </a:cxnLst>
+            <a:rect l="l" t="t" r="r" b="b"/>
+            <a:pathLst>
+              <a:path w="12192000" h="5322895">
+                <a:moveTo>
+                  <a:pt x="0" y="0"/>
+                </a:moveTo>
+                <a:lnTo>
+                  <a:pt x="12192000" y="0"/>
+                </a:lnTo>
+                <a:lnTo>
+                  <a:pt x="12192000" y="213719"/>
+                </a:lnTo>
+                <a:lnTo>
+                  <a:pt x="12192000" y="471948"/>
+                </a:lnTo>
+                <a:lnTo>
+                  <a:pt x="12192000" y="3571886"/>
+                </a:lnTo>
+                <a:lnTo>
+                  <a:pt x="12192000" y="3753332"/>
+                </a:lnTo>
+                <a:lnTo>
+                  <a:pt x="12192000" y="4806077"/>
+                </a:lnTo>
+                <a:lnTo>
+                  <a:pt x="11957522" y="4849979"/>
+                </a:lnTo>
+                <a:lnTo>
+                  <a:pt x="11679973" y="4899723"/>
+                </a:lnTo>
+                <a:lnTo>
+                  <a:pt x="11401197" y="4948416"/>
+                </a:lnTo>
+                <a:lnTo>
+                  <a:pt x="11121192" y="4990102"/>
+                </a:lnTo>
+                <a:lnTo>
+                  <a:pt x="10842416" y="5032139"/>
+                </a:lnTo>
+                <a:lnTo>
+                  <a:pt x="10562411" y="5071374"/>
+                </a:lnTo>
+                <a:lnTo>
+                  <a:pt x="10286091" y="5105003"/>
+                </a:lnTo>
+                <a:lnTo>
+                  <a:pt x="10006086" y="5136881"/>
+                </a:lnTo>
+                <a:lnTo>
+                  <a:pt x="9727310" y="5165957"/>
+                </a:lnTo>
+                <a:lnTo>
+                  <a:pt x="9453445" y="5191179"/>
+                </a:lnTo>
+                <a:lnTo>
+                  <a:pt x="9175897" y="5216401"/>
+                </a:lnTo>
+                <a:lnTo>
+                  <a:pt x="8902033" y="5237420"/>
+                </a:lnTo>
+                <a:lnTo>
+                  <a:pt x="8628169" y="5253884"/>
+                </a:lnTo>
+                <a:lnTo>
+                  <a:pt x="8355533" y="5271050"/>
+                </a:lnTo>
+                <a:lnTo>
+                  <a:pt x="8085353" y="5285412"/>
+                </a:lnTo>
+                <a:lnTo>
+                  <a:pt x="7817629" y="5295571"/>
+                </a:lnTo>
+                <a:lnTo>
+                  <a:pt x="7549905" y="5304329"/>
+                </a:lnTo>
+                <a:lnTo>
+                  <a:pt x="7284638" y="5312736"/>
+                </a:lnTo>
+                <a:lnTo>
+                  <a:pt x="7023055" y="5316590"/>
+                </a:lnTo>
+                <a:lnTo>
+                  <a:pt x="6761472" y="5320793"/>
+                </a:lnTo>
+                <a:lnTo>
+                  <a:pt x="6503573" y="5322895"/>
+                </a:lnTo>
+                <a:lnTo>
+                  <a:pt x="6248130" y="5320793"/>
+                </a:lnTo>
+                <a:lnTo>
+                  <a:pt x="5995144" y="5320793"/>
+                </a:lnTo>
+                <a:lnTo>
+                  <a:pt x="5744613" y="5316590"/>
+                </a:lnTo>
+                <a:lnTo>
+                  <a:pt x="5498995" y="5310284"/>
+                </a:lnTo>
+                <a:lnTo>
+                  <a:pt x="5255834" y="5304329"/>
+                </a:lnTo>
+                <a:lnTo>
+                  <a:pt x="5017584" y="5297673"/>
+                </a:lnTo>
+                <a:lnTo>
+                  <a:pt x="4780562" y="5287514"/>
+                </a:lnTo>
+                <a:lnTo>
+                  <a:pt x="4547227" y="5276654"/>
+                </a:lnTo>
+                <a:lnTo>
+                  <a:pt x="4318800" y="5266846"/>
+                </a:lnTo>
+                <a:lnTo>
+                  <a:pt x="3873004" y="5239171"/>
+                </a:lnTo>
+                <a:lnTo>
+                  <a:pt x="3445628" y="5209746"/>
+                </a:lnTo>
+                <a:lnTo>
+                  <a:pt x="3035446" y="5178918"/>
+                </a:lnTo>
+                <a:lnTo>
+                  <a:pt x="2647370" y="5144939"/>
+                </a:lnTo>
+                <a:lnTo>
+                  <a:pt x="2276487" y="5109557"/>
+                </a:lnTo>
+                <a:lnTo>
+                  <a:pt x="1932621" y="5071374"/>
+                </a:lnTo>
+                <a:lnTo>
+                  <a:pt x="1609634" y="5033891"/>
+                </a:lnTo>
+                <a:lnTo>
+                  <a:pt x="1312435" y="4996408"/>
+                </a:lnTo>
+                <a:lnTo>
+                  <a:pt x="1039799" y="4961027"/>
+                </a:lnTo>
+                <a:lnTo>
+                  <a:pt x="797865" y="4927397"/>
+                </a:lnTo>
+                <a:lnTo>
+                  <a:pt x="579265" y="4895519"/>
+                </a:lnTo>
+                <a:lnTo>
+                  <a:pt x="395052" y="4868896"/>
+                </a:lnTo>
+                <a:lnTo>
+                  <a:pt x="240312" y="4843673"/>
+                </a:lnTo>
+                <a:lnTo>
+                  <a:pt x="27853" y="4807592"/>
+                </a:lnTo>
+                <a:lnTo>
+                  <a:pt x="0" y="4802879"/>
+                </a:lnTo>
+                <a:lnTo>
+                  <a:pt x="0" y="3753332"/>
+                </a:lnTo>
+                <a:lnTo>
+                  <a:pt x="0" y="3571886"/>
+                </a:lnTo>
+                <a:lnTo>
+                  <a:pt x="0" y="471948"/>
+                </a:lnTo>
+                <a:lnTo>
+                  <a:pt x="0" y="213719"/>
+                </a:lnTo>
+                <a:close/>
+              </a:path>
+            </a:pathLst>
+          </a:custGeom>
+          <a:ln w="44450">
+            <a:gradFill>
+              <a:gsLst>
+                <a:gs pos="0">
+                  <a:schemeClr val="bg2">
+                    <a:alpha val="65000"/>
+                  </a:schemeClr>
+                </a:gs>
+                <a:gs pos="98000">
+                  <a:schemeClr val="bg2">
+                    <a:lumMod val="75000"/>
+                    <a:alpha val="55000"/>
+                  </a:schemeClr>
+                </a:gs>
+              </a:gsLst>
+              <a:lin ang="5400000" scaled="1"/>
+            </a:gradFill>
+          </a:ln>
+          <a:effectLst>
+            <a:outerShdw blurRad="50800" dist="38100" dir="5400000" algn="t" rotWithShape="0">
+              <a:prstClr val="black">
+                <a:alpha val="60000"/>
+              </a:prstClr>
+            </a:outerShdw>
+          </a:effectLst>
+        </p:spPr>
+        <p:style>
+          <a:lnRef idx="2">
+            <a:schemeClr val="accent1">
+              <a:shade val="50000"/>
+            </a:schemeClr>
+          </a:lnRef>
+          <a:fillRef idx="1003">
+            <a:schemeClr val="dk2"/>
+          </a:fillRef>
+          <a:effectRef idx="0">
+            <a:schemeClr val="accent1"/>
+          </a:effectRef>
+          <a:fontRef idx="minor">
+            <a:schemeClr val="lt1"/>
+          </a:fontRef>
+        </p:style>
+        <p:txBody>
+          <a:bodyPr wrap="square" rtlCol="0" anchor="ctr">
+            <a:noAutofit/>
+          </a:bodyPr>
+          <a:lstStyle/>
+          <a:p>
+            <a:pPr algn="ctr"/>
+            <a:endParaRPr lang="en-US"/>
+          </a:p>
+        </p:txBody>
+      </p:sp>
+      <p:sp>
+        <p:nvSpPr>
+          <p:cNvPr id="2" name="Title 1">
+            <a:extLst>
+              <a:ext uri="{FF2B5EF4-FFF2-40B4-BE49-F238E27FC236}">
+                <a16:creationId xmlns:a16="http://schemas.microsoft.com/office/drawing/2014/main" id="{E6E9D784-A58C-C4A8-527B-00F77DAF563B}"/>
+              </a:ext>
+            </a:extLst>
+          </p:cNvPr>
+          <p:cNvSpPr>
+            <a:spLocks noGrp="1"/>
+          </p:cNvSpPr>
+          <p:nvPr>
+            <p:ph type="title"/>
+          </p:nvPr>
+        </p:nvSpPr>
+        <p:spPr>
+          <a:xfrm>
+            <a:off x="1751012" y="865974"/>
+            <a:ext cx="8676222" cy="3643822"/>
+          </a:xfrm>
+        </p:spPr>
+        <p:txBody>
+          <a:bodyPr vert="horz" lIns="91440" tIns="45720" rIns="91440" bIns="45720" rtlCol="0" anchor="ctr">
+            <a:normAutofit/>
+          </a:bodyPr>
+          <a:lstStyle/>
+          <a:p>
+            <a:pPr algn="ctr"/>
+            <a:r>
+              <a:rPr lang="en-US" sz="6600" dirty="0" err="1">
+                <a:effectLst>
+                  <a:glow rad="38100">
+                    <a:schemeClr val="bg1">
+                      <a:lumMod val="65000"/>
+                      <a:lumOff val="35000"/>
+                      <a:alpha val="50000"/>
+                    </a:schemeClr>
+                  </a:glow>
+                  <a:outerShdw blurRad="28575" dist="31750" dir="13200000" algn="tl" rotWithShape="0">
+                    <a:srgbClr val="000000">
+                      <a:alpha val="25000"/>
+                    </a:srgbClr>
+                  </a:outerShdw>
+                </a:effectLst>
+              </a:rPr>
+              <a:t>Zelf</a:t>
+            </a:r>
+            <a:r>
+              <a:rPr lang="en-US" sz="6600" dirty="0">
+                <a:effectLst>
+                  <a:glow rad="38100">
+                    <a:schemeClr val="bg1">
+                      <a:lumMod val="65000"/>
+                      <a:lumOff val="35000"/>
+                      <a:alpha val="50000"/>
+                    </a:schemeClr>
+                  </a:glow>
+                  <a:outerShdw blurRad="28575" dist="31750" dir="13200000" algn="tl" rotWithShape="0">
+                    <a:srgbClr val="000000">
+                      <a:alpha val="25000"/>
+                    </a:srgbClr>
+                  </a:outerShdw>
+                </a:effectLst>
+              </a:rPr>
+              <a:t> de code </a:t>
+            </a:r>
+            <a:r>
+              <a:rPr lang="en-US" sz="6600" dirty="0" err="1">
+                <a:effectLst>
+                  <a:glow rad="38100">
+                    <a:schemeClr val="bg1">
+                      <a:lumMod val="65000"/>
+                      <a:lumOff val="35000"/>
+                      <a:alpha val="50000"/>
+                    </a:schemeClr>
+                  </a:glow>
+                  <a:outerShdw blurRad="28575" dist="31750" dir="13200000" algn="tl" rotWithShape="0">
+                    <a:srgbClr val="000000">
+                      <a:alpha val="25000"/>
+                    </a:srgbClr>
+                  </a:outerShdw>
+                </a:effectLst>
+              </a:rPr>
+              <a:t>en</a:t>
+            </a:r>
+            <a:r>
+              <a:rPr lang="en-US" sz="6600" dirty="0">
+                <a:effectLst>
+                  <a:glow rad="38100">
+                    <a:schemeClr val="bg1">
+                      <a:lumMod val="65000"/>
+                      <a:lumOff val="35000"/>
+                      <a:alpha val="50000"/>
+                    </a:schemeClr>
+                  </a:glow>
+                  <a:outerShdw blurRad="28575" dist="31750" dir="13200000" algn="tl" rotWithShape="0">
+                    <a:srgbClr val="000000">
+                      <a:alpha val="25000"/>
+                    </a:srgbClr>
+                  </a:outerShdw>
+                </a:effectLst>
+              </a:rPr>
+              <a:t> </a:t>
+            </a:r>
+            <a:r>
+              <a:rPr lang="en-US" sz="6600">
+                <a:effectLst>
+                  <a:glow rad="38100">
+                    <a:schemeClr val="bg1">
+                      <a:lumMod val="65000"/>
+                      <a:lumOff val="35000"/>
+                      <a:alpha val="50000"/>
+                    </a:schemeClr>
+                  </a:glow>
+                  <a:outerShdw blurRad="28575" dist="31750" dir="13200000" algn="tl" rotWithShape="0">
+                    <a:srgbClr val="000000">
+                      <a:alpha val="25000"/>
+                    </a:srgbClr>
+                  </a:outerShdw>
+                </a:effectLst>
+              </a:rPr>
+              <a:t>presenatie</a:t>
+            </a:r>
+            <a:r>
+              <a:rPr lang="en-US" sz="6600" dirty="0">
+                <a:effectLst>
+                  <a:glow rad="38100">
+                    <a:schemeClr val="bg1">
+                      <a:lumMod val="65000"/>
+                      <a:lumOff val="35000"/>
+                      <a:alpha val="50000"/>
+                    </a:schemeClr>
+                  </a:glow>
+                  <a:outerShdw blurRad="28575" dist="31750" dir="13200000" algn="tl" rotWithShape="0">
+                    <a:srgbClr val="000000">
+                      <a:alpha val="25000"/>
+                    </a:srgbClr>
+                  </a:outerShdw>
+                </a:effectLst>
+              </a:rPr>
+              <a:t> </a:t>
+            </a:r>
+            <a:r>
+              <a:rPr lang="en-US" sz="6600" dirty="0" err="1">
+                <a:effectLst>
+                  <a:glow rad="38100">
+                    <a:schemeClr val="bg1">
+                      <a:lumMod val="65000"/>
+                      <a:lumOff val="35000"/>
+                      <a:alpha val="50000"/>
+                    </a:schemeClr>
+                  </a:glow>
+                  <a:outerShdw blurRad="28575" dist="31750" dir="13200000" algn="tl" rotWithShape="0">
+                    <a:srgbClr val="000000">
+                      <a:alpha val="25000"/>
+                    </a:srgbClr>
+                  </a:outerShdw>
+                </a:effectLst>
+              </a:rPr>
+              <a:t>hebben</a:t>
+            </a:r>
+            <a:r>
+              <a:rPr lang="en-US" sz="6600" dirty="0">
+                <a:effectLst>
+                  <a:glow rad="38100">
+                    <a:schemeClr val="bg1">
+                      <a:lumMod val="65000"/>
+                      <a:lumOff val="35000"/>
+                      <a:alpha val="50000"/>
+                    </a:schemeClr>
+                  </a:glow>
+                  <a:outerShdw blurRad="28575" dist="31750" dir="13200000" algn="tl" rotWithShape="0">
+                    <a:srgbClr val="000000">
+                      <a:alpha val="25000"/>
+                    </a:srgbClr>
+                  </a:outerShdw>
+                </a:effectLst>
+              </a:rPr>
+              <a:t>?</a:t>
+            </a:r>
+          </a:p>
+        </p:txBody>
+      </p:sp>
+      <p:sp>
+        <p:nvSpPr>
+          <p:cNvPr id="3" name="Text Placeholder 2">
+            <a:extLst>
+              <a:ext uri="{FF2B5EF4-FFF2-40B4-BE49-F238E27FC236}">
+                <a16:creationId xmlns:a16="http://schemas.microsoft.com/office/drawing/2014/main" id="{2BA816BF-3BA2-E00A-40BE-A69167B859A7}"/>
+              </a:ext>
+            </a:extLst>
+          </p:cNvPr>
+          <p:cNvSpPr>
+            <a:spLocks noGrp="1"/>
+          </p:cNvSpPr>
+          <p:nvPr>
+            <p:ph type="body" idx="1"/>
+          </p:nvPr>
+        </p:nvSpPr>
+        <p:spPr>
+          <a:xfrm>
+            <a:off x="1751012" y="5542384"/>
+            <a:ext cx="8676222" cy="628260"/>
+          </a:xfrm>
+        </p:spPr>
+        <p:txBody>
+          <a:bodyPr vert="horz" lIns="91440" tIns="45720" rIns="91440" bIns="45720" rtlCol="0" anchor="t">
+            <a:normAutofit/>
+          </a:bodyPr>
+          <a:lstStyle/>
+          <a:p>
+            <a:pPr algn="ctr"/>
+            <a:r>
+              <a:rPr lang="en-US" sz="2800">
+                <a:solidFill>
+                  <a:srgbClr val="E6E6E6"/>
+                </a:solidFill>
+                <a:hlinkClick r:id="rId3"/>
+              </a:rPr>
+              <a:t>https://github.com/MstrShine/AsyncShowcase</a:t>
+            </a:r>
+            <a:r>
+              <a:rPr lang="en-US" sz="2800">
+                <a:solidFill>
+                  <a:srgbClr val="E6E6E6"/>
+                </a:solidFill>
+              </a:rPr>
+              <a:t> </a:t>
+            </a:r>
+          </a:p>
+        </p:txBody>
+      </p:sp>
+    </p:spTree>
+    <p:extLst>
+      <p:ext uri="{BB962C8B-B14F-4D97-AF65-F5344CB8AC3E}">
+        <p14:creationId xmlns:p14="http://schemas.microsoft.com/office/powerpoint/2010/main" val="2814329579"/>
+      </p:ext>
+    </p:extLst>
+  </p:cSld>
+  <p:clrMapOvr>
+    <a:masterClrMapping/>
+  </p:clrMapOvr>
+</p:sld>
+</file>
+
 <file path=ppt/slides/slide2.xml><?xml version="1.0" encoding="utf-8"?>
 <p:sld xmlns:a="http://schemas.openxmlformats.org/drawingml/2006/main" xmlns:r="http://schemas.openxmlformats.org/officeDocument/2006/relationships" xmlns:p="http://schemas.openxmlformats.org/presentationml/2006/main">
   <p:cSld>
@@ -9338,21 +10636,21 @@
         </p:nvSpPr>
         <p:spPr>
           <a:xfrm>
-            <a:off x="1141413" y="4667693"/>
-            <a:ext cx="9923766" cy="1063256"/>
+            <a:off x="1141413" y="609600"/>
+            <a:ext cx="9905998" cy="1468582"/>
           </a:xfrm>
         </p:spPr>
         <p:txBody>
-          <a:bodyPr anchor="t">
+          <a:bodyPr>
             <a:normAutofit/>
           </a:bodyPr>
           <a:lstStyle/>
           <a:p>
             <a:r>
-              <a:rPr lang="en-US" sz="3600"/>
+              <a:rPr lang="en-US" dirty="0" err="1"/>
               <a:t>Indeling</a:t>
             </a:r>
-            <a:endParaRPr lang="nl-NL" sz="3600"/>
+            <a:endParaRPr lang="nl-NL" dirty="0"/>
           </a:p>
         </p:txBody>
       </p:sp>
@@ -9372,14 +10670,14 @@
             <p:ph idx="1"/>
             <p:extLst>
               <p:ext uri="{D42A27DB-BD31-4B8C-83A1-F6EECF244321}">
-                <p14:modId xmlns:p14="http://schemas.microsoft.com/office/powerpoint/2010/main" val="972444239"/>
+                <p14:modId xmlns:p14="http://schemas.microsoft.com/office/powerpoint/2010/main" val="67637804"/>
               </p:ext>
             </p:extLst>
           </p:nvPr>
         </p:nvGraphicFramePr>
         <p:xfrm>
-          <a:off x="1134117" y="1007918"/>
-          <a:ext cx="9923767" cy="3190009"/>
+          <a:off x="1141413" y="2286000"/>
+          <a:ext cx="9906000" cy="3387436"/>
         </p:xfrm>
         <a:graphic>
           <a:graphicData uri="http://schemas.openxmlformats.org/drawingml/2006/diagram">
@@ -9403,6 +10701,29 @@
 <file path=ppt/slides/slide3.xml><?xml version="1.0" encoding="utf-8"?>
 <p:sld xmlns:a="http://schemas.openxmlformats.org/drawingml/2006/main" xmlns:r="http://schemas.openxmlformats.org/officeDocument/2006/relationships" xmlns:p="http://schemas.openxmlformats.org/presentationml/2006/main">
   <p:cSld>
+    <p:bg>
+      <p:bgPr>
+        <a:blipFill rotWithShape="1">
+          <a:blip r:embed="rId2">
+            <a:duotone>
+              <a:schemeClr val="bg2">
+                <a:shade val="28000"/>
+                <a:satMod val="94000"/>
+                <a:lumMod val="20000"/>
+              </a:schemeClr>
+              <a:schemeClr val="bg2">
+                <a:tint val="94000"/>
+                <a:shade val="84000"/>
+                <a:satMod val="148000"/>
+                <a:lumMod val="114000"/>
+              </a:schemeClr>
+            </a:duotone>
+          </a:blip>
+          <a:stretch/>
+        </a:blipFill>
+        <a:effectLst/>
+      </p:bgPr>
+    </p:bg>
     <p:spTree>
       <p:nvGrpSpPr>
         <p:cNvPr id="1" name=""/>
@@ -9433,9 +10754,16 @@
             <p:ph type="title"/>
           </p:nvPr>
         </p:nvSpPr>
-        <p:spPr/>
+        <p:spPr>
+          <a:xfrm>
+            <a:off x="4303643" y="609600"/>
+            <a:ext cx="6743767" cy="1905000"/>
+          </a:xfrm>
+        </p:spPr>
         <p:txBody>
-          <a:bodyPr/>
+          <a:bodyPr>
+            <a:normAutofit/>
+          </a:bodyPr>
           <a:lstStyle/>
           <a:p>
             <a:r>
@@ -9446,6 +10774,58 @@
           </a:p>
         </p:txBody>
       </p:sp>
+      <p:pic>
+        <p:nvPicPr>
+          <p:cNvPr id="5" name="Picture 4" descr="Complexe wiskundige formules op een schoolbord">
+            <a:extLst>
+              <a:ext uri="{FF2B5EF4-FFF2-40B4-BE49-F238E27FC236}">
+                <a16:creationId xmlns:a16="http://schemas.microsoft.com/office/drawing/2014/main" id="{DD57DF8F-6DA2-0C48-9AE6-25E2C5398AC7}"/>
+              </a:ext>
+            </a:extLst>
+          </p:cNvPr>
+          <p:cNvPicPr>
+            <a:picLocks noChangeAspect="1"/>
+          </p:cNvPicPr>
+          <p:nvPr/>
+        </p:nvPicPr>
+        <p:blipFill rotWithShape="1">
+          <a:blip r:embed="rId3"/>
+          <a:srcRect l="38443" r="24519" b="-1"/>
+          <a:stretch/>
+        </p:blipFill>
+        <p:spPr>
+          <a:xfrm>
+            <a:off x="257590" y="10"/>
+            <a:ext cx="3479523" cy="6857990"/>
+          </a:xfrm>
+          <a:prstGeom prst="rect">
+            <a:avLst/>
+          </a:prstGeom>
+          <a:ln w="38100">
+            <a:gradFill flip="none" rotWithShape="1">
+              <a:gsLst>
+                <a:gs pos="0">
+                  <a:schemeClr val="bg2"/>
+                </a:gs>
+                <a:gs pos="100000">
+                  <a:schemeClr val="bg2">
+                    <a:lumMod val="75000"/>
+                  </a:schemeClr>
+                </a:gs>
+              </a:gsLst>
+              <a:lin ang="5400000" scaled="0"/>
+              <a:tileRect/>
+            </a:gradFill>
+          </a:ln>
+          <a:effectLst>
+            <a:innerShdw blurRad="57150" dist="38100" dir="10800000">
+              <a:srgbClr val="000000">
+                <a:alpha val="70000"/>
+              </a:srgbClr>
+            </a:innerShdw>
+          </a:effectLst>
+        </p:spPr>
+      </p:pic>
       <p:sp>
         <p:nvSpPr>
           <p:cNvPr id="3" name="Tijdelijke aanduiding voor inhoud 2">
@@ -9462,9 +10842,16 @@
             <p:ph idx="1"/>
           </p:nvPr>
         </p:nvSpPr>
-        <p:spPr/>
+        <p:spPr>
+          <a:xfrm>
+            <a:off x="4303643" y="2666999"/>
+            <a:ext cx="7046844" cy="3415749"/>
+          </a:xfrm>
+        </p:spPr>
         <p:txBody>
-          <a:bodyPr anchor="t"/>
+          <a:bodyPr>
+            <a:normAutofit/>
+          </a:bodyPr>
           <a:lstStyle/>
           <a:p>
             <a:r>
@@ -9722,6 +11109,29 @@
 <file path=ppt/slides/slide5.xml><?xml version="1.0" encoding="utf-8"?>
 <p:sld xmlns:a="http://schemas.openxmlformats.org/drawingml/2006/main" xmlns:r="http://schemas.openxmlformats.org/officeDocument/2006/relationships" xmlns:p="http://schemas.openxmlformats.org/presentationml/2006/main">
   <p:cSld>
+    <p:bg>
+      <p:bgPr>
+        <a:blipFill rotWithShape="1">
+          <a:blip r:embed="rId2">
+            <a:duotone>
+              <a:schemeClr val="bg2">
+                <a:shade val="28000"/>
+                <a:satMod val="94000"/>
+                <a:lumMod val="20000"/>
+              </a:schemeClr>
+              <a:schemeClr val="bg2">
+                <a:tint val="94000"/>
+                <a:shade val="84000"/>
+                <a:satMod val="148000"/>
+                <a:lumMod val="114000"/>
+              </a:schemeClr>
+            </a:duotone>
+          </a:blip>
+          <a:stretch/>
+        </a:blipFill>
+        <a:effectLst/>
+      </p:bgPr>
+    </p:bg>
     <p:spTree>
       <p:nvGrpSpPr>
         <p:cNvPr id="1" name=""/>
@@ -9738,46 +11148,151 @@
       </p:grpSpPr>
       <p:sp>
         <p:nvSpPr>
-          <p:cNvPr id="2" name="Titel 1">
+          <p:cNvPr id="14" name="Rectangle 7">
             <a:extLst>
               <a:ext uri="{FF2B5EF4-FFF2-40B4-BE49-F238E27FC236}">
-                <a16:creationId xmlns:a16="http://schemas.microsoft.com/office/drawing/2014/main" id="{D981ED71-2E1D-14A7-695E-FFC50067656D}"/>
+                <a16:creationId xmlns:a16="http://schemas.microsoft.com/office/drawing/2014/main" id="{F00DA2F2-A105-4C8A-9115-73802E6FC34F}"/>
+              </a:ext>
+              <a:ext uri="{C183D7F6-B498-43B3-948B-1728B52AA6E4}">
+                <adec:decorative xmlns:adec="http://schemas.microsoft.com/office/drawing/2017/decorative" val="1"/>
               </a:ext>
             </a:extLst>
           </p:cNvPr>
           <p:cNvSpPr>
-            <a:spLocks noGrp="1"/>
+            <a:spLocks noGrp="1" noRot="1" noChangeAspect="1" noMove="1" noResize="1" noEditPoints="1" noAdjustHandles="1" noChangeArrowheads="1" noChangeShapeType="1" noTextEdit="1"/>
           </p:cNvSpPr>
           <p:nvPr>
-            <p:ph type="title"/>
+            <p:extLst>
+              <p:ext uri="{386F3935-93C4-4BCD-93E2-E3B085C9AB24}">
+                <p16:designElem xmlns:p16="http://schemas.microsoft.com/office/powerpoint/2015/main" val="1"/>
+              </p:ext>
+            </p:extLst>
           </p:nvPr>
         </p:nvSpPr>
-        <p:spPr/>
+        <p:spPr>
+          <a:xfrm>
+            <a:off x="0" y="0"/>
+            <a:ext cx="12192000" cy="6858000"/>
+          </a:xfrm>
+          <a:prstGeom prst="rect">
+            <a:avLst/>
+          </a:prstGeom>
+          <a:solidFill>
+            <a:schemeClr val="bg2"/>
+          </a:solidFill>
+          <a:ln>
+            <a:noFill/>
+          </a:ln>
+        </p:spPr>
+        <p:style>
+          <a:lnRef idx="2">
+            <a:schemeClr val="accent1">
+              <a:shade val="50000"/>
+            </a:schemeClr>
+          </a:lnRef>
+          <a:fillRef idx="1">
+            <a:schemeClr val="accent1"/>
+          </a:fillRef>
+          <a:effectRef idx="0">
+            <a:schemeClr val="accent1"/>
+          </a:effectRef>
+          <a:fontRef idx="minor">
+            <a:schemeClr val="lt1"/>
+          </a:fontRef>
+        </p:style>
         <p:txBody>
-          <a:bodyPr/>
+          <a:bodyPr rtlCol="0" anchor="ctr"/>
           <a:lstStyle/>
           <a:p>
-            <a:r>
-              <a:rPr lang="en-US" dirty="0" err="1"/>
-              <a:t>Waarom</a:t>
-            </a:r>
-            <a:r>
-              <a:rPr lang="en-US" dirty="0"/>
-              <a:t> </a:t>
-            </a:r>
-            <a:r>
-              <a:rPr lang="en-US" dirty="0" err="1"/>
-              <a:t>asynchroon</a:t>
-            </a:r>
-            <a:r>
-              <a:rPr lang="en-US" dirty="0"/>
-              <a:t> </a:t>
-            </a:r>
-            <a:r>
-              <a:rPr lang="en-US" dirty="0" err="1"/>
-              <a:t>programmeren</a:t>
-            </a:r>
-            <a:endParaRPr lang="nl-NL" dirty="0"/>
+            <a:pPr algn="ctr"/>
+            <a:endParaRPr lang="en-US"/>
+          </a:p>
+        </p:txBody>
+      </p:sp>
+      <p:sp>
+        <p:nvSpPr>
+          <p:cNvPr id="15" name="Rectangle 9">
+            <a:extLst>
+              <a:ext uri="{FF2B5EF4-FFF2-40B4-BE49-F238E27FC236}">
+                <a16:creationId xmlns:a16="http://schemas.microsoft.com/office/drawing/2014/main" id="{61B5CBDF-A2C6-4862-A096-2D7D9D287350}"/>
+              </a:ext>
+              <a:ext uri="{C183D7F6-B498-43B3-948B-1728B52AA6E4}">
+                <adec:decorative xmlns:adec="http://schemas.microsoft.com/office/drawing/2017/decorative" val="1"/>
+              </a:ext>
+            </a:extLst>
+          </p:cNvPr>
+          <p:cNvSpPr>
+            <a:spLocks noGrp="1" noRot="1" noChangeAspect="1" noMove="1" noResize="1" noEditPoints="1" noAdjustHandles="1" noChangeArrowheads="1" noChangeShapeType="1" noTextEdit="1"/>
+          </p:cNvSpPr>
+          <p:nvPr>
+            <p:extLst>
+              <p:ext uri="{386F3935-93C4-4BCD-93E2-E3B085C9AB24}">
+                <p16:designElem xmlns:p16="http://schemas.microsoft.com/office/powerpoint/2015/main" val="1"/>
+              </p:ext>
+            </p:extLst>
+          </p:nvPr>
+        </p:nvSpPr>
+        <p:spPr>
+          <a:xfrm>
+            <a:off x="0" y="0"/>
+            <a:ext cx="12191999" cy="6858000"/>
+          </a:xfrm>
+          <a:prstGeom prst="rect">
+            <a:avLst/>
+          </a:prstGeom>
+          <a:gradFill flip="none" rotWithShape="1">
+            <a:gsLst>
+              <a:gs pos="10000">
+                <a:schemeClr val="bg2">
+                  <a:lumMod val="60000"/>
+                  <a:lumOff val="40000"/>
+                  <a:alpha val="20000"/>
+                </a:schemeClr>
+              </a:gs>
+              <a:gs pos="70000">
+                <a:schemeClr val="bg2">
+                  <a:alpha val="10000"/>
+                </a:schemeClr>
+              </a:gs>
+              <a:gs pos="0">
+                <a:schemeClr val="bg2">
+                  <a:lumMod val="40000"/>
+                  <a:lumOff val="60000"/>
+                  <a:alpha val="30000"/>
+                </a:schemeClr>
+              </a:gs>
+            </a:gsLst>
+            <a:path path="circle">
+              <a:fillToRect l="50000" t="50000" r="50000" b="50000"/>
+            </a:path>
+            <a:tileRect/>
+          </a:gradFill>
+          <a:ln>
+            <a:noFill/>
+          </a:ln>
+        </p:spPr>
+        <p:style>
+          <a:lnRef idx="2">
+            <a:schemeClr val="accent1">
+              <a:shade val="50000"/>
+            </a:schemeClr>
+          </a:lnRef>
+          <a:fillRef idx="1">
+            <a:schemeClr val="accent1"/>
+          </a:fillRef>
+          <a:effectRef idx="0">
+            <a:schemeClr val="accent1"/>
+          </a:effectRef>
+          <a:fontRef idx="minor">
+            <a:schemeClr val="lt1"/>
+          </a:fontRef>
+        </p:style>
+        <p:txBody>
+          <a:bodyPr rtlCol="0" anchor="ctr"/>
+          <a:lstStyle/>
+          <a:p>
+            <a:pPr algn="ctr"/>
+            <a:endParaRPr lang="en-US"/>
           </a:p>
         </p:txBody>
       </p:sp>
@@ -9797,12 +11312,744 @@
             <p:ph idx="1"/>
           </p:nvPr>
         </p:nvSpPr>
-        <p:spPr/>
+        <p:spPr>
+          <a:xfrm>
+            <a:off x="643467" y="995517"/>
+            <a:ext cx="4353751" cy="4795684"/>
+          </a:xfrm>
+        </p:spPr>
         <p:txBody>
-          <a:bodyPr/>
+          <a:bodyPr>
+            <a:normAutofit/>
+          </a:bodyPr>
           <a:lstStyle/>
           <a:p>
-            <a:endParaRPr lang="nl-NL" dirty="0"/>
+            <a:r>
+              <a:rPr lang="en-US" sz="1800" dirty="0" err="1"/>
+              <a:t>Voordelen</a:t>
+            </a:r>
+            <a:r>
+              <a:rPr lang="en-US" sz="1800" dirty="0"/>
+              <a:t>:</a:t>
+            </a:r>
+          </a:p>
+          <a:p>
+            <a:pPr lvl="1"/>
+            <a:r>
+              <a:rPr lang="en-US" dirty="0"/>
+              <a:t>Responsiveness</a:t>
+            </a:r>
+          </a:p>
+          <a:p>
+            <a:pPr lvl="1"/>
+            <a:r>
+              <a:rPr lang="en-US" dirty="0" err="1"/>
+              <a:t>Vrij</a:t>
+            </a:r>
+            <a:r>
+              <a:rPr lang="en-US" dirty="0"/>
+              <a:t> </a:t>
+            </a:r>
+            <a:r>
+              <a:rPr lang="en-US" dirty="0" err="1"/>
+              <a:t>maken</a:t>
+            </a:r>
+            <a:r>
+              <a:rPr lang="en-US" dirty="0"/>
+              <a:t>/</a:t>
+            </a:r>
+            <a:r>
+              <a:rPr lang="en-US" dirty="0" err="1"/>
+              <a:t>houden</a:t>
+            </a:r>
+            <a:r>
+              <a:rPr lang="en-US" dirty="0"/>
+              <a:t> </a:t>
+            </a:r>
+            <a:r>
+              <a:rPr lang="en-US" dirty="0" err="1"/>
+              <a:t>processen</a:t>
+            </a:r>
+            <a:endParaRPr lang="en-US" dirty="0"/>
+          </a:p>
+          <a:p>
+            <a:r>
+              <a:rPr lang="en-US" sz="1800" dirty="0" err="1"/>
+              <a:t>Nadelen</a:t>
+            </a:r>
+            <a:r>
+              <a:rPr lang="en-US" sz="1800" dirty="0"/>
+              <a:t>:</a:t>
+            </a:r>
+          </a:p>
+          <a:p>
+            <a:pPr lvl="1"/>
+            <a:r>
+              <a:rPr lang="en-US" dirty="0" err="1"/>
+              <a:t>Vergeten</a:t>
+            </a:r>
+            <a:r>
+              <a:rPr lang="en-US" dirty="0"/>
+              <a:t> </a:t>
+            </a:r>
+            <a:r>
+              <a:rPr lang="en-US" dirty="0" err="1"/>
+              <a:t>te</a:t>
+            </a:r>
+            <a:r>
+              <a:rPr lang="en-US" dirty="0"/>
+              <a:t> </a:t>
+            </a:r>
+            <a:r>
+              <a:rPr lang="en-US" dirty="0" err="1"/>
+              <a:t>awaiten</a:t>
+            </a:r>
+            <a:r>
+              <a:rPr lang="en-US" dirty="0"/>
+              <a:t> (</a:t>
+            </a:r>
+            <a:r>
+              <a:rPr lang="en-US" dirty="0" err="1"/>
+              <a:t>UnobservedTaskException</a:t>
+            </a:r>
+            <a:r>
+              <a:rPr lang="en-US" dirty="0"/>
+              <a:t>)</a:t>
+            </a:r>
+          </a:p>
+          <a:p>
+            <a:pPr lvl="1"/>
+            <a:r>
+              <a:rPr lang="en-US" dirty="0" err="1"/>
+              <a:t>Concurency</a:t>
+            </a:r>
+            <a:r>
+              <a:rPr lang="en-US" dirty="0"/>
+              <a:t> (deadlocks)</a:t>
+            </a:r>
+          </a:p>
+          <a:p>
+            <a:pPr lvl="1"/>
+            <a:r>
+              <a:rPr lang="en-US" dirty="0"/>
+              <a:t>Overdoing it</a:t>
+            </a:r>
+          </a:p>
+          <a:p>
+            <a:pPr lvl="1"/>
+            <a:endParaRPr lang="en-US" dirty="0"/>
+          </a:p>
+          <a:p>
+            <a:endParaRPr lang="nl-NL" sz="1800" dirty="0"/>
+          </a:p>
+        </p:txBody>
+      </p:sp>
+      <p:sp useBgFill="1">
+        <p:nvSpPr>
+          <p:cNvPr id="16" name="Freeform: Shape 11">
+            <a:extLst>
+              <a:ext uri="{FF2B5EF4-FFF2-40B4-BE49-F238E27FC236}">
+                <a16:creationId xmlns:a16="http://schemas.microsoft.com/office/drawing/2014/main" id="{14C7473D-9E4B-4DB8-9EB0-359033F37AAB}"/>
+              </a:ext>
+              <a:ext uri="{C183D7F6-B498-43B3-948B-1728B52AA6E4}">
+                <adec:decorative xmlns:adec="http://schemas.microsoft.com/office/drawing/2017/decorative" val="1"/>
+              </a:ext>
+            </a:extLst>
+          </p:cNvPr>
+          <p:cNvSpPr>
+            <a:spLocks noGrp="1" noRot="1" noChangeAspect="1" noMove="1" noResize="1" noEditPoints="1" noAdjustHandles="1" noChangeArrowheads="1" noChangeShapeType="1" noTextEdit="1"/>
+          </p:cNvSpPr>
+          <p:nvPr>
+            <p:extLst>
+              <p:ext uri="{386F3935-93C4-4BCD-93E2-E3B085C9AB24}">
+                <p16:designElem xmlns:p16="http://schemas.microsoft.com/office/powerpoint/2015/main" val="1"/>
+              </p:ext>
+            </p:extLst>
+          </p:nvPr>
+        </p:nvSpPr>
+        <p:spPr>
+          <a:xfrm rot="10800000">
+            <a:off x="5318953" y="0"/>
+            <a:ext cx="6873046" cy="6858002"/>
+          </a:xfrm>
+          <a:custGeom>
+            <a:avLst/>
+            <a:gdLst>
+              <a:gd name="connsiteX0" fmla="*/ 6621081 w 6873046"/>
+              <a:gd name="connsiteY0" fmla="*/ 6858002 h 6858002"/>
+              <a:gd name="connsiteX1" fmla="*/ 4347889 w 6873046"/>
+              <a:gd name="connsiteY1" fmla="*/ 6858002 h 6858002"/>
+              <a:gd name="connsiteX2" fmla="*/ 2008047 w 6873046"/>
+              <a:gd name="connsiteY2" fmla="*/ 6858002 h 6858002"/>
+              <a:gd name="connsiteX3" fmla="*/ 784557 w 6873046"/>
+              <a:gd name="connsiteY3" fmla="*/ 6858002 h 6858002"/>
+              <a:gd name="connsiteX4" fmla="*/ 784557 w 6873046"/>
+              <a:gd name="connsiteY4" fmla="*/ 6858000 h 6858002"/>
+              <a:gd name="connsiteX5" fmla="*/ 0 w 6873046"/>
+              <a:gd name="connsiteY5" fmla="*/ 6858000 h 6858002"/>
+              <a:gd name="connsiteX6" fmla="*/ 0 w 6873046"/>
+              <a:gd name="connsiteY6" fmla="*/ 0 h 6858002"/>
+              <a:gd name="connsiteX7" fmla="*/ 784557 w 6873046"/>
+              <a:gd name="connsiteY7" fmla="*/ 0 h 6858002"/>
+              <a:gd name="connsiteX8" fmla="*/ 3070301 w 6873046"/>
+              <a:gd name="connsiteY8" fmla="*/ 0 h 6858002"/>
+              <a:gd name="connsiteX9" fmla="*/ 4347889 w 6873046"/>
+              <a:gd name="connsiteY9" fmla="*/ 0 h 6858002"/>
+              <a:gd name="connsiteX10" fmla="*/ 4347889 w 6873046"/>
+              <a:gd name="connsiteY10" fmla="*/ 3 h 6858002"/>
+              <a:gd name="connsiteX11" fmla="*/ 6626656 w 6873046"/>
+              <a:gd name="connsiteY11" fmla="*/ 3 h 6858002"/>
+              <a:gd name="connsiteX12" fmla="*/ 6626656 w 6873046"/>
+              <a:gd name="connsiteY12" fmla="*/ 4 h 6858002"/>
+              <a:gd name="connsiteX13" fmla="*/ 6619903 w 6873046"/>
+              <a:gd name="connsiteY13" fmla="*/ 4 h 6858002"/>
+              <a:gd name="connsiteX14" fmla="*/ 6625786 w 6873046"/>
+              <a:gd name="connsiteY14" fmla="*/ 40466 h 6858002"/>
+              <a:gd name="connsiteX15" fmla="*/ 6643100 w 6873046"/>
+              <a:gd name="connsiteY15" fmla="*/ 159110 h 6858002"/>
+              <a:gd name="connsiteX16" fmla="*/ 6655202 w 6873046"/>
+              <a:gd name="connsiteY16" fmla="*/ 245521 h 6858002"/>
+              <a:gd name="connsiteX17" fmla="*/ 6667977 w 6873046"/>
+              <a:gd name="connsiteY17" fmla="*/ 348391 h 6858002"/>
+              <a:gd name="connsiteX18" fmla="*/ 6683273 w 6873046"/>
+              <a:gd name="connsiteY18" fmla="*/ 470463 h 6858002"/>
+              <a:gd name="connsiteX19" fmla="*/ 6699410 w 6873046"/>
+              <a:gd name="connsiteY19" fmla="*/ 605566 h 6858002"/>
+              <a:gd name="connsiteX20" fmla="*/ 6716387 w 6873046"/>
+              <a:gd name="connsiteY20" fmla="*/ 757813 h 6858002"/>
+              <a:gd name="connsiteX21" fmla="*/ 6734372 w 6873046"/>
+              <a:gd name="connsiteY21" fmla="*/ 923777 h 6858002"/>
+              <a:gd name="connsiteX22" fmla="*/ 6752358 w 6873046"/>
+              <a:gd name="connsiteY22" fmla="*/ 1104142 h 6858002"/>
+              <a:gd name="connsiteX23" fmla="*/ 6770679 w 6873046"/>
+              <a:gd name="connsiteY23" fmla="*/ 1296166 h 6858002"/>
+              <a:gd name="connsiteX24" fmla="*/ 6787656 w 6873046"/>
+              <a:gd name="connsiteY24" fmla="*/ 1503278 h 6858002"/>
+              <a:gd name="connsiteX25" fmla="*/ 6803961 w 6873046"/>
+              <a:gd name="connsiteY25" fmla="*/ 1719991 h 6858002"/>
+              <a:gd name="connsiteX26" fmla="*/ 6818753 w 6873046"/>
+              <a:gd name="connsiteY26" fmla="*/ 1949048 h 6858002"/>
+              <a:gd name="connsiteX27" fmla="*/ 6832872 w 6873046"/>
+              <a:gd name="connsiteY27" fmla="*/ 2187706 h 6858002"/>
+              <a:gd name="connsiteX28" fmla="*/ 6846152 w 6873046"/>
+              <a:gd name="connsiteY28" fmla="*/ 2436652 h 6858002"/>
+              <a:gd name="connsiteX29" fmla="*/ 6850858 w 6873046"/>
+              <a:gd name="connsiteY29" fmla="*/ 2564211 h 6858002"/>
+              <a:gd name="connsiteX30" fmla="*/ 6856069 w 6873046"/>
+              <a:gd name="connsiteY30" fmla="*/ 2694512 h 6858002"/>
+              <a:gd name="connsiteX31" fmla="*/ 6860943 w 6873046"/>
+              <a:gd name="connsiteY31" fmla="*/ 2826871 h 6858002"/>
+              <a:gd name="connsiteX32" fmla="*/ 6864137 w 6873046"/>
+              <a:gd name="connsiteY32" fmla="*/ 2959917 h 6858002"/>
+              <a:gd name="connsiteX33" fmla="*/ 6866995 w 6873046"/>
+              <a:gd name="connsiteY33" fmla="*/ 3095705 h 6858002"/>
+              <a:gd name="connsiteX34" fmla="*/ 6870020 w 6873046"/>
+              <a:gd name="connsiteY34" fmla="*/ 3232865 h 6858002"/>
+              <a:gd name="connsiteX35" fmla="*/ 6872037 w 6873046"/>
+              <a:gd name="connsiteY35" fmla="*/ 3372768 h 6858002"/>
+              <a:gd name="connsiteX36" fmla="*/ 6872037 w 6873046"/>
+              <a:gd name="connsiteY36" fmla="*/ 3514043 h 6858002"/>
+              <a:gd name="connsiteX37" fmla="*/ 6873046 w 6873046"/>
+              <a:gd name="connsiteY37" fmla="*/ 3656689 h 6858002"/>
+              <a:gd name="connsiteX38" fmla="*/ 6872037 w 6873046"/>
+              <a:gd name="connsiteY38" fmla="*/ 3800707 h 6858002"/>
+              <a:gd name="connsiteX39" fmla="*/ 6870020 w 6873046"/>
+              <a:gd name="connsiteY39" fmla="*/ 3946783 h 6858002"/>
+              <a:gd name="connsiteX40" fmla="*/ 6868171 w 6873046"/>
+              <a:gd name="connsiteY40" fmla="*/ 4092858 h 6858002"/>
+              <a:gd name="connsiteX41" fmla="*/ 6864137 w 6873046"/>
+              <a:gd name="connsiteY41" fmla="*/ 4240991 h 6858002"/>
+              <a:gd name="connsiteX42" fmla="*/ 6859935 w 6873046"/>
+              <a:gd name="connsiteY42" fmla="*/ 4390495 h 6858002"/>
+              <a:gd name="connsiteX43" fmla="*/ 6855060 w 6873046"/>
+              <a:gd name="connsiteY43" fmla="*/ 4540000 h 6858002"/>
+              <a:gd name="connsiteX44" fmla="*/ 6848169 w 6873046"/>
+              <a:gd name="connsiteY44" fmla="*/ 4690876 h 6858002"/>
+              <a:gd name="connsiteX45" fmla="*/ 6839932 w 6873046"/>
+              <a:gd name="connsiteY45" fmla="*/ 4843123 h 6858002"/>
+              <a:gd name="connsiteX46" fmla="*/ 6832032 w 6873046"/>
+              <a:gd name="connsiteY46" fmla="*/ 4996057 h 6858002"/>
+              <a:gd name="connsiteX47" fmla="*/ 6821947 w 6873046"/>
+              <a:gd name="connsiteY47" fmla="*/ 5148990 h 6858002"/>
+              <a:gd name="connsiteX48" fmla="*/ 6809844 w 6873046"/>
+              <a:gd name="connsiteY48" fmla="*/ 5303981 h 6858002"/>
+              <a:gd name="connsiteX49" fmla="*/ 6797742 w 6873046"/>
+              <a:gd name="connsiteY49" fmla="*/ 5456914 h 6858002"/>
+              <a:gd name="connsiteX50" fmla="*/ 6783790 w 6873046"/>
+              <a:gd name="connsiteY50" fmla="*/ 5612591 h 6858002"/>
+              <a:gd name="connsiteX51" fmla="*/ 6768494 w 6873046"/>
+              <a:gd name="connsiteY51" fmla="*/ 5768953 h 6858002"/>
+              <a:gd name="connsiteX52" fmla="*/ 6752358 w 6873046"/>
+              <a:gd name="connsiteY52" fmla="*/ 5923258 h 6858002"/>
+              <a:gd name="connsiteX53" fmla="*/ 6733532 w 6873046"/>
+              <a:gd name="connsiteY53" fmla="*/ 6079621 h 6858002"/>
+              <a:gd name="connsiteX54" fmla="*/ 6713361 w 6873046"/>
+              <a:gd name="connsiteY54" fmla="*/ 6235297 h 6858002"/>
+              <a:gd name="connsiteX55" fmla="*/ 6693358 w 6873046"/>
+              <a:gd name="connsiteY55" fmla="*/ 6391660 h 6858002"/>
+              <a:gd name="connsiteX56" fmla="*/ 6669994 w 6873046"/>
+              <a:gd name="connsiteY56" fmla="*/ 6547336 h 6858002"/>
+              <a:gd name="connsiteX57" fmla="*/ 6646125 w 6873046"/>
+              <a:gd name="connsiteY57" fmla="*/ 6702327 h 6858002"/>
+            </a:gdLst>
+            <a:ahLst/>
+            <a:cxnLst>
+              <a:cxn ang="0">
+                <a:pos x="connsiteX0" y="connsiteY0"/>
+              </a:cxn>
+              <a:cxn ang="0">
+                <a:pos x="connsiteX1" y="connsiteY1"/>
+              </a:cxn>
+              <a:cxn ang="0">
+                <a:pos x="connsiteX2" y="connsiteY2"/>
+              </a:cxn>
+              <a:cxn ang="0">
+                <a:pos x="connsiteX3" y="connsiteY3"/>
+              </a:cxn>
+              <a:cxn ang="0">
+                <a:pos x="connsiteX4" y="connsiteY4"/>
+              </a:cxn>
+              <a:cxn ang="0">
+                <a:pos x="connsiteX5" y="connsiteY5"/>
+              </a:cxn>
+              <a:cxn ang="0">
+                <a:pos x="connsiteX6" y="connsiteY6"/>
+              </a:cxn>
+              <a:cxn ang="0">
+                <a:pos x="connsiteX7" y="connsiteY7"/>
+              </a:cxn>
+              <a:cxn ang="0">
+                <a:pos x="connsiteX8" y="connsiteY8"/>
+              </a:cxn>
+              <a:cxn ang="0">
+                <a:pos x="connsiteX9" y="connsiteY9"/>
+              </a:cxn>
+              <a:cxn ang="0">
+                <a:pos x="connsiteX10" y="connsiteY10"/>
+              </a:cxn>
+              <a:cxn ang="0">
+                <a:pos x="connsiteX11" y="connsiteY11"/>
+              </a:cxn>
+              <a:cxn ang="0">
+                <a:pos x="connsiteX12" y="connsiteY12"/>
+              </a:cxn>
+              <a:cxn ang="0">
+                <a:pos x="connsiteX13" y="connsiteY13"/>
+              </a:cxn>
+              <a:cxn ang="0">
+                <a:pos x="connsiteX14" y="connsiteY14"/>
+              </a:cxn>
+              <a:cxn ang="0">
+                <a:pos x="connsiteX15" y="connsiteY15"/>
+              </a:cxn>
+              <a:cxn ang="0">
+                <a:pos x="connsiteX16" y="connsiteY16"/>
+              </a:cxn>
+              <a:cxn ang="0">
+                <a:pos x="connsiteX17" y="connsiteY17"/>
+              </a:cxn>
+              <a:cxn ang="0">
+                <a:pos x="connsiteX18" y="connsiteY18"/>
+              </a:cxn>
+              <a:cxn ang="0">
+                <a:pos x="connsiteX19" y="connsiteY19"/>
+              </a:cxn>
+              <a:cxn ang="0">
+                <a:pos x="connsiteX20" y="connsiteY20"/>
+              </a:cxn>
+              <a:cxn ang="0">
+                <a:pos x="connsiteX21" y="connsiteY21"/>
+              </a:cxn>
+              <a:cxn ang="0">
+                <a:pos x="connsiteX22" y="connsiteY22"/>
+              </a:cxn>
+              <a:cxn ang="0">
+                <a:pos x="connsiteX23" y="connsiteY23"/>
+              </a:cxn>
+              <a:cxn ang="0">
+                <a:pos x="connsiteX24" y="connsiteY24"/>
+              </a:cxn>
+              <a:cxn ang="0">
+                <a:pos x="connsiteX25" y="connsiteY25"/>
+              </a:cxn>
+              <a:cxn ang="0">
+                <a:pos x="connsiteX26" y="connsiteY26"/>
+              </a:cxn>
+              <a:cxn ang="0">
+                <a:pos x="connsiteX27" y="connsiteY27"/>
+              </a:cxn>
+              <a:cxn ang="0">
+                <a:pos x="connsiteX28" y="connsiteY28"/>
+              </a:cxn>
+              <a:cxn ang="0">
+                <a:pos x="connsiteX29" y="connsiteY29"/>
+              </a:cxn>
+              <a:cxn ang="0">
+                <a:pos x="connsiteX30" y="connsiteY30"/>
+              </a:cxn>
+              <a:cxn ang="0">
+                <a:pos x="connsiteX31" y="connsiteY31"/>
+              </a:cxn>
+              <a:cxn ang="0">
+                <a:pos x="connsiteX32" y="connsiteY32"/>
+              </a:cxn>
+              <a:cxn ang="0">
+                <a:pos x="connsiteX33" y="connsiteY33"/>
+              </a:cxn>
+              <a:cxn ang="0">
+                <a:pos x="connsiteX34" y="connsiteY34"/>
+              </a:cxn>
+              <a:cxn ang="0">
+                <a:pos x="connsiteX35" y="connsiteY35"/>
+              </a:cxn>
+              <a:cxn ang="0">
+                <a:pos x="connsiteX36" y="connsiteY36"/>
+              </a:cxn>
+              <a:cxn ang="0">
+                <a:pos x="connsiteX37" y="connsiteY37"/>
+              </a:cxn>
+              <a:cxn ang="0">
+                <a:pos x="connsiteX38" y="connsiteY38"/>
+              </a:cxn>
+              <a:cxn ang="0">
+                <a:pos x="connsiteX39" y="connsiteY39"/>
+              </a:cxn>
+              <a:cxn ang="0">
+                <a:pos x="connsiteX40" y="connsiteY40"/>
+              </a:cxn>
+              <a:cxn ang="0">
+                <a:pos x="connsiteX41" y="connsiteY41"/>
+              </a:cxn>
+              <a:cxn ang="0">
+                <a:pos x="connsiteX42" y="connsiteY42"/>
+              </a:cxn>
+              <a:cxn ang="0">
+                <a:pos x="connsiteX43" y="connsiteY43"/>
+              </a:cxn>
+              <a:cxn ang="0">
+                <a:pos x="connsiteX44" y="connsiteY44"/>
+              </a:cxn>
+              <a:cxn ang="0">
+                <a:pos x="connsiteX45" y="connsiteY45"/>
+              </a:cxn>
+              <a:cxn ang="0">
+                <a:pos x="connsiteX46" y="connsiteY46"/>
+              </a:cxn>
+              <a:cxn ang="0">
+                <a:pos x="connsiteX47" y="connsiteY47"/>
+              </a:cxn>
+              <a:cxn ang="0">
+                <a:pos x="connsiteX48" y="connsiteY48"/>
+              </a:cxn>
+              <a:cxn ang="0">
+                <a:pos x="connsiteX49" y="connsiteY49"/>
+              </a:cxn>
+              <a:cxn ang="0">
+                <a:pos x="connsiteX50" y="connsiteY50"/>
+              </a:cxn>
+              <a:cxn ang="0">
+                <a:pos x="connsiteX51" y="connsiteY51"/>
+              </a:cxn>
+              <a:cxn ang="0">
+                <a:pos x="connsiteX52" y="connsiteY52"/>
+              </a:cxn>
+              <a:cxn ang="0">
+                <a:pos x="connsiteX53" y="connsiteY53"/>
+              </a:cxn>
+              <a:cxn ang="0">
+                <a:pos x="connsiteX54" y="connsiteY54"/>
+              </a:cxn>
+              <a:cxn ang="0">
+                <a:pos x="connsiteX55" y="connsiteY55"/>
+              </a:cxn>
+              <a:cxn ang="0">
+                <a:pos x="connsiteX56" y="connsiteY56"/>
+              </a:cxn>
+              <a:cxn ang="0">
+                <a:pos x="connsiteX57" y="connsiteY57"/>
+              </a:cxn>
+            </a:cxnLst>
+            <a:rect l="l" t="t" r="r" b="b"/>
+            <a:pathLst>
+              <a:path w="6873046" h="6858002">
+                <a:moveTo>
+                  <a:pt x="6621081" y="6858002"/>
+                </a:moveTo>
+                <a:lnTo>
+                  <a:pt x="4347889" y="6858002"/>
+                </a:lnTo>
+                <a:lnTo>
+                  <a:pt x="2008047" y="6858002"/>
+                </a:lnTo>
+                <a:lnTo>
+                  <a:pt x="784557" y="6858002"/>
+                </a:lnTo>
+                <a:lnTo>
+                  <a:pt x="784557" y="6858000"/>
+                </a:lnTo>
+                <a:lnTo>
+                  <a:pt x="0" y="6858000"/>
+                </a:lnTo>
+                <a:lnTo>
+                  <a:pt x="0" y="0"/>
+                </a:lnTo>
+                <a:lnTo>
+                  <a:pt x="784557" y="0"/>
+                </a:lnTo>
+                <a:lnTo>
+                  <a:pt x="3070301" y="0"/>
+                </a:lnTo>
+                <a:lnTo>
+                  <a:pt x="4347889" y="0"/>
+                </a:lnTo>
+                <a:lnTo>
+                  <a:pt x="4347889" y="3"/>
+                </a:lnTo>
+                <a:lnTo>
+                  <a:pt x="6626656" y="3"/>
+                </a:lnTo>
+                <a:lnTo>
+                  <a:pt x="6626656" y="4"/>
+                </a:lnTo>
+                <a:lnTo>
+                  <a:pt x="6619903" y="4"/>
+                </a:lnTo>
+                <a:lnTo>
+                  <a:pt x="6625786" y="40466"/>
+                </a:lnTo>
+                <a:lnTo>
+                  <a:pt x="6643100" y="159110"/>
+                </a:lnTo>
+                <a:lnTo>
+                  <a:pt x="6655202" y="245521"/>
+                </a:lnTo>
+                <a:lnTo>
+                  <a:pt x="6667977" y="348391"/>
+                </a:lnTo>
+                <a:lnTo>
+                  <a:pt x="6683273" y="470463"/>
+                </a:lnTo>
+                <a:lnTo>
+                  <a:pt x="6699410" y="605566"/>
+                </a:lnTo>
+                <a:lnTo>
+                  <a:pt x="6716387" y="757813"/>
+                </a:lnTo>
+                <a:lnTo>
+                  <a:pt x="6734372" y="923777"/>
+                </a:lnTo>
+                <a:lnTo>
+                  <a:pt x="6752358" y="1104142"/>
+                </a:lnTo>
+                <a:lnTo>
+                  <a:pt x="6770679" y="1296166"/>
+                </a:lnTo>
+                <a:lnTo>
+                  <a:pt x="6787656" y="1503278"/>
+                </a:lnTo>
+                <a:lnTo>
+                  <a:pt x="6803961" y="1719991"/>
+                </a:lnTo>
+                <a:lnTo>
+                  <a:pt x="6818753" y="1949048"/>
+                </a:lnTo>
+                <a:lnTo>
+                  <a:pt x="6832872" y="2187706"/>
+                </a:lnTo>
+                <a:lnTo>
+                  <a:pt x="6846152" y="2436652"/>
+                </a:lnTo>
+                <a:lnTo>
+                  <a:pt x="6850858" y="2564211"/>
+                </a:lnTo>
+                <a:lnTo>
+                  <a:pt x="6856069" y="2694512"/>
+                </a:lnTo>
+                <a:lnTo>
+                  <a:pt x="6860943" y="2826871"/>
+                </a:lnTo>
+                <a:lnTo>
+                  <a:pt x="6864137" y="2959917"/>
+                </a:lnTo>
+                <a:lnTo>
+                  <a:pt x="6866995" y="3095705"/>
+                </a:lnTo>
+                <a:lnTo>
+                  <a:pt x="6870020" y="3232865"/>
+                </a:lnTo>
+                <a:lnTo>
+                  <a:pt x="6872037" y="3372768"/>
+                </a:lnTo>
+                <a:lnTo>
+                  <a:pt x="6872037" y="3514043"/>
+                </a:lnTo>
+                <a:lnTo>
+                  <a:pt x="6873046" y="3656689"/>
+                </a:lnTo>
+                <a:lnTo>
+                  <a:pt x="6872037" y="3800707"/>
+                </a:lnTo>
+                <a:lnTo>
+                  <a:pt x="6870020" y="3946783"/>
+                </a:lnTo>
+                <a:lnTo>
+                  <a:pt x="6868171" y="4092858"/>
+                </a:lnTo>
+                <a:lnTo>
+                  <a:pt x="6864137" y="4240991"/>
+                </a:lnTo>
+                <a:lnTo>
+                  <a:pt x="6859935" y="4390495"/>
+                </a:lnTo>
+                <a:lnTo>
+                  <a:pt x="6855060" y="4540000"/>
+                </a:lnTo>
+                <a:lnTo>
+                  <a:pt x="6848169" y="4690876"/>
+                </a:lnTo>
+                <a:lnTo>
+                  <a:pt x="6839932" y="4843123"/>
+                </a:lnTo>
+                <a:lnTo>
+                  <a:pt x="6832032" y="4996057"/>
+                </a:lnTo>
+                <a:lnTo>
+                  <a:pt x="6821947" y="5148990"/>
+                </a:lnTo>
+                <a:lnTo>
+                  <a:pt x="6809844" y="5303981"/>
+                </a:lnTo>
+                <a:lnTo>
+                  <a:pt x="6797742" y="5456914"/>
+                </a:lnTo>
+                <a:lnTo>
+                  <a:pt x="6783790" y="5612591"/>
+                </a:lnTo>
+                <a:lnTo>
+                  <a:pt x="6768494" y="5768953"/>
+                </a:lnTo>
+                <a:lnTo>
+                  <a:pt x="6752358" y="5923258"/>
+                </a:lnTo>
+                <a:lnTo>
+                  <a:pt x="6733532" y="6079621"/>
+                </a:lnTo>
+                <a:lnTo>
+                  <a:pt x="6713361" y="6235297"/>
+                </a:lnTo>
+                <a:lnTo>
+                  <a:pt x="6693358" y="6391660"/>
+                </a:lnTo>
+                <a:lnTo>
+                  <a:pt x="6669994" y="6547336"/>
+                </a:lnTo>
+                <a:lnTo>
+                  <a:pt x="6646125" y="6702327"/>
+                </a:lnTo>
+                <a:close/>
+              </a:path>
+            </a:pathLst>
+          </a:custGeom>
+          <a:ln w="44450">
+            <a:gradFill>
+              <a:gsLst>
+                <a:gs pos="5000">
+                  <a:schemeClr val="bg2">
+                    <a:alpha val="65000"/>
+                  </a:schemeClr>
+                </a:gs>
+                <a:gs pos="98000">
+                  <a:schemeClr val="bg2">
+                    <a:lumMod val="75000"/>
+                    <a:alpha val="55000"/>
+                  </a:schemeClr>
+                </a:gs>
+              </a:gsLst>
+              <a:lin ang="5400000" scaled="1"/>
+            </a:gradFill>
+          </a:ln>
+          <a:effectLst>
+            <a:outerShdw blurRad="50800" dist="25400" dir="10800000" algn="r" rotWithShape="0">
+              <a:prstClr val="black">
+                <a:alpha val="60000"/>
+              </a:prstClr>
+            </a:outerShdw>
+          </a:effectLst>
+        </p:spPr>
+        <p:style>
+          <a:lnRef idx="2">
+            <a:schemeClr val="accent1">
+              <a:shade val="50000"/>
+            </a:schemeClr>
+          </a:lnRef>
+          <a:fillRef idx="1">
+            <a:schemeClr val="accent1"/>
+          </a:fillRef>
+          <a:effectRef idx="0">
+            <a:schemeClr val="accent1"/>
+          </a:effectRef>
+          <a:fontRef idx="minor">
+            <a:schemeClr val="lt1"/>
+          </a:fontRef>
+        </p:style>
+        <p:txBody>
+          <a:bodyPr rtlCol="0" anchor="ctr"/>
+          <a:lstStyle/>
+          <a:p>
+            <a:pPr algn="ctr"/>
+            <a:endParaRPr lang="en-US"/>
+          </a:p>
+        </p:txBody>
+      </p:sp>
+      <p:sp>
+        <p:nvSpPr>
+          <p:cNvPr id="2" name="Titel 1">
+            <a:extLst>
+              <a:ext uri="{FF2B5EF4-FFF2-40B4-BE49-F238E27FC236}">
+                <a16:creationId xmlns:a16="http://schemas.microsoft.com/office/drawing/2014/main" id="{D981ED71-2E1D-14A7-695E-FFC50067656D}"/>
+              </a:ext>
+            </a:extLst>
+          </p:cNvPr>
+          <p:cNvSpPr>
+            <a:spLocks noGrp="1"/>
+          </p:cNvSpPr>
+          <p:nvPr>
+            <p:ph type="title"/>
+          </p:nvPr>
+        </p:nvSpPr>
+        <p:spPr>
+          <a:xfrm>
+            <a:off x="6322741" y="995517"/>
+            <a:ext cx="5207146" cy="4795684"/>
+          </a:xfrm>
+        </p:spPr>
+        <p:txBody>
+          <a:bodyPr>
+            <a:normAutofit/>
+          </a:bodyPr>
+          <a:lstStyle/>
+          <a:p>
+            <a:r>
+              <a:rPr lang="en-US" sz="5400" dirty="0" err="1"/>
+              <a:t>Voor</a:t>
+            </a:r>
+            <a:r>
+              <a:rPr lang="en-US" sz="5400" dirty="0"/>
+              <a:t>- </a:t>
+            </a:r>
+            <a:r>
+              <a:rPr lang="en-US" sz="5400" dirty="0" err="1"/>
+              <a:t>en</a:t>
+            </a:r>
+            <a:r>
+              <a:rPr lang="en-US" sz="5400" dirty="0"/>
+              <a:t> </a:t>
+            </a:r>
+            <a:r>
+              <a:rPr lang="en-US" sz="5400" dirty="0" err="1"/>
+              <a:t>nadelen</a:t>
+            </a:r>
+            <a:endParaRPr lang="nl-NL" sz="5400" dirty="0"/>
           </a:p>
         </p:txBody>
       </p:sp>
@@ -9810,6 +12057,669 @@
     <p:extLst>
       <p:ext uri="{BB962C8B-B14F-4D97-AF65-F5344CB8AC3E}">
         <p14:creationId xmlns:p14="http://schemas.microsoft.com/office/powerpoint/2010/main" val="152458000"/>
+      </p:ext>
+    </p:extLst>
+  </p:cSld>
+  <p:clrMapOvr>
+    <a:masterClrMapping/>
+  </p:clrMapOvr>
+</p:sld>
+</file>
+
+<file path=ppt/slides/slide6.xml><?xml version="1.0" encoding="utf-8"?>
+<p:sld xmlns:a="http://schemas.openxmlformats.org/drawingml/2006/main" xmlns:r="http://schemas.openxmlformats.org/officeDocument/2006/relationships" xmlns:p="http://schemas.openxmlformats.org/presentationml/2006/main">
+  <p:cSld>
+    <p:bg>
+      <p:bgPr>
+        <a:blipFill rotWithShape="1">
+          <a:blip r:embed="rId2">
+            <a:duotone>
+              <a:schemeClr val="bg2">
+                <a:shade val="28000"/>
+                <a:satMod val="94000"/>
+                <a:lumMod val="20000"/>
+              </a:schemeClr>
+              <a:schemeClr val="bg2">
+                <a:tint val="94000"/>
+                <a:shade val="84000"/>
+                <a:satMod val="148000"/>
+                <a:lumMod val="114000"/>
+              </a:schemeClr>
+            </a:duotone>
+          </a:blip>
+          <a:stretch/>
+        </a:blipFill>
+        <a:effectLst/>
+      </p:bgPr>
+    </p:bg>
+    <p:spTree>
+      <p:nvGrpSpPr>
+        <p:cNvPr id="1" name=""/>
+        <p:cNvGrpSpPr/>
+        <p:nvPr/>
+      </p:nvGrpSpPr>
+      <p:grpSpPr>
+        <a:xfrm>
+          <a:off x="0" y="0"/>
+          <a:ext cx="0" cy="0"/>
+          <a:chOff x="0" y="0"/>
+          <a:chExt cx="0" cy="0"/>
+        </a:xfrm>
+      </p:grpSpPr>
+      <p:sp>
+        <p:nvSpPr>
+          <p:cNvPr id="2" name="Title 1">
+            <a:extLst>
+              <a:ext uri="{FF2B5EF4-FFF2-40B4-BE49-F238E27FC236}">
+                <a16:creationId xmlns:a16="http://schemas.microsoft.com/office/drawing/2014/main" id="{4C94F0A2-FC6B-A5D2-243F-CE91CD00320F}"/>
+              </a:ext>
+            </a:extLst>
+          </p:cNvPr>
+          <p:cNvSpPr>
+            <a:spLocks noGrp="1"/>
+          </p:cNvSpPr>
+          <p:nvPr>
+            <p:ph type="title"/>
+          </p:nvPr>
+        </p:nvSpPr>
+        <p:spPr>
+          <a:xfrm>
+            <a:off x="643192" y="609600"/>
+            <a:ext cx="3643674" cy="1905000"/>
+          </a:xfrm>
+        </p:spPr>
+        <p:txBody>
+          <a:bodyPr>
+            <a:normAutofit/>
+          </a:bodyPr>
+          <a:lstStyle/>
+          <a:p>
+            <a:r>
+              <a:rPr lang="en-US" sz="2800"/>
+              <a:t>Tasks</a:t>
+            </a:r>
+            <a:endParaRPr lang="nl-NL" sz="2800"/>
+          </a:p>
+        </p:txBody>
+      </p:sp>
+      <p:sp>
+        <p:nvSpPr>
+          <p:cNvPr id="3" name="Content Placeholder 2">
+            <a:extLst>
+              <a:ext uri="{FF2B5EF4-FFF2-40B4-BE49-F238E27FC236}">
+                <a16:creationId xmlns:a16="http://schemas.microsoft.com/office/drawing/2014/main" id="{AAB432C7-EF60-ECCC-7ACF-B5B0BA336F4A}"/>
+              </a:ext>
+            </a:extLst>
+          </p:cNvPr>
+          <p:cNvSpPr>
+            <a:spLocks noGrp="1"/>
+          </p:cNvSpPr>
+          <p:nvPr>
+            <p:ph idx="1"/>
+          </p:nvPr>
+        </p:nvSpPr>
+        <p:spPr>
+          <a:xfrm>
+            <a:off x="643192" y="2666999"/>
+            <a:ext cx="3643674" cy="3216276"/>
+          </a:xfrm>
+        </p:spPr>
+        <p:txBody>
+          <a:bodyPr anchor="t">
+            <a:normAutofit/>
+          </a:bodyPr>
+          <a:lstStyle/>
+          <a:p>
+            <a:r>
+              <a:rPr lang="en-US" sz="1800"/>
+              <a:t>.NET 4.0 (2010)</a:t>
+            </a:r>
+          </a:p>
+          <a:p>
+            <a:r>
+              <a:rPr lang="en-US" sz="1800"/>
+              <a:t>Task:</a:t>
+            </a:r>
+          </a:p>
+          <a:p>
+            <a:pPr lvl="1"/>
+            <a:r>
+              <a:rPr lang="en-US" dirty="0"/>
+              <a:t>Wrapper</a:t>
+            </a:r>
+          </a:p>
+          <a:p>
+            <a:pPr lvl="1"/>
+            <a:r>
+              <a:rPr lang="en-US"/>
+              <a:t>Gebruikt</a:t>
+            </a:r>
+            <a:r>
+              <a:rPr lang="en-US" dirty="0"/>
+              <a:t> </a:t>
+            </a:r>
+            <a:r>
+              <a:rPr lang="en-US"/>
+              <a:t>threadpool</a:t>
+            </a:r>
+            <a:endParaRPr lang="en-US" dirty="0"/>
+          </a:p>
+          <a:p>
+            <a:pPr lvl="1"/>
+            <a:endParaRPr lang="en-US" dirty="0"/>
+          </a:p>
+        </p:txBody>
+      </p:sp>
+      <p:pic>
+        <p:nvPicPr>
+          <p:cNvPr id="4" name="Picture 3" descr="Diagram&#10;&#10;Description automatically generated">
+            <a:extLst>
+              <a:ext uri="{FF2B5EF4-FFF2-40B4-BE49-F238E27FC236}">
+                <a16:creationId xmlns:a16="http://schemas.microsoft.com/office/drawing/2014/main" id="{01B8DEE5-B012-E211-8744-91763E5BDD50}"/>
+              </a:ext>
+            </a:extLst>
+          </p:cNvPr>
+          <p:cNvPicPr>
+            <a:picLocks noChangeAspect="1"/>
+          </p:cNvPicPr>
+          <p:nvPr/>
+        </p:nvPicPr>
+        <p:blipFill>
+          <a:blip r:embed="rId3"/>
+          <a:stretch>
+            <a:fillRect/>
+          </a:stretch>
+        </p:blipFill>
+        <p:spPr>
+          <a:xfrm>
+            <a:off x="4630994" y="1073627"/>
+            <a:ext cx="6916633" cy="4390705"/>
+          </a:xfrm>
+          <a:prstGeom prst="roundRect">
+            <a:avLst>
+              <a:gd name="adj" fmla="val 3517"/>
+            </a:avLst>
+          </a:prstGeom>
+          <a:ln w="38100">
+            <a:gradFill flip="none" rotWithShape="1">
+              <a:gsLst>
+                <a:gs pos="0">
+                  <a:srgbClr val="363D46"/>
+                </a:gs>
+                <a:gs pos="100000">
+                  <a:srgbClr val="363D46">
+                    <a:lumMod val="75000"/>
+                  </a:srgbClr>
+                </a:gs>
+              </a:gsLst>
+              <a:lin ang="5400000" scaled="0"/>
+              <a:tileRect/>
+            </a:gradFill>
+          </a:ln>
+          <a:effectLst>
+            <a:innerShdw blurRad="57150" dist="38100" dir="14460000">
+              <a:srgbClr val="000000">
+                <a:alpha val="70000"/>
+              </a:srgbClr>
+            </a:innerShdw>
+          </a:effectLst>
+        </p:spPr>
+      </p:pic>
+    </p:spTree>
+    <p:extLst>
+      <p:ext uri="{BB962C8B-B14F-4D97-AF65-F5344CB8AC3E}">
+        <p14:creationId xmlns:p14="http://schemas.microsoft.com/office/powerpoint/2010/main" val="349099236"/>
+      </p:ext>
+    </p:extLst>
+  </p:cSld>
+  <p:clrMapOvr>
+    <a:masterClrMapping/>
+  </p:clrMapOvr>
+</p:sld>
+</file>
+
+<file path=ppt/slides/slide7.xml><?xml version="1.0" encoding="utf-8"?>
+<p:sld xmlns:a="http://schemas.openxmlformats.org/drawingml/2006/main" xmlns:r="http://schemas.openxmlformats.org/officeDocument/2006/relationships" xmlns:p="http://schemas.openxmlformats.org/presentationml/2006/main">
+  <p:cSld>
+    <p:bg>
+      <p:bgPr>
+        <a:blipFill rotWithShape="1">
+          <a:blip r:embed="rId2">
+            <a:duotone>
+              <a:schemeClr val="bg2">
+                <a:shade val="28000"/>
+                <a:satMod val="94000"/>
+                <a:lumMod val="20000"/>
+              </a:schemeClr>
+              <a:schemeClr val="bg2">
+                <a:tint val="94000"/>
+                <a:shade val="84000"/>
+                <a:satMod val="148000"/>
+                <a:lumMod val="114000"/>
+              </a:schemeClr>
+            </a:duotone>
+          </a:blip>
+          <a:stretch/>
+        </a:blipFill>
+        <a:effectLst/>
+      </p:bgPr>
+    </p:bg>
+    <p:spTree>
+      <p:nvGrpSpPr>
+        <p:cNvPr id="1" name=""/>
+        <p:cNvGrpSpPr/>
+        <p:nvPr/>
+      </p:nvGrpSpPr>
+      <p:grpSpPr>
+        <a:xfrm>
+          <a:off x="0" y="0"/>
+          <a:ext cx="0" cy="0"/>
+          <a:chOff x="0" y="0"/>
+          <a:chExt cx="0" cy="0"/>
+        </a:xfrm>
+      </p:grpSpPr>
+      <p:pic>
+        <p:nvPicPr>
+          <p:cNvPr id="8" name="Picture 5">
+            <a:extLst>
+              <a:ext uri="{FF2B5EF4-FFF2-40B4-BE49-F238E27FC236}">
+                <a16:creationId xmlns:a16="http://schemas.microsoft.com/office/drawing/2014/main" id="{7E0C78D2-2218-6D23-861F-171ECD631CB4}"/>
+              </a:ext>
+            </a:extLst>
+          </p:cNvPr>
+          <p:cNvPicPr>
+            <a:picLocks noChangeAspect="1"/>
+          </p:cNvPicPr>
+          <p:nvPr/>
+        </p:nvPicPr>
+        <p:blipFill rotWithShape="1">
+          <a:blip r:embed="rId3">
+            <a:duotone>
+              <a:prstClr val="black"/>
+              <a:schemeClr val="bg1">
+                <a:tint val="45000"/>
+                <a:satMod val="400000"/>
+              </a:schemeClr>
+            </a:duotone>
+            <a:alphaModFix amt="25000"/>
+          </a:blip>
+          <a:srcRect t="10000"/>
+          <a:stretch/>
+        </p:blipFill>
+        <p:spPr>
+          <a:xfrm>
+            <a:off x="20" y="10"/>
+            <a:ext cx="12191980" cy="6857990"/>
+          </a:xfrm>
+          <a:prstGeom prst="rect">
+            <a:avLst/>
+          </a:prstGeom>
+        </p:spPr>
+      </p:pic>
+      <p:sp>
+        <p:nvSpPr>
+          <p:cNvPr id="4" name="Title 3">
+            <a:extLst>
+              <a:ext uri="{FF2B5EF4-FFF2-40B4-BE49-F238E27FC236}">
+                <a16:creationId xmlns:a16="http://schemas.microsoft.com/office/drawing/2014/main" id="{C3865D05-E446-7ED0-B58A-0B234C0289CD}"/>
+              </a:ext>
+            </a:extLst>
+          </p:cNvPr>
+          <p:cNvSpPr>
+            <a:spLocks noGrp="1"/>
+          </p:cNvSpPr>
+          <p:nvPr>
+            <p:ph type="title"/>
+          </p:nvPr>
+        </p:nvSpPr>
+        <p:spPr>
+          <a:xfrm>
+            <a:off x="1751012" y="609601"/>
+            <a:ext cx="8676222" cy="3200400"/>
+          </a:xfrm>
+        </p:spPr>
+        <p:txBody>
+          <a:bodyPr vert="horz" lIns="91440" tIns="45720" rIns="91440" bIns="45720" rtlCol="0" anchor="b">
+            <a:normAutofit/>
+          </a:bodyPr>
+          <a:lstStyle/>
+          <a:p>
+            <a:pPr algn="ctr"/>
+            <a:r>
+              <a:rPr lang="en-US" sz="4800" dirty="0">
+                <a:effectLst>
+                  <a:glow rad="38100">
+                    <a:schemeClr val="bg1">
+                      <a:lumMod val="65000"/>
+                      <a:lumOff val="35000"/>
+                      <a:alpha val="50000"/>
+                    </a:schemeClr>
+                  </a:glow>
+                  <a:outerShdw blurRad="28575" dist="31750" dir="13200000" algn="tl" rotWithShape="0">
+                    <a:srgbClr val="000000">
+                      <a:alpha val="25000"/>
+                    </a:srgbClr>
+                  </a:outerShdw>
+                </a:effectLst>
+              </a:rPr>
+              <a:t>Demo</a:t>
+            </a:r>
+          </a:p>
+        </p:txBody>
+      </p:sp>
+    </p:spTree>
+    <p:extLst>
+      <p:ext uri="{BB962C8B-B14F-4D97-AF65-F5344CB8AC3E}">
+        <p14:creationId xmlns:p14="http://schemas.microsoft.com/office/powerpoint/2010/main" val="2257455775"/>
+      </p:ext>
+    </p:extLst>
+  </p:cSld>
+  <p:clrMapOvr>
+    <a:masterClrMapping/>
+  </p:clrMapOvr>
+</p:sld>
+</file>
+
+<file path=ppt/slides/slide8.xml><?xml version="1.0" encoding="utf-8"?>
+<p:sld xmlns:a="http://schemas.openxmlformats.org/drawingml/2006/main" xmlns:r="http://schemas.openxmlformats.org/officeDocument/2006/relationships" xmlns:p="http://schemas.openxmlformats.org/presentationml/2006/main">
+  <p:cSld>
+    <p:spTree>
+      <p:nvGrpSpPr>
+        <p:cNvPr id="1" name=""/>
+        <p:cNvGrpSpPr/>
+        <p:nvPr/>
+      </p:nvGrpSpPr>
+      <p:grpSpPr>
+        <a:xfrm>
+          <a:off x="0" y="0"/>
+          <a:ext cx="0" cy="0"/>
+          <a:chOff x="0" y="0"/>
+          <a:chExt cx="0" cy="0"/>
+        </a:xfrm>
+      </p:grpSpPr>
+      <p:sp>
+        <p:nvSpPr>
+          <p:cNvPr id="2" name="Title 1">
+            <a:extLst>
+              <a:ext uri="{FF2B5EF4-FFF2-40B4-BE49-F238E27FC236}">
+                <a16:creationId xmlns:a16="http://schemas.microsoft.com/office/drawing/2014/main" id="{70B14E70-3CA1-F689-A4FF-26705AAE95D7}"/>
+              </a:ext>
+            </a:extLst>
+          </p:cNvPr>
+          <p:cNvSpPr>
+            <a:spLocks noGrp="1"/>
+          </p:cNvSpPr>
+          <p:nvPr>
+            <p:ph type="title"/>
+          </p:nvPr>
+        </p:nvSpPr>
+        <p:spPr>
+          <a:xfrm>
+            <a:off x="1141412" y="609601"/>
+            <a:ext cx="9905999" cy="1214845"/>
+          </a:xfrm>
+        </p:spPr>
+        <p:txBody>
+          <a:bodyPr/>
+          <a:lstStyle/>
+          <a:p>
+            <a:r>
+              <a:rPr lang="en-US" dirty="0" err="1"/>
+              <a:t>Bronnen</a:t>
+            </a:r>
+            <a:r>
+              <a:rPr lang="en-US" dirty="0"/>
+              <a:t> of </a:t>
+            </a:r>
+            <a:r>
+              <a:rPr lang="en-US" dirty="0" err="1"/>
+              <a:t>zelf</a:t>
+            </a:r>
+            <a:r>
+              <a:rPr lang="en-US" dirty="0"/>
+              <a:t> </a:t>
+            </a:r>
+            <a:r>
+              <a:rPr lang="en-US" dirty="0" err="1"/>
+              <a:t>verder</a:t>
+            </a:r>
+            <a:r>
+              <a:rPr lang="en-US" dirty="0"/>
+              <a:t> </a:t>
+            </a:r>
+            <a:r>
+              <a:rPr lang="en-US" dirty="0" err="1"/>
+              <a:t>lezen</a:t>
+            </a:r>
+            <a:r>
+              <a:rPr lang="en-US" dirty="0"/>
+              <a:t>?</a:t>
+            </a:r>
+            <a:endParaRPr lang="nl-NL" dirty="0"/>
+          </a:p>
+        </p:txBody>
+      </p:sp>
+      <p:sp>
+        <p:nvSpPr>
+          <p:cNvPr id="5" name="Text Placeholder 4">
+            <a:extLst>
+              <a:ext uri="{FF2B5EF4-FFF2-40B4-BE49-F238E27FC236}">
+                <a16:creationId xmlns:a16="http://schemas.microsoft.com/office/drawing/2014/main" id="{CF2F4D96-D500-F278-DC2E-37A77FB3F42A}"/>
+              </a:ext>
+            </a:extLst>
+          </p:cNvPr>
+          <p:cNvSpPr>
+            <a:spLocks noGrp="1"/>
+          </p:cNvSpPr>
+          <p:nvPr>
+            <p:ph type="body" idx="1"/>
+          </p:nvPr>
+        </p:nvSpPr>
+        <p:spPr>
+          <a:xfrm>
+            <a:off x="1141411" y="2181497"/>
+            <a:ext cx="9906000" cy="3609703"/>
+          </a:xfrm>
+        </p:spPr>
+        <p:txBody>
+          <a:bodyPr anchor="t"/>
+          <a:lstStyle/>
+          <a:p>
+            <a:pPr marL="342900" indent="-342900">
+              <a:buFont typeface="Arial" panose="020B0604020202020204" pitchFamily="34" charset="0"/>
+              <a:buChar char="•"/>
+            </a:pPr>
+            <a:r>
+              <a:rPr lang="nl-NL" dirty="0">
+                <a:hlinkClick r:id="rId2"/>
+              </a:rPr>
+              <a:t>https://dotnettutorials.net/lesson/task-in-csharp/</a:t>
+            </a:r>
+            <a:r>
+              <a:rPr lang="nl-NL" dirty="0"/>
+              <a:t> </a:t>
+            </a:r>
+          </a:p>
+          <a:p>
+            <a:pPr marL="342900" indent="-342900">
+              <a:buFont typeface="Arial" panose="020B0604020202020204" pitchFamily="34" charset="0"/>
+              <a:buChar char="•"/>
+            </a:pPr>
+            <a:r>
+              <a:rPr lang="nl-NL" dirty="0">
+                <a:hlinkClick r:id="rId3"/>
+              </a:rPr>
+              <a:t>https://learn.microsoft.com/en-us/dotnet/api/system.threading.tasks.task?view=net-7.0</a:t>
+            </a:r>
+            <a:r>
+              <a:rPr lang="nl-NL" dirty="0"/>
+              <a:t> </a:t>
+            </a:r>
+          </a:p>
+          <a:p>
+            <a:pPr marL="342900" indent="-342900">
+              <a:buFont typeface="Arial" panose="020B0604020202020204" pitchFamily="34" charset="0"/>
+              <a:buChar char="•"/>
+            </a:pPr>
+            <a:r>
+              <a:rPr lang="nl-NL" dirty="0">
+                <a:hlinkClick r:id="rId4"/>
+              </a:rPr>
+              <a:t>https://markheath.net/post/async-antipatterns</a:t>
+            </a:r>
+            <a:r>
+              <a:rPr lang="nl-NL" dirty="0"/>
+              <a:t> </a:t>
+            </a:r>
+          </a:p>
+          <a:p>
+            <a:pPr marL="342900" indent="-342900">
+              <a:buFont typeface="Arial" panose="020B0604020202020204" pitchFamily="34" charset="0"/>
+              <a:buChar char="•"/>
+            </a:pPr>
+            <a:endParaRPr lang="nl-NL" dirty="0"/>
+          </a:p>
+        </p:txBody>
+      </p:sp>
+    </p:spTree>
+    <p:extLst>
+      <p:ext uri="{BB962C8B-B14F-4D97-AF65-F5344CB8AC3E}">
+        <p14:creationId xmlns:p14="http://schemas.microsoft.com/office/powerpoint/2010/main" val="2368369022"/>
+      </p:ext>
+    </p:extLst>
+  </p:cSld>
+  <p:clrMapOvr>
+    <a:masterClrMapping/>
+  </p:clrMapOvr>
+</p:sld>
+</file>
+
+<file path=ppt/slides/slide9.xml><?xml version="1.0" encoding="utf-8"?>
+<p:sld xmlns:a="http://schemas.openxmlformats.org/drawingml/2006/main" xmlns:r="http://schemas.openxmlformats.org/officeDocument/2006/relationships" xmlns:p="http://schemas.openxmlformats.org/presentationml/2006/main">
+  <p:cSld>
+    <p:bg>
+      <p:bgPr>
+        <a:blipFill rotWithShape="1">
+          <a:blip r:embed="rId2">
+            <a:duotone>
+              <a:schemeClr val="bg2">
+                <a:shade val="28000"/>
+                <a:satMod val="94000"/>
+                <a:lumMod val="20000"/>
+              </a:schemeClr>
+              <a:schemeClr val="bg2">
+                <a:tint val="94000"/>
+                <a:shade val="84000"/>
+                <a:satMod val="148000"/>
+                <a:lumMod val="114000"/>
+              </a:schemeClr>
+            </a:duotone>
+          </a:blip>
+          <a:stretch/>
+        </a:blipFill>
+        <a:effectLst/>
+      </p:bgPr>
+    </p:bg>
+    <p:spTree>
+      <p:nvGrpSpPr>
+        <p:cNvPr id="1" name=""/>
+        <p:cNvGrpSpPr/>
+        <p:nvPr/>
+      </p:nvGrpSpPr>
+      <p:grpSpPr>
+        <a:xfrm>
+          <a:off x="0" y="0"/>
+          <a:ext cx="0" cy="0"/>
+          <a:chOff x="0" y="0"/>
+          <a:chExt cx="0" cy="0"/>
+        </a:xfrm>
+      </p:grpSpPr>
+      <p:pic>
+        <p:nvPicPr>
+          <p:cNvPr id="4" name="Picture 3" descr="Geel vraagteken">
+            <a:extLst>
+              <a:ext uri="{FF2B5EF4-FFF2-40B4-BE49-F238E27FC236}">
+                <a16:creationId xmlns:a16="http://schemas.microsoft.com/office/drawing/2014/main" id="{EBEF7612-78D8-E848-B765-2516D7D430C1}"/>
+              </a:ext>
+            </a:extLst>
+          </p:cNvPr>
+          <p:cNvPicPr>
+            <a:picLocks noChangeAspect="1"/>
+          </p:cNvPicPr>
+          <p:nvPr/>
+        </p:nvPicPr>
+        <p:blipFill rotWithShape="1">
+          <a:blip r:embed="rId3">
+            <a:alphaModFix amt="15000"/>
+          </a:blip>
+          <a:srcRect b="6250"/>
+          <a:stretch/>
+        </p:blipFill>
+        <p:spPr>
+          <a:xfrm>
+            <a:off x="20" y="10"/>
+            <a:ext cx="12191980" cy="6857990"/>
+          </a:xfrm>
+          <a:prstGeom prst="rect">
+            <a:avLst/>
+          </a:prstGeom>
+        </p:spPr>
+      </p:pic>
+      <p:sp>
+        <p:nvSpPr>
+          <p:cNvPr id="2" name="Title 1">
+            <a:extLst>
+              <a:ext uri="{FF2B5EF4-FFF2-40B4-BE49-F238E27FC236}">
+                <a16:creationId xmlns:a16="http://schemas.microsoft.com/office/drawing/2014/main" id="{74A3A553-C190-1C3F-CD88-43BA282030A5}"/>
+              </a:ext>
+            </a:extLst>
+          </p:cNvPr>
+          <p:cNvSpPr>
+            <a:spLocks noGrp="1"/>
+          </p:cNvSpPr>
+          <p:nvPr>
+            <p:ph type="title"/>
+          </p:nvPr>
+        </p:nvSpPr>
+        <p:spPr>
+          <a:xfrm>
+            <a:off x="1751012" y="609601"/>
+            <a:ext cx="8676222" cy="3200400"/>
+          </a:xfrm>
+        </p:spPr>
+        <p:txBody>
+          <a:bodyPr vert="horz" lIns="91440" tIns="45720" rIns="91440" bIns="45720" rtlCol="0" anchor="b">
+            <a:normAutofit/>
+          </a:bodyPr>
+          <a:lstStyle/>
+          <a:p>
+            <a:pPr algn="ctr"/>
+            <a:r>
+              <a:rPr lang="en-US" sz="4800">
+                <a:effectLst>
+                  <a:glow rad="38100">
+                    <a:schemeClr val="bg1">
+                      <a:lumMod val="65000"/>
+                      <a:lumOff val="35000"/>
+                      <a:alpha val="50000"/>
+                    </a:schemeClr>
+                  </a:glow>
+                  <a:outerShdw blurRad="28575" dist="31750" dir="13200000" algn="tl" rotWithShape="0">
+                    <a:srgbClr val="000000">
+                      <a:alpha val="25000"/>
+                    </a:srgbClr>
+                  </a:outerShdw>
+                </a:effectLst>
+              </a:rPr>
+              <a:t>Vragen?</a:t>
+            </a:r>
+          </a:p>
+        </p:txBody>
+      </p:sp>
+    </p:spTree>
+    <p:extLst>
+      <p:ext uri="{BB962C8B-B14F-4D97-AF65-F5344CB8AC3E}">
+        <p14:creationId xmlns:p14="http://schemas.microsoft.com/office/powerpoint/2010/main" val="399680433"/>
       </p:ext>
     </p:extLst>
   </p:cSld>

--- a/Docs/Async showcase.pptx
+++ b/Docs/Async showcase.pptx
@@ -4,6 +4,9 @@
   <p:sldMasterIdLst>
     <p:sldMasterId id="2147483702" r:id="rId1"/>
   </p:sldMasterIdLst>
+  <p:notesMasterIdLst>
+    <p:notesMasterId r:id="rId13"/>
+  </p:notesMasterIdLst>
   <p:sldIdLst>
     <p:sldId id="256" r:id="rId2"/>
     <p:sldId id="257" r:id="rId3"/>
@@ -3737,6 +3740,439 @@
 </dgm:styleDef>
 </file>
 
+<file path=ppt/notesMasters/notesMaster1.xml><?xml version="1.0" encoding="utf-8"?>
+<p:notesMaster xmlns:a="http://schemas.openxmlformats.org/drawingml/2006/main" xmlns:r="http://schemas.openxmlformats.org/officeDocument/2006/relationships" xmlns:p="http://schemas.openxmlformats.org/presentationml/2006/main">
+  <p:cSld>
+    <p:bg>
+      <p:bgRef idx="1001">
+        <a:schemeClr val="bg1"/>
+      </p:bgRef>
+    </p:bg>
+    <p:spTree>
+      <p:nvGrpSpPr>
+        <p:cNvPr id="1" name=""/>
+        <p:cNvGrpSpPr/>
+        <p:nvPr/>
+      </p:nvGrpSpPr>
+      <p:grpSpPr>
+        <a:xfrm>
+          <a:off x="0" y="0"/>
+          <a:ext cx="0" cy="0"/>
+          <a:chOff x="0" y="0"/>
+          <a:chExt cx="0" cy="0"/>
+        </a:xfrm>
+      </p:grpSpPr>
+      <p:sp>
+        <p:nvSpPr>
+          <p:cNvPr id="2" name="Tijdelijke aanduiding voor koptekst 1"/>
+          <p:cNvSpPr>
+            <a:spLocks noGrp="1"/>
+          </p:cNvSpPr>
+          <p:nvPr>
+            <p:ph type="hdr" sz="quarter"/>
+          </p:nvPr>
+        </p:nvSpPr>
+        <p:spPr>
+          <a:xfrm>
+            <a:off x="0" y="0"/>
+            <a:ext cx="2971800" cy="458788"/>
+          </a:xfrm>
+          <a:prstGeom prst="rect">
+            <a:avLst/>
+          </a:prstGeom>
+        </p:spPr>
+        <p:txBody>
+          <a:bodyPr vert="horz" lIns="91440" tIns="45720" rIns="91440" bIns="45720" rtlCol="0"/>
+          <a:lstStyle>
+            <a:lvl1pPr algn="l">
+              <a:defRPr sz="1200"/>
+            </a:lvl1pPr>
+          </a:lstStyle>
+          <a:p>
+            <a:endParaRPr lang="nl-NL"/>
+          </a:p>
+        </p:txBody>
+      </p:sp>
+      <p:sp>
+        <p:nvSpPr>
+          <p:cNvPr id="3" name="Tijdelijke aanduiding voor datum 2"/>
+          <p:cNvSpPr>
+            <a:spLocks noGrp="1"/>
+          </p:cNvSpPr>
+          <p:nvPr>
+            <p:ph type="dt" idx="1"/>
+          </p:nvPr>
+        </p:nvSpPr>
+        <p:spPr>
+          <a:xfrm>
+            <a:off x="3884613" y="0"/>
+            <a:ext cx="2971800" cy="458788"/>
+          </a:xfrm>
+          <a:prstGeom prst="rect">
+            <a:avLst/>
+          </a:prstGeom>
+        </p:spPr>
+        <p:txBody>
+          <a:bodyPr vert="horz" lIns="91440" tIns="45720" rIns="91440" bIns="45720" rtlCol="0"/>
+          <a:lstStyle>
+            <a:lvl1pPr algn="r">
+              <a:defRPr sz="1200"/>
+            </a:lvl1pPr>
+          </a:lstStyle>
+          <a:p>
+            <a:fld id="{323893A8-D601-468E-BAC1-3C501618D2F4}" type="datetimeFigureOut">
+              <a:rPr lang="nl-NL" smtClean="0"/>
+              <a:t>22-12-2022</a:t>
+            </a:fld>
+            <a:endParaRPr lang="nl-NL"/>
+          </a:p>
+        </p:txBody>
+      </p:sp>
+      <p:sp>
+        <p:nvSpPr>
+          <p:cNvPr id="4" name="Tijdelijke aanduiding voor dia-afbeelding 3"/>
+          <p:cNvSpPr>
+            <a:spLocks noGrp="1" noRot="1" noChangeAspect="1"/>
+          </p:cNvSpPr>
+          <p:nvPr>
+            <p:ph type="sldImg" idx="2"/>
+          </p:nvPr>
+        </p:nvSpPr>
+        <p:spPr>
+          <a:xfrm>
+            <a:off x="685800" y="1143000"/>
+            <a:ext cx="5486400" cy="3086100"/>
+          </a:xfrm>
+          <a:prstGeom prst="rect">
+            <a:avLst/>
+          </a:prstGeom>
+          <a:noFill/>
+          <a:ln w="12700">
+            <a:solidFill>
+              <a:prstClr val="black"/>
+            </a:solidFill>
+          </a:ln>
+        </p:spPr>
+        <p:txBody>
+          <a:bodyPr vert="horz" lIns="91440" tIns="45720" rIns="91440" bIns="45720" rtlCol="0" anchor="ctr"/>
+          <a:lstStyle/>
+          <a:p>
+            <a:endParaRPr lang="nl-NL"/>
+          </a:p>
+        </p:txBody>
+      </p:sp>
+      <p:sp>
+        <p:nvSpPr>
+          <p:cNvPr id="5" name="Tijdelijke aanduiding voor notities 4"/>
+          <p:cNvSpPr>
+            <a:spLocks noGrp="1"/>
+          </p:cNvSpPr>
+          <p:nvPr>
+            <p:ph type="body" sz="quarter" idx="3"/>
+          </p:nvPr>
+        </p:nvSpPr>
+        <p:spPr>
+          <a:xfrm>
+            <a:off x="685800" y="4400550"/>
+            <a:ext cx="5486400" cy="3600450"/>
+          </a:xfrm>
+          <a:prstGeom prst="rect">
+            <a:avLst/>
+          </a:prstGeom>
+        </p:spPr>
+        <p:txBody>
+          <a:bodyPr vert="horz" lIns="91440" tIns="45720" rIns="91440" bIns="45720" rtlCol="0"/>
+          <a:lstStyle/>
+          <a:p>
+            <a:pPr lvl="0"/>
+            <a:r>
+              <a:rPr lang="nl-NL"/>
+              <a:t>Klikken om de tekststijl van het model te bewerken</a:t>
+            </a:r>
+          </a:p>
+          <a:p>
+            <a:pPr lvl="1"/>
+            <a:r>
+              <a:rPr lang="nl-NL"/>
+              <a:t>Tweede niveau</a:t>
+            </a:r>
+          </a:p>
+          <a:p>
+            <a:pPr lvl="2"/>
+            <a:r>
+              <a:rPr lang="nl-NL"/>
+              <a:t>Derde niveau</a:t>
+            </a:r>
+          </a:p>
+          <a:p>
+            <a:pPr lvl="3"/>
+            <a:r>
+              <a:rPr lang="nl-NL"/>
+              <a:t>Vierde niveau</a:t>
+            </a:r>
+          </a:p>
+          <a:p>
+            <a:pPr lvl="4"/>
+            <a:r>
+              <a:rPr lang="nl-NL"/>
+              <a:t>Vijfde niveau</a:t>
+            </a:r>
+          </a:p>
+        </p:txBody>
+      </p:sp>
+      <p:sp>
+        <p:nvSpPr>
+          <p:cNvPr id="6" name="Tijdelijke aanduiding voor voettekst 5"/>
+          <p:cNvSpPr>
+            <a:spLocks noGrp="1"/>
+          </p:cNvSpPr>
+          <p:nvPr>
+            <p:ph type="ftr" sz="quarter" idx="4"/>
+          </p:nvPr>
+        </p:nvSpPr>
+        <p:spPr>
+          <a:xfrm>
+            <a:off x="0" y="8685213"/>
+            <a:ext cx="2971800" cy="458787"/>
+          </a:xfrm>
+          <a:prstGeom prst="rect">
+            <a:avLst/>
+          </a:prstGeom>
+        </p:spPr>
+        <p:txBody>
+          <a:bodyPr vert="horz" lIns="91440" tIns="45720" rIns="91440" bIns="45720" rtlCol="0" anchor="b"/>
+          <a:lstStyle>
+            <a:lvl1pPr algn="l">
+              <a:defRPr sz="1200"/>
+            </a:lvl1pPr>
+          </a:lstStyle>
+          <a:p>
+            <a:endParaRPr lang="nl-NL"/>
+          </a:p>
+        </p:txBody>
+      </p:sp>
+      <p:sp>
+        <p:nvSpPr>
+          <p:cNvPr id="7" name="Tijdelijke aanduiding voor dianummer 6"/>
+          <p:cNvSpPr>
+            <a:spLocks noGrp="1"/>
+          </p:cNvSpPr>
+          <p:nvPr>
+            <p:ph type="sldNum" sz="quarter" idx="5"/>
+          </p:nvPr>
+        </p:nvSpPr>
+        <p:spPr>
+          <a:xfrm>
+            <a:off x="3884613" y="8685213"/>
+            <a:ext cx="2971800" cy="458787"/>
+          </a:xfrm>
+          <a:prstGeom prst="rect">
+            <a:avLst/>
+          </a:prstGeom>
+        </p:spPr>
+        <p:txBody>
+          <a:bodyPr vert="horz" lIns="91440" tIns="45720" rIns="91440" bIns="45720" rtlCol="0" anchor="b"/>
+          <a:lstStyle>
+            <a:lvl1pPr algn="r">
+              <a:defRPr sz="1200"/>
+            </a:lvl1pPr>
+          </a:lstStyle>
+          <a:p>
+            <a:fld id="{CEC1BE19-667B-4D9F-A6CC-1AC68E1F3D22}" type="slidenum">
+              <a:rPr lang="nl-NL" smtClean="0"/>
+              <a:t>‹nr.›</a:t>
+            </a:fld>
+            <a:endParaRPr lang="nl-NL"/>
+          </a:p>
+        </p:txBody>
+      </p:sp>
+    </p:spTree>
+    <p:extLst>
+      <p:ext uri="{BB962C8B-B14F-4D97-AF65-F5344CB8AC3E}">
+        <p14:creationId xmlns:p14="http://schemas.microsoft.com/office/powerpoint/2010/main" val="2288752442"/>
+      </p:ext>
+    </p:extLst>
+  </p:cSld>
+  <p:clrMap bg1="lt1" tx1="dk1" bg2="lt2" tx2="dk2" accent1="accent1" accent2="accent2" accent3="accent3" accent4="accent4" accent5="accent5" accent6="accent6" hlink="hlink" folHlink="folHlink"/>
+  <p:notesStyle>
+    <a:lvl1pPr marL="0" algn="l" defTabSz="914400" rtl="0" eaLnBrk="1" latinLnBrk="0" hangingPunct="1">
+      <a:defRPr sz="1200" kern="1200">
+        <a:solidFill>
+          <a:schemeClr val="tx1"/>
+        </a:solidFill>
+        <a:latin typeface="+mn-lt"/>
+        <a:ea typeface="+mn-ea"/>
+        <a:cs typeface="+mn-cs"/>
+      </a:defRPr>
+    </a:lvl1pPr>
+    <a:lvl2pPr marL="457200" algn="l" defTabSz="914400" rtl="0" eaLnBrk="1" latinLnBrk="0" hangingPunct="1">
+      <a:defRPr sz="1200" kern="1200">
+        <a:solidFill>
+          <a:schemeClr val="tx1"/>
+        </a:solidFill>
+        <a:latin typeface="+mn-lt"/>
+        <a:ea typeface="+mn-ea"/>
+        <a:cs typeface="+mn-cs"/>
+      </a:defRPr>
+    </a:lvl2pPr>
+    <a:lvl3pPr marL="914400" algn="l" defTabSz="914400" rtl="0" eaLnBrk="1" latinLnBrk="0" hangingPunct="1">
+      <a:defRPr sz="1200" kern="1200">
+        <a:solidFill>
+          <a:schemeClr val="tx1"/>
+        </a:solidFill>
+        <a:latin typeface="+mn-lt"/>
+        <a:ea typeface="+mn-ea"/>
+        <a:cs typeface="+mn-cs"/>
+      </a:defRPr>
+    </a:lvl3pPr>
+    <a:lvl4pPr marL="1371600" algn="l" defTabSz="914400" rtl="0" eaLnBrk="1" latinLnBrk="0" hangingPunct="1">
+      <a:defRPr sz="1200" kern="1200">
+        <a:solidFill>
+          <a:schemeClr val="tx1"/>
+        </a:solidFill>
+        <a:latin typeface="+mn-lt"/>
+        <a:ea typeface="+mn-ea"/>
+        <a:cs typeface="+mn-cs"/>
+      </a:defRPr>
+    </a:lvl4pPr>
+    <a:lvl5pPr marL="1828800" algn="l" defTabSz="914400" rtl="0" eaLnBrk="1" latinLnBrk="0" hangingPunct="1">
+      <a:defRPr sz="1200" kern="1200">
+        <a:solidFill>
+          <a:schemeClr val="tx1"/>
+        </a:solidFill>
+        <a:latin typeface="+mn-lt"/>
+        <a:ea typeface="+mn-ea"/>
+        <a:cs typeface="+mn-cs"/>
+      </a:defRPr>
+    </a:lvl5pPr>
+    <a:lvl6pPr marL="2286000" algn="l" defTabSz="914400" rtl="0" eaLnBrk="1" latinLnBrk="0" hangingPunct="1">
+      <a:defRPr sz="1200" kern="1200">
+        <a:solidFill>
+          <a:schemeClr val="tx1"/>
+        </a:solidFill>
+        <a:latin typeface="+mn-lt"/>
+        <a:ea typeface="+mn-ea"/>
+        <a:cs typeface="+mn-cs"/>
+      </a:defRPr>
+    </a:lvl6pPr>
+    <a:lvl7pPr marL="2743200" algn="l" defTabSz="914400" rtl="0" eaLnBrk="1" latinLnBrk="0" hangingPunct="1">
+      <a:defRPr sz="1200" kern="1200">
+        <a:solidFill>
+          <a:schemeClr val="tx1"/>
+        </a:solidFill>
+        <a:latin typeface="+mn-lt"/>
+        <a:ea typeface="+mn-ea"/>
+        <a:cs typeface="+mn-cs"/>
+      </a:defRPr>
+    </a:lvl7pPr>
+    <a:lvl8pPr marL="3200400" algn="l" defTabSz="914400" rtl="0" eaLnBrk="1" latinLnBrk="0" hangingPunct="1">
+      <a:defRPr sz="1200" kern="1200">
+        <a:solidFill>
+          <a:schemeClr val="tx1"/>
+        </a:solidFill>
+        <a:latin typeface="+mn-lt"/>
+        <a:ea typeface="+mn-ea"/>
+        <a:cs typeface="+mn-cs"/>
+      </a:defRPr>
+    </a:lvl8pPr>
+    <a:lvl9pPr marL="3657600" algn="l" defTabSz="914400" rtl="0" eaLnBrk="1" latinLnBrk="0" hangingPunct="1">
+      <a:defRPr sz="1200" kern="1200">
+        <a:solidFill>
+          <a:schemeClr val="tx1"/>
+        </a:solidFill>
+        <a:latin typeface="+mn-lt"/>
+        <a:ea typeface="+mn-ea"/>
+        <a:cs typeface="+mn-cs"/>
+      </a:defRPr>
+    </a:lvl9pPr>
+  </p:notesStyle>
+</p:notesMaster>
+</file>
+
+<file path=ppt/notesSlides/notesSlide1.xml><?xml version="1.0" encoding="utf-8"?>
+<p:notes xmlns:a="http://schemas.openxmlformats.org/drawingml/2006/main" xmlns:r="http://schemas.openxmlformats.org/officeDocument/2006/relationships" xmlns:p="http://schemas.openxmlformats.org/presentationml/2006/main">
+  <p:cSld>
+    <p:spTree>
+      <p:nvGrpSpPr>
+        <p:cNvPr id="1" name=""/>
+        <p:cNvGrpSpPr/>
+        <p:nvPr/>
+      </p:nvGrpSpPr>
+      <p:grpSpPr>
+        <a:xfrm>
+          <a:off x="0" y="0"/>
+          <a:ext cx="0" cy="0"/>
+          <a:chOff x="0" y="0"/>
+          <a:chExt cx="0" cy="0"/>
+        </a:xfrm>
+      </p:grpSpPr>
+      <p:sp>
+        <p:nvSpPr>
+          <p:cNvPr id="2" name="Tijdelijke aanduiding voor dia-afbeelding 1"/>
+          <p:cNvSpPr>
+            <a:spLocks noGrp="1" noRot="1" noChangeAspect="1"/>
+          </p:cNvSpPr>
+          <p:nvPr>
+            <p:ph type="sldImg"/>
+          </p:nvPr>
+        </p:nvSpPr>
+        <p:spPr/>
+      </p:sp>
+      <p:sp>
+        <p:nvSpPr>
+          <p:cNvPr id="3" name="Tijdelijke aanduiding voor notities 2"/>
+          <p:cNvSpPr>
+            <a:spLocks noGrp="1"/>
+          </p:cNvSpPr>
+          <p:nvPr>
+            <p:ph type="body" idx="1"/>
+          </p:nvPr>
+        </p:nvSpPr>
+        <p:spPr/>
+        <p:txBody>
+          <a:bodyPr/>
+          <a:lstStyle/>
+          <a:p>
+            <a:endParaRPr lang="nl-NL" dirty="0"/>
+          </a:p>
+        </p:txBody>
+      </p:sp>
+      <p:sp>
+        <p:nvSpPr>
+          <p:cNvPr id="4" name="Tijdelijke aanduiding voor dianummer 3"/>
+          <p:cNvSpPr>
+            <a:spLocks noGrp="1"/>
+          </p:cNvSpPr>
+          <p:nvPr>
+            <p:ph type="sldNum" sz="quarter" idx="5"/>
+          </p:nvPr>
+        </p:nvSpPr>
+        <p:spPr/>
+        <p:txBody>
+          <a:bodyPr/>
+          <a:lstStyle/>
+          <a:p>
+            <a:fld id="{CEC1BE19-667B-4D9F-A6CC-1AC68E1F3D22}" type="slidenum">
+              <a:rPr lang="nl-NL" smtClean="0"/>
+              <a:t>6</a:t>
+            </a:fld>
+            <a:endParaRPr lang="nl-NL"/>
+          </a:p>
+        </p:txBody>
+      </p:sp>
+    </p:spTree>
+    <p:extLst>
+      <p:ext uri="{BB962C8B-B14F-4D97-AF65-F5344CB8AC3E}">
+        <p14:creationId xmlns:p14="http://schemas.microsoft.com/office/powerpoint/2010/main" val="2395909542"/>
+      </p:ext>
+    </p:extLst>
+  </p:cSld>
+  <p:clrMapOvr>
+    <a:masterClrMapping/>
+  </p:clrMapOvr>
+</p:notes>
+</file>
+
 <file path=ppt/slideLayouts/slideLayout1.xml><?xml version="1.0" encoding="utf-8"?>
 <p:sldLayout xmlns:a="http://schemas.openxmlformats.org/drawingml/2006/main" xmlns:r="http://schemas.openxmlformats.org/officeDocument/2006/relationships" xmlns:p="http://schemas.openxmlformats.org/presentationml/2006/main" type="title" preserve="1">
   <p:cSld name="Titeldia">
@@ -3950,7 +4386,7 @@
           <a:p>
             <a:fld id="{62D6E202-B606-4609-B914-27C9371A1F6D}" type="datetime1">
               <a:rPr lang="en-US" smtClean="0"/>
-              <a:t>12/21/2022</a:t>
+              <a:t>12/22/2022</a:t>
             </a:fld>
             <a:endParaRPr lang="en-US" dirty="0"/>
           </a:p>
@@ -3992,7 +4428,7 @@
           <a:p>
             <a:fld id="{3A98EE3D-8CD1-4C3F-BD1C-C98C9596463C}" type="slidenum">
               <a:rPr lang="en-US" smtClean="0"/>
-              <a:t>‹#›</a:t>
+              <a:t>‹nr.›</a:t>
             </a:fld>
             <a:endParaRPr lang="en-US" dirty="0"/>
           </a:p>
@@ -4242,7 +4678,7 @@
           <a:p>
             <a:fld id="{62D6E202-B606-4609-B914-27C9371A1F6D}" type="datetime1">
               <a:rPr lang="en-US" smtClean="0"/>
-              <a:t>12/21/2022</a:t>
+              <a:t>12/22/2022</a:t>
             </a:fld>
             <a:endParaRPr lang="en-US" dirty="0"/>
           </a:p>
@@ -4284,7 +4720,7 @@
           <a:p>
             <a:fld id="{3A98EE3D-8CD1-4C3F-BD1C-C98C9596463C}" type="slidenum">
               <a:rPr lang="en-US" smtClean="0"/>
-              <a:t>‹#›</a:t>
+              <a:t>‹nr.›</a:t>
             </a:fld>
             <a:endParaRPr lang="en-US" dirty="0"/>
           </a:p>
@@ -4502,7 +4938,7 @@
           <a:p>
             <a:fld id="{62D6E202-B606-4609-B914-27C9371A1F6D}" type="datetime1">
               <a:rPr lang="en-US" smtClean="0"/>
-              <a:t>12/21/2022</a:t>
+              <a:t>12/22/2022</a:t>
             </a:fld>
             <a:endParaRPr lang="en-US" dirty="0"/>
           </a:p>
@@ -4544,7 +4980,7 @@
           <a:p>
             <a:fld id="{3A98EE3D-8CD1-4C3F-BD1C-C98C9596463C}" type="slidenum">
               <a:rPr lang="en-US" smtClean="0"/>
-              <a:t>‹#›</a:t>
+              <a:t>‹nr.›</a:t>
             </a:fld>
             <a:endParaRPr lang="en-US" dirty="0"/>
           </a:p>
@@ -4972,7 +5408,7 @@
           <a:p>
             <a:fld id="{62D6E202-B606-4609-B914-27C9371A1F6D}" type="datetime1">
               <a:rPr lang="en-US" smtClean="0"/>
-              <a:t>12/21/2022</a:t>
+              <a:t>12/22/2022</a:t>
             </a:fld>
             <a:endParaRPr lang="en-US" dirty="0"/>
           </a:p>
@@ -5014,7 +5450,7 @@
           <a:p>
             <a:fld id="{3A98EE3D-8CD1-4C3F-BD1C-C98C9596463C}" type="slidenum">
               <a:rPr lang="en-US" smtClean="0"/>
-              <a:t>‹#›</a:t>
+              <a:t>‹nr.›</a:t>
             </a:fld>
             <a:endParaRPr lang="en-US" dirty="0"/>
           </a:p>
@@ -5153,7 +5589,7 @@
           <a:p>
             <a:fld id="{62D6E202-B606-4609-B914-27C9371A1F6D}" type="datetime1">
               <a:rPr lang="en-US" smtClean="0"/>
-              <a:t>12/21/2022</a:t>
+              <a:t>12/22/2022</a:t>
             </a:fld>
             <a:endParaRPr lang="en-US" dirty="0"/>
           </a:p>
@@ -5195,7 +5631,7 @@
           <a:p>
             <a:fld id="{3A98EE3D-8CD1-4C3F-BD1C-C98C9596463C}" type="slidenum">
               <a:rPr lang="en-US" smtClean="0"/>
-              <a:t>‹#›</a:t>
+              <a:t>‹nr.›</a:t>
             </a:fld>
             <a:endParaRPr lang="en-US" dirty="0"/>
           </a:p>
@@ -5730,7 +6166,7 @@
           <a:p>
             <a:fld id="{62D6E202-B606-4609-B914-27C9371A1F6D}" type="datetime1">
               <a:rPr lang="en-US" smtClean="0"/>
-              <a:t>12/21/2022</a:t>
+              <a:t>12/22/2022</a:t>
             </a:fld>
             <a:endParaRPr lang="en-US" dirty="0"/>
           </a:p>
@@ -5772,7 +6208,7 @@
           <a:p>
             <a:fld id="{3A98EE3D-8CD1-4C3F-BD1C-C98C9596463C}" type="slidenum">
               <a:rPr lang="en-US" smtClean="0"/>
-              <a:t>‹#›</a:t>
+              <a:t>‹nr.›</a:t>
             </a:fld>
             <a:endParaRPr lang="en-US" dirty="0"/>
           </a:p>
@@ -6063,7 +6499,7 @@
           <a:p>
             <a:fld id="{62D6E202-B606-4609-B914-27C9371A1F6D}" type="datetime1">
               <a:rPr lang="en-US" smtClean="0"/>
-              <a:t>12/21/2022</a:t>
+              <a:t>12/22/2022</a:t>
             </a:fld>
             <a:endParaRPr lang="en-US" dirty="0"/>
           </a:p>
@@ -6105,7 +6541,7 @@
           <a:p>
             <a:fld id="{3A98EE3D-8CD1-4C3F-BD1C-C98C9596463C}" type="slidenum">
               <a:rPr lang="en-US" smtClean="0"/>
-              <a:t>‹#›</a:t>
+              <a:t>‹nr.›</a:t>
             </a:fld>
             <a:endParaRPr lang="en-US" dirty="0"/>
           </a:p>
@@ -6239,7 +6675,7 @@
           <a:p>
             <a:fld id="{62D6E202-B606-4609-B914-27C9371A1F6D}" type="datetime1">
               <a:rPr lang="en-US" smtClean="0"/>
-              <a:t>12/21/2022</a:t>
+              <a:t>12/22/2022</a:t>
             </a:fld>
             <a:endParaRPr lang="en-US" dirty="0"/>
           </a:p>
@@ -6281,7 +6717,7 @@
           <a:p>
             <a:fld id="{3A98EE3D-8CD1-4C3F-BD1C-C98C9596463C}" type="slidenum">
               <a:rPr lang="en-US" smtClean="0"/>
-              <a:t>‹#›</a:t>
+              <a:t>‹nr.›</a:t>
             </a:fld>
             <a:endParaRPr lang="en-US" dirty="0"/>
           </a:p>
@@ -6420,7 +6856,7 @@
           <a:p>
             <a:fld id="{62D6E202-B606-4609-B914-27C9371A1F6D}" type="datetime1">
               <a:rPr lang="en-US" smtClean="0"/>
-              <a:t>12/21/2022</a:t>
+              <a:t>12/22/2022</a:t>
             </a:fld>
             <a:endParaRPr lang="en-US" dirty="0"/>
           </a:p>
@@ -6462,7 +6898,7 @@
           <a:p>
             <a:fld id="{3A98EE3D-8CD1-4C3F-BD1C-C98C9596463C}" type="slidenum">
               <a:rPr lang="en-US" smtClean="0"/>
-              <a:t>‹#›</a:t>
+              <a:t>‹nr.›</a:t>
             </a:fld>
             <a:endParaRPr lang="en-US" dirty="0"/>
           </a:p>
@@ -6591,7 +7027,7 @@
           <a:p>
             <a:fld id="{62D6E202-B606-4609-B914-27C9371A1F6D}" type="datetime1">
               <a:rPr lang="en-US" smtClean="0"/>
-              <a:t>12/21/2022</a:t>
+              <a:t>12/22/2022</a:t>
             </a:fld>
             <a:endParaRPr lang="en-US" dirty="0"/>
           </a:p>
@@ -6633,7 +7069,7 @@
           <a:p>
             <a:fld id="{3A98EE3D-8CD1-4C3F-BD1C-C98C9596463C}" type="slidenum">
               <a:rPr lang="en-US" smtClean="0"/>
-              <a:t>‹#›</a:t>
+              <a:t>‹nr.›</a:t>
             </a:fld>
             <a:endParaRPr lang="en-US" dirty="0"/>
           </a:p>
@@ -6849,7 +7285,7 @@
           <a:p>
             <a:fld id="{62D6E202-B606-4609-B914-27C9371A1F6D}" type="datetime1">
               <a:rPr lang="en-US" smtClean="0"/>
-              <a:t>12/21/2022</a:t>
+              <a:t>12/22/2022</a:t>
             </a:fld>
             <a:endParaRPr lang="en-US" dirty="0"/>
           </a:p>
@@ -6891,7 +7327,7 @@
           <a:p>
             <a:fld id="{3A98EE3D-8CD1-4C3F-BD1C-C98C9596463C}" type="slidenum">
               <a:rPr lang="en-US" smtClean="0"/>
-              <a:t>‹#›</a:t>
+              <a:t>‹nr.›</a:t>
             </a:fld>
             <a:endParaRPr lang="en-US" dirty="0"/>
           </a:p>
@@ -7142,7 +7578,7 @@
           <a:p>
             <a:fld id="{62D6E202-B606-4609-B914-27C9371A1F6D}" type="datetime1">
               <a:rPr lang="en-US" smtClean="0"/>
-              <a:t>12/21/2022</a:t>
+              <a:t>12/22/2022</a:t>
             </a:fld>
             <a:endParaRPr lang="en-US" dirty="0"/>
           </a:p>
@@ -7184,7 +7620,7 @@
           <a:p>
             <a:fld id="{3A98EE3D-8CD1-4C3F-BD1C-C98C9596463C}" type="slidenum">
               <a:rPr lang="en-US" smtClean="0"/>
-              <a:t>‹#›</a:t>
+              <a:t>‹nr.›</a:t>
             </a:fld>
             <a:endParaRPr lang="en-US" dirty="0"/>
           </a:p>
@@ -7573,7 +8009,7 @@
           <a:p>
             <a:fld id="{62D6E202-B606-4609-B914-27C9371A1F6D}" type="datetime1">
               <a:rPr lang="en-US" smtClean="0"/>
-              <a:t>12/21/2022</a:t>
+              <a:t>12/22/2022</a:t>
             </a:fld>
             <a:endParaRPr lang="en-US" dirty="0"/>
           </a:p>
@@ -7615,7 +8051,7 @@
           <a:p>
             <a:fld id="{3A98EE3D-8CD1-4C3F-BD1C-C98C9596463C}" type="slidenum">
               <a:rPr lang="en-US" smtClean="0"/>
-              <a:t>‹#›</a:t>
+              <a:t>‹nr.›</a:t>
             </a:fld>
             <a:endParaRPr lang="en-US" dirty="0"/>
           </a:p>
@@ -7692,7 +8128,7 @@
           <a:p>
             <a:fld id="{62D6E202-B606-4609-B914-27C9371A1F6D}" type="datetime1">
               <a:rPr lang="en-US" smtClean="0"/>
-              <a:t>12/21/2022</a:t>
+              <a:t>12/22/2022</a:t>
             </a:fld>
             <a:endParaRPr lang="en-US" dirty="0"/>
           </a:p>
@@ -7734,7 +8170,7 @@
           <a:p>
             <a:fld id="{3A98EE3D-8CD1-4C3F-BD1C-C98C9596463C}" type="slidenum">
               <a:rPr lang="en-US" smtClean="0"/>
-              <a:t>‹#›</a:t>
+              <a:t>‹nr.›</a:t>
             </a:fld>
             <a:endParaRPr lang="en-US" dirty="0"/>
           </a:p>
@@ -7788,7 +8224,7 @@
           <a:p>
             <a:fld id="{62D6E202-B606-4609-B914-27C9371A1F6D}" type="datetime1">
               <a:rPr lang="en-US" smtClean="0"/>
-              <a:t>12/21/2022</a:t>
+              <a:t>12/22/2022</a:t>
             </a:fld>
             <a:endParaRPr lang="en-US" dirty="0"/>
           </a:p>
@@ -7830,7 +8266,7 @@
           <a:p>
             <a:fld id="{3A98EE3D-8CD1-4C3F-BD1C-C98C9596463C}" type="slidenum">
               <a:rPr lang="en-US" smtClean="0"/>
-              <a:t>‹#›</a:t>
+              <a:t>‹nr.›</a:t>
             </a:fld>
             <a:endParaRPr lang="en-US" dirty="0"/>
           </a:p>
@@ -8072,7 +8508,7 @@
           <a:p>
             <a:fld id="{62D6E202-B606-4609-B914-27C9371A1F6D}" type="datetime1">
               <a:rPr lang="en-US" smtClean="0"/>
-              <a:t>12/21/2022</a:t>
+              <a:t>12/22/2022</a:t>
             </a:fld>
             <a:endParaRPr lang="en-US" dirty="0"/>
           </a:p>
@@ -8114,7 +8550,7 @@
           <a:p>
             <a:fld id="{3A98EE3D-8CD1-4C3F-BD1C-C98C9596463C}" type="slidenum">
               <a:rPr lang="en-US" smtClean="0"/>
-              <a:t>‹#›</a:t>
+              <a:t>‹nr.›</a:t>
             </a:fld>
             <a:endParaRPr lang="en-US" dirty="0"/>
           </a:p>
@@ -8364,7 +8800,7 @@
           <a:p>
             <a:fld id="{62D6E202-B606-4609-B914-27C9371A1F6D}" type="datetime1">
               <a:rPr lang="en-US" smtClean="0"/>
-              <a:t>12/21/2022</a:t>
+              <a:t>12/22/2022</a:t>
             </a:fld>
             <a:endParaRPr lang="en-US" dirty="0"/>
           </a:p>
@@ -8416,7 +8852,7 @@
           <a:p>
             <a:fld id="{3A98EE3D-8CD1-4C3F-BD1C-C98C9596463C}" type="slidenum">
               <a:rPr lang="en-US" smtClean="0"/>
-              <a:t>‹#›</a:t>
+              <a:t>‹nr.›</a:t>
             </a:fld>
             <a:endParaRPr lang="en-US" dirty="0"/>
           </a:p>
@@ -8596,7 +9032,7 @@
           <a:p>
             <a:fld id="{62D6E202-B606-4609-B914-27C9371A1F6D}" type="datetime1">
               <a:rPr lang="en-US" smtClean="0"/>
-              <a:t>12/21/2022</a:t>
+              <a:t>12/22/2022</a:t>
             </a:fld>
             <a:endParaRPr lang="en-US" dirty="0"/>
           </a:p>
@@ -8690,7 +9126,7 @@
           <a:p>
             <a:fld id="{3A98EE3D-8CD1-4C3F-BD1C-C98C9596463C}" type="slidenum">
               <a:rPr lang="en-US" smtClean="0"/>
-              <a:t>‹#›</a:t>
+              <a:t>‹nr.›</a:t>
             </a:fld>
             <a:endParaRPr lang="en-US" dirty="0"/>
           </a:p>
@@ -10923,6 +11359,30 @@
             </a:r>
             <a:r>
               <a:rPr lang="en-US" dirty="0"/>
+              <a:t> </a:t>
+            </a:r>
+            <a:r>
+              <a:rPr lang="en-US" dirty="0" err="1"/>
+              <a:t>en</a:t>
+            </a:r>
+            <a:r>
+              <a:rPr lang="en-US" dirty="0"/>
+              <a:t> </a:t>
+            </a:r>
+            <a:r>
+              <a:rPr lang="en-US" dirty="0" err="1"/>
+              <a:t>nadelen</a:t>
+            </a:r>
+            <a:r>
+              <a:rPr lang="en-US" dirty="0"/>
+              <a:t> </a:t>
+            </a:r>
+            <a:r>
+              <a:rPr lang="en-US" dirty="0" err="1"/>
+              <a:t>zijn</a:t>
+            </a:r>
+            <a:r>
+              <a:rPr lang="en-US" dirty="0"/>
               <a:t> van </a:t>
             </a:r>
             <a:r>
@@ -10936,14 +11396,6 @@
             <a:r>
               <a:rPr lang="en-US" dirty="0" err="1"/>
               <a:t>programmeren</a:t>
-            </a:r>
-            <a:r>
-              <a:rPr lang="en-US" dirty="0"/>
-              <a:t> </a:t>
-            </a:r>
-            <a:r>
-              <a:rPr lang="en-US" dirty="0" err="1"/>
-              <a:t>zijn</a:t>
             </a:r>
             <a:endParaRPr lang="en-US" dirty="0"/>
           </a:p>
@@ -11420,12 +11872,15 @@
           <a:p>
             <a:pPr lvl="1"/>
             <a:r>
-              <a:rPr lang="en-US" dirty="0" err="1"/>
-              <a:t>Concurency</a:t>
-            </a:r>
-            <a:r>
               <a:rPr lang="en-US" dirty="0"/>
-              <a:t> (deadlocks)</a:t>
+              <a:t>Deadlocks</a:t>
+            </a:r>
+          </a:p>
+          <a:p>
+            <a:pPr lvl="1"/>
+            <a:r>
+              <a:rPr lang="en-US" dirty="0"/>
+              <a:t>Race conditions</a:t>
             </a:r>
           </a:p>
           <a:p>
@@ -12072,7 +12527,7 @@
     <p:bg>
       <p:bgPr>
         <a:blipFill rotWithShape="1">
-          <a:blip r:embed="rId2">
+          <a:blip r:embed="rId3">
             <a:duotone>
               <a:schemeClr val="bg2">
                 <a:shade val="28000"/>
@@ -12225,7 +12680,7 @@
           <p:nvPr/>
         </p:nvPicPr>
         <p:blipFill>
-          <a:blip r:embed="rId3"/>
+          <a:blip r:embed="rId4"/>
           <a:stretch>
             <a:fillRect/>
           </a:stretch>
@@ -12983,4 +13438,299 @@
     </a:ext>
   </a:extLst>
 </a:theme>
+</file>
+
+<file path=ppt/theme/theme2.xml><?xml version="1.0" encoding="utf-8"?>
+<a:theme xmlns:a="http://schemas.openxmlformats.org/drawingml/2006/main" name="Kantoorthema">
+  <a:themeElements>
+    <a:clrScheme name="Office">
+      <a:dk1>
+        <a:sysClr val="windowText" lastClr="000000"/>
+      </a:dk1>
+      <a:lt1>
+        <a:sysClr val="window" lastClr="FFFFFF"/>
+      </a:lt1>
+      <a:dk2>
+        <a:srgbClr val="44546A"/>
+      </a:dk2>
+      <a:lt2>
+        <a:srgbClr val="E7E6E6"/>
+      </a:lt2>
+      <a:accent1>
+        <a:srgbClr val="4472C4"/>
+      </a:accent1>
+      <a:accent2>
+        <a:srgbClr val="ED7D31"/>
+      </a:accent2>
+      <a:accent3>
+        <a:srgbClr val="A5A5A5"/>
+      </a:accent3>
+      <a:accent4>
+        <a:srgbClr val="FFC000"/>
+      </a:accent4>
+      <a:accent5>
+        <a:srgbClr val="5B9BD5"/>
+      </a:accent5>
+      <a:accent6>
+        <a:srgbClr val="70AD47"/>
+      </a:accent6>
+      <a:hlink>
+        <a:srgbClr val="0563C1"/>
+      </a:hlink>
+      <a:folHlink>
+        <a:srgbClr val="954F72"/>
+      </a:folHlink>
+    </a:clrScheme>
+    <a:fontScheme name="Office">
+      <a:majorFont>
+        <a:latin typeface="Calibri Light" panose="020F0302020204030204"/>
+        <a:ea typeface=""/>
+        <a:cs typeface=""/>
+        <a:font script="Jpan" typeface="游ゴシック Light"/>
+        <a:font script="Hang" typeface="맑은 고딕"/>
+        <a:font script="Hans" typeface="等线 Light"/>
+        <a:font script="Hant" typeface="新細明體"/>
+        <a:font script="Arab" typeface="Times New Roman"/>
+        <a:font script="Hebr" typeface="Times New Roman"/>
+        <a:font script="Thai" typeface="Angsana New"/>
+        <a:font script="Ethi" typeface="Nyala"/>
+        <a:font script="Beng" typeface="Vrinda"/>
+        <a:font script="Gujr" typeface="Shruti"/>
+        <a:font script="Khmr" typeface="MoolBoran"/>
+        <a:font script="Knda" typeface="Tunga"/>
+        <a:font script="Guru" typeface="Raavi"/>
+        <a:font script="Cans" typeface="Euphemia"/>
+        <a:font script="Cher" typeface="Plantagenet Cherokee"/>
+        <a:font script="Yiii" typeface="Microsoft Yi Baiti"/>
+        <a:font script="Tibt" typeface="Microsoft Himalaya"/>
+        <a:font script="Thaa" typeface="MV Boli"/>
+        <a:font script="Deva" typeface="Mangal"/>
+        <a:font script="Telu" typeface="Gautami"/>
+        <a:font script="Taml" typeface="Latha"/>
+        <a:font script="Syrc" typeface="Estrangelo Edessa"/>
+        <a:font script="Orya" typeface="Kalinga"/>
+        <a:font script="Mlym" typeface="Kartika"/>
+        <a:font script="Laoo" typeface="DokChampa"/>
+        <a:font script="Sinh" typeface="Iskoola Pota"/>
+        <a:font script="Mong" typeface="Mongolian Baiti"/>
+        <a:font script="Viet" typeface="Times New Roman"/>
+        <a:font script="Uigh" typeface="Microsoft Uighur"/>
+        <a:font script="Geor" typeface="Sylfaen"/>
+        <a:font script="Armn" typeface="Arial"/>
+        <a:font script="Bugi" typeface="Leelawadee UI"/>
+        <a:font script="Bopo" typeface="Microsoft JhengHei"/>
+        <a:font script="Java" typeface="Javanese Text"/>
+        <a:font script="Lisu" typeface="Segoe UI"/>
+        <a:font script="Mymr" typeface="Myanmar Text"/>
+        <a:font script="Nkoo" typeface="Ebrima"/>
+        <a:font script="Olck" typeface="Nirmala UI"/>
+        <a:font script="Osma" typeface="Ebrima"/>
+        <a:font script="Phag" typeface="Phagspa"/>
+        <a:font script="Syrn" typeface="Estrangelo Edessa"/>
+        <a:font script="Syrj" typeface="Estrangelo Edessa"/>
+        <a:font script="Syre" typeface="Estrangelo Edessa"/>
+        <a:font script="Sora" typeface="Nirmala UI"/>
+        <a:font script="Tale" typeface="Microsoft Tai Le"/>
+        <a:font script="Talu" typeface="Microsoft New Tai Lue"/>
+        <a:font script="Tfng" typeface="Ebrima"/>
+      </a:majorFont>
+      <a:minorFont>
+        <a:latin typeface="Calibri" panose="020F0502020204030204"/>
+        <a:ea typeface=""/>
+        <a:cs typeface=""/>
+        <a:font script="Jpan" typeface="游ゴシック"/>
+        <a:font script="Hang" typeface="맑은 고딕"/>
+        <a:font script="Hans" typeface="等线"/>
+        <a:font script="Hant" typeface="新細明體"/>
+        <a:font script="Arab" typeface="Arial"/>
+        <a:font script="Hebr" typeface="Arial"/>
+        <a:font script="Thai" typeface="Cordia New"/>
+        <a:font script="Ethi" typeface="Nyala"/>
+        <a:font script="Beng" typeface="Vrinda"/>
+        <a:font script="Gujr" typeface="Shruti"/>
+        <a:font script="Khmr" typeface="DaunPenh"/>
+        <a:font script="Knda" typeface="Tunga"/>
+        <a:font script="Guru" typeface="Raavi"/>
+        <a:font script="Cans" typeface="Euphemia"/>
+        <a:font script="Cher" typeface="Plantagenet Cherokee"/>
+        <a:font script="Yiii" typeface="Microsoft Yi Baiti"/>
+        <a:font script="Tibt" typeface="Microsoft Himalaya"/>
+        <a:font script="Thaa" typeface="MV Boli"/>
+        <a:font script="Deva" typeface="Mangal"/>
+        <a:font script="Telu" typeface="Gautami"/>
+        <a:font script="Taml" typeface="Latha"/>
+        <a:font script="Syrc" typeface="Estrangelo Edessa"/>
+        <a:font script="Orya" typeface="Kalinga"/>
+        <a:font script="Mlym" typeface="Kartika"/>
+        <a:font script="Laoo" typeface="DokChampa"/>
+        <a:font script="Sinh" typeface="Iskoola Pota"/>
+        <a:font script="Mong" typeface="Mongolian Baiti"/>
+        <a:font script="Viet" typeface="Arial"/>
+        <a:font script="Uigh" typeface="Microsoft Uighur"/>
+        <a:font script="Geor" typeface="Sylfaen"/>
+        <a:font script="Armn" typeface="Arial"/>
+        <a:font script="Bugi" typeface="Leelawadee UI"/>
+        <a:font script="Bopo" typeface="Microsoft JhengHei"/>
+        <a:font script="Java" typeface="Javanese Text"/>
+        <a:font script="Lisu" typeface="Segoe UI"/>
+        <a:font script="Mymr" typeface="Myanmar Text"/>
+        <a:font script="Nkoo" typeface="Ebrima"/>
+        <a:font script="Olck" typeface="Nirmala UI"/>
+        <a:font script="Osma" typeface="Ebrima"/>
+        <a:font script="Phag" typeface="Phagspa"/>
+        <a:font script="Syrn" typeface="Estrangelo Edessa"/>
+        <a:font script="Syrj" typeface="Estrangelo Edessa"/>
+        <a:font script="Syre" typeface="Estrangelo Edessa"/>
+        <a:font script="Sora" typeface="Nirmala UI"/>
+        <a:font script="Tale" typeface="Microsoft Tai Le"/>
+        <a:font script="Talu" typeface="Microsoft New Tai Lue"/>
+        <a:font script="Tfng" typeface="Ebrima"/>
+      </a:minorFont>
+    </a:fontScheme>
+    <a:fmtScheme name="Office">
+      <a:fillStyleLst>
+        <a:solidFill>
+          <a:schemeClr val="phClr"/>
+        </a:solidFill>
+        <a:gradFill rotWithShape="1">
+          <a:gsLst>
+            <a:gs pos="0">
+              <a:schemeClr val="phClr">
+                <a:lumMod val="110000"/>
+                <a:satMod val="105000"/>
+                <a:tint val="67000"/>
+              </a:schemeClr>
+            </a:gs>
+            <a:gs pos="50000">
+              <a:schemeClr val="phClr">
+                <a:lumMod val="105000"/>
+                <a:satMod val="103000"/>
+                <a:tint val="73000"/>
+              </a:schemeClr>
+            </a:gs>
+            <a:gs pos="100000">
+              <a:schemeClr val="phClr">
+                <a:lumMod val="105000"/>
+                <a:satMod val="109000"/>
+                <a:tint val="81000"/>
+              </a:schemeClr>
+            </a:gs>
+          </a:gsLst>
+          <a:lin ang="5400000" scaled="0"/>
+        </a:gradFill>
+        <a:gradFill rotWithShape="1">
+          <a:gsLst>
+            <a:gs pos="0">
+              <a:schemeClr val="phClr">
+                <a:satMod val="103000"/>
+                <a:lumMod val="102000"/>
+                <a:tint val="94000"/>
+              </a:schemeClr>
+            </a:gs>
+            <a:gs pos="50000">
+              <a:schemeClr val="phClr">
+                <a:satMod val="110000"/>
+                <a:lumMod val="100000"/>
+                <a:shade val="100000"/>
+              </a:schemeClr>
+            </a:gs>
+            <a:gs pos="100000">
+              <a:schemeClr val="phClr">
+                <a:lumMod val="99000"/>
+                <a:satMod val="120000"/>
+                <a:shade val="78000"/>
+              </a:schemeClr>
+            </a:gs>
+          </a:gsLst>
+          <a:lin ang="5400000" scaled="0"/>
+        </a:gradFill>
+      </a:fillStyleLst>
+      <a:lnStyleLst>
+        <a:ln w="6350" cap="flat" cmpd="sng" algn="ctr">
+          <a:solidFill>
+            <a:schemeClr val="phClr"/>
+          </a:solidFill>
+          <a:prstDash val="solid"/>
+          <a:miter lim="800000"/>
+        </a:ln>
+        <a:ln w="12700" cap="flat" cmpd="sng" algn="ctr">
+          <a:solidFill>
+            <a:schemeClr val="phClr"/>
+          </a:solidFill>
+          <a:prstDash val="solid"/>
+          <a:miter lim="800000"/>
+        </a:ln>
+        <a:ln w="19050" cap="flat" cmpd="sng" algn="ctr">
+          <a:solidFill>
+            <a:schemeClr val="phClr"/>
+          </a:solidFill>
+          <a:prstDash val="solid"/>
+          <a:miter lim="800000"/>
+        </a:ln>
+      </a:lnStyleLst>
+      <a:effectStyleLst>
+        <a:effectStyle>
+          <a:effectLst/>
+        </a:effectStyle>
+        <a:effectStyle>
+          <a:effectLst/>
+        </a:effectStyle>
+        <a:effectStyle>
+          <a:effectLst>
+            <a:outerShdw blurRad="57150" dist="19050" dir="5400000" algn="ctr" rotWithShape="0">
+              <a:srgbClr val="000000">
+                <a:alpha val="63000"/>
+              </a:srgbClr>
+            </a:outerShdw>
+          </a:effectLst>
+        </a:effectStyle>
+      </a:effectStyleLst>
+      <a:bgFillStyleLst>
+        <a:solidFill>
+          <a:schemeClr val="phClr"/>
+        </a:solidFill>
+        <a:solidFill>
+          <a:schemeClr val="phClr">
+            <a:tint val="95000"/>
+            <a:satMod val="170000"/>
+          </a:schemeClr>
+        </a:solidFill>
+        <a:gradFill rotWithShape="1">
+          <a:gsLst>
+            <a:gs pos="0">
+              <a:schemeClr val="phClr">
+                <a:tint val="93000"/>
+                <a:satMod val="150000"/>
+                <a:shade val="98000"/>
+                <a:lumMod val="102000"/>
+              </a:schemeClr>
+            </a:gs>
+            <a:gs pos="50000">
+              <a:schemeClr val="phClr">
+                <a:tint val="98000"/>
+                <a:satMod val="130000"/>
+                <a:shade val="90000"/>
+                <a:lumMod val="103000"/>
+              </a:schemeClr>
+            </a:gs>
+            <a:gs pos="100000">
+              <a:schemeClr val="phClr">
+                <a:shade val="63000"/>
+                <a:satMod val="120000"/>
+              </a:schemeClr>
+            </a:gs>
+          </a:gsLst>
+          <a:lin ang="5400000" scaled="0"/>
+        </a:gradFill>
+      </a:bgFillStyleLst>
+    </a:fmtScheme>
+  </a:themeElements>
+  <a:objectDefaults/>
+  <a:extraClrSchemeLst/>
+  <a:extLst>
+    <a:ext uri="{05A4C25C-085E-4340-85A3-A5531E510DB2}">
+      <thm15:themeFamily xmlns:thm15="http://schemas.microsoft.com/office/thememl/2012/main" name="Office Theme" id="{62F939B6-93AF-4DB8-9C6B-D6C7DFDC589F}" vid="{4A3C46E8-61CC-4603-A589-7422A47A8E4A}"/>
+    </a:ext>
+  </a:extLst>
+</a:theme>
 </file>
--- a/Docs/Async showcase.pptx
+++ b/Docs/Async showcase.pptx
@@ -11285,7 +11285,7 @@
           </a:xfrm>
         </p:spPr>
         <p:txBody>
-          <a:bodyPr>
+          <a:bodyPr anchor="t">
             <a:normAutofit/>
           </a:bodyPr>
           <a:lstStyle/>
@@ -11403,7 +11403,7 @@
             <a:pPr lvl="1"/>
             <a:r>
               <a:rPr lang="en-US" dirty="0"/>
-              <a:t>Wat is </a:t>
+              <a:t>Wat </a:t>
             </a:r>
             <a:r>
               <a:rPr lang="en-US" dirty="0" err="1"/>
@@ -11411,8 +11411,42 @@
             </a:r>
             <a:r>
               <a:rPr lang="en-US" dirty="0"/>
-              <a:t> task in C#</a:t>
-            </a:r>
+              <a:t> task in C# is</a:t>
+            </a:r>
+          </a:p>
+          <a:p>
+            <a:pPr lvl="1"/>
+            <a:r>
+              <a:rPr lang="en-US" dirty="0"/>
+              <a:t>Wat </a:t>
+            </a:r>
+            <a:r>
+              <a:rPr lang="en-US" dirty="0" err="1"/>
+              <a:t>een</a:t>
+            </a:r>
+            <a:r>
+              <a:rPr lang="en-US" dirty="0"/>
+              <a:t> deadlock</a:t>
+            </a:r>
+          </a:p>
+          <a:p>
+            <a:pPr lvl="1"/>
+            <a:r>
+              <a:rPr lang="en-US" dirty="0"/>
+              <a:t>Wat </a:t>
+            </a:r>
+            <a:r>
+              <a:rPr lang="en-US" dirty="0" err="1"/>
+              <a:t>een</a:t>
+            </a:r>
+            <a:r>
+              <a:rPr lang="en-US" dirty="0"/>
+              <a:t> race condition is</a:t>
+            </a:r>
+          </a:p>
+          <a:p>
+            <a:pPr lvl="1"/>
+            <a:endParaRPr lang="en-US" dirty="0"/>
           </a:p>
           <a:p>
             <a:pPr lvl="1"/>
@@ -11881,13 +11915,6 @@
             <a:r>
               <a:rPr lang="en-US" dirty="0"/>
               <a:t>Race conditions</a:t>
-            </a:r>
-          </a:p>
-          <a:p>
-            <a:pPr lvl="1"/>
-            <a:r>
-              <a:rPr lang="en-US" dirty="0"/>
-              <a:t>Overdoing it</a:t>
             </a:r>
           </a:p>
           <a:p>

--- a/Docs/Async showcase.pptx
+++ b/Docs/Async showcase.pptx
@@ -3980,7 +3980,7 @@
           <a:p>
             <a:fld id="{CEC1BE19-667B-4D9F-A6CC-1AC68E1F3D22}" type="slidenum">
               <a:rPr lang="nl-NL" smtClean="0"/>
-              <a:t>‹nr.›</a:t>
+              <a:t>‹#›</a:t>
             </a:fld>
             <a:endParaRPr lang="nl-NL"/>
           </a:p>
@@ -4428,7 +4428,7 @@
           <a:p>
             <a:fld id="{3A98EE3D-8CD1-4C3F-BD1C-C98C9596463C}" type="slidenum">
               <a:rPr lang="en-US" smtClean="0"/>
-              <a:t>‹nr.›</a:t>
+              <a:t>‹#›</a:t>
             </a:fld>
             <a:endParaRPr lang="en-US" dirty="0"/>
           </a:p>
@@ -4720,7 +4720,7 @@
           <a:p>
             <a:fld id="{3A98EE3D-8CD1-4C3F-BD1C-C98C9596463C}" type="slidenum">
               <a:rPr lang="en-US" smtClean="0"/>
-              <a:t>‹nr.›</a:t>
+              <a:t>‹#›</a:t>
             </a:fld>
             <a:endParaRPr lang="en-US" dirty="0"/>
           </a:p>
@@ -4980,7 +4980,7 @@
           <a:p>
             <a:fld id="{3A98EE3D-8CD1-4C3F-BD1C-C98C9596463C}" type="slidenum">
               <a:rPr lang="en-US" smtClean="0"/>
-              <a:t>‹nr.›</a:t>
+              <a:t>‹#›</a:t>
             </a:fld>
             <a:endParaRPr lang="en-US" dirty="0"/>
           </a:p>
@@ -5450,7 +5450,7 @@
           <a:p>
             <a:fld id="{3A98EE3D-8CD1-4C3F-BD1C-C98C9596463C}" type="slidenum">
               <a:rPr lang="en-US" smtClean="0"/>
-              <a:t>‹nr.›</a:t>
+              <a:t>‹#›</a:t>
             </a:fld>
             <a:endParaRPr lang="en-US" dirty="0"/>
           </a:p>
@@ -5631,7 +5631,7 @@
           <a:p>
             <a:fld id="{3A98EE3D-8CD1-4C3F-BD1C-C98C9596463C}" type="slidenum">
               <a:rPr lang="en-US" smtClean="0"/>
-              <a:t>‹nr.›</a:t>
+              <a:t>‹#›</a:t>
             </a:fld>
             <a:endParaRPr lang="en-US" dirty="0"/>
           </a:p>
@@ -6208,7 +6208,7 @@
           <a:p>
             <a:fld id="{3A98EE3D-8CD1-4C3F-BD1C-C98C9596463C}" type="slidenum">
               <a:rPr lang="en-US" smtClean="0"/>
-              <a:t>‹nr.›</a:t>
+              <a:t>‹#›</a:t>
             </a:fld>
             <a:endParaRPr lang="en-US" dirty="0"/>
           </a:p>
@@ -6541,7 +6541,7 @@
           <a:p>
             <a:fld id="{3A98EE3D-8CD1-4C3F-BD1C-C98C9596463C}" type="slidenum">
               <a:rPr lang="en-US" smtClean="0"/>
-              <a:t>‹nr.›</a:t>
+              <a:t>‹#›</a:t>
             </a:fld>
             <a:endParaRPr lang="en-US" dirty="0"/>
           </a:p>
@@ -6717,7 +6717,7 @@
           <a:p>
             <a:fld id="{3A98EE3D-8CD1-4C3F-BD1C-C98C9596463C}" type="slidenum">
               <a:rPr lang="en-US" smtClean="0"/>
-              <a:t>‹nr.›</a:t>
+              <a:t>‹#›</a:t>
             </a:fld>
             <a:endParaRPr lang="en-US" dirty="0"/>
           </a:p>
@@ -6898,7 +6898,7 @@
           <a:p>
             <a:fld id="{3A98EE3D-8CD1-4C3F-BD1C-C98C9596463C}" type="slidenum">
               <a:rPr lang="en-US" smtClean="0"/>
-              <a:t>‹nr.›</a:t>
+              <a:t>‹#›</a:t>
             </a:fld>
             <a:endParaRPr lang="en-US" dirty="0"/>
           </a:p>
@@ -7069,7 +7069,7 @@
           <a:p>
             <a:fld id="{3A98EE3D-8CD1-4C3F-BD1C-C98C9596463C}" type="slidenum">
               <a:rPr lang="en-US" smtClean="0"/>
-              <a:t>‹nr.›</a:t>
+              <a:t>‹#›</a:t>
             </a:fld>
             <a:endParaRPr lang="en-US" dirty="0"/>
           </a:p>
@@ -7327,7 +7327,7 @@
           <a:p>
             <a:fld id="{3A98EE3D-8CD1-4C3F-BD1C-C98C9596463C}" type="slidenum">
               <a:rPr lang="en-US" smtClean="0"/>
-              <a:t>‹nr.›</a:t>
+              <a:t>‹#›</a:t>
             </a:fld>
             <a:endParaRPr lang="en-US" dirty="0"/>
           </a:p>
@@ -7620,7 +7620,7 @@
           <a:p>
             <a:fld id="{3A98EE3D-8CD1-4C3F-BD1C-C98C9596463C}" type="slidenum">
               <a:rPr lang="en-US" smtClean="0"/>
-              <a:t>‹nr.›</a:t>
+              <a:t>‹#›</a:t>
             </a:fld>
             <a:endParaRPr lang="en-US" dirty="0"/>
           </a:p>
@@ -8051,7 +8051,7 @@
           <a:p>
             <a:fld id="{3A98EE3D-8CD1-4C3F-BD1C-C98C9596463C}" type="slidenum">
               <a:rPr lang="en-US" smtClean="0"/>
-              <a:t>‹nr.›</a:t>
+              <a:t>‹#›</a:t>
             </a:fld>
             <a:endParaRPr lang="en-US" dirty="0"/>
           </a:p>
@@ -8170,7 +8170,7 @@
           <a:p>
             <a:fld id="{3A98EE3D-8CD1-4C3F-BD1C-C98C9596463C}" type="slidenum">
               <a:rPr lang="en-US" smtClean="0"/>
-              <a:t>‹nr.›</a:t>
+              <a:t>‹#›</a:t>
             </a:fld>
             <a:endParaRPr lang="en-US" dirty="0"/>
           </a:p>
@@ -8266,7 +8266,7 @@
           <a:p>
             <a:fld id="{3A98EE3D-8CD1-4C3F-BD1C-C98C9596463C}" type="slidenum">
               <a:rPr lang="en-US" smtClean="0"/>
-              <a:t>‹nr.›</a:t>
+              <a:t>‹#›</a:t>
             </a:fld>
             <a:endParaRPr lang="en-US" dirty="0"/>
           </a:p>
@@ -8550,7 +8550,7 @@
           <a:p>
             <a:fld id="{3A98EE3D-8CD1-4C3F-BD1C-C98C9596463C}" type="slidenum">
               <a:rPr lang="en-US" smtClean="0"/>
-              <a:t>‹nr.›</a:t>
+              <a:t>‹#›</a:t>
             </a:fld>
             <a:endParaRPr lang="en-US" dirty="0"/>
           </a:p>
@@ -8852,7 +8852,7 @@
           <a:p>
             <a:fld id="{3A98EE3D-8CD1-4C3F-BD1C-C98C9596463C}" type="slidenum">
               <a:rPr lang="en-US" smtClean="0"/>
-              <a:t>‹nr.›</a:t>
+              <a:t>‹#›</a:t>
             </a:fld>
             <a:endParaRPr lang="en-US" dirty="0"/>
           </a:p>
@@ -9126,7 +9126,7 @@
           <a:p>
             <a:fld id="{3A98EE3D-8CD1-4C3F-BD1C-C98C9596463C}" type="slidenum">
               <a:rPr lang="en-US" smtClean="0"/>
-              <a:t>‹nr.›</a:t>
+              <a:t>‹#›</a:t>
             </a:fld>
             <a:endParaRPr lang="en-US" dirty="0"/>
           </a:p>
@@ -11829,6 +11829,14 @@
           <a:p>
             <a:pPr lvl="1"/>
             <a:r>
+              <a:rPr lang="en-US"/>
+              <a:t>Snelheid</a:t>
+            </a:r>
+            <a:endParaRPr lang="en-US" dirty="0"/>
+          </a:p>
+          <a:p>
+            <a:pPr lvl="1"/>
+            <a:r>
               <a:rPr lang="en-US" dirty="0" err="1"/>
               <a:t>Vrij</a:t>
             </a:r>
